--- a/slides/On-Campus/06_03_MoreMethods.pptx
+++ b/slides/On-Campus/06_03_MoreMethods.pptx
@@ -5,25 +5,26 @@
     <p:sldMasterId id="2147483648" r:id="rId1"/>
   </p:sldMasterIdLst>
   <p:notesMasterIdLst>
-    <p:notesMasterId r:id="rId15"/>
+    <p:notesMasterId r:id="rId16"/>
   </p:notesMasterIdLst>
   <p:handoutMasterIdLst>
-    <p:handoutMasterId r:id="rId16"/>
+    <p:handoutMasterId r:id="rId17"/>
   </p:handoutMasterIdLst>
   <p:sldIdLst>
     <p:sldId id="256" r:id="rId2"/>
-    <p:sldId id="257" r:id="rId3"/>
-    <p:sldId id="258" r:id="rId4"/>
-    <p:sldId id="259" r:id="rId5"/>
-    <p:sldId id="260" r:id="rId6"/>
-    <p:sldId id="261" r:id="rId7"/>
-    <p:sldId id="262" r:id="rId8"/>
-    <p:sldId id="265" r:id="rId9"/>
-    <p:sldId id="266" r:id="rId10"/>
-    <p:sldId id="267" r:id="rId11"/>
-    <p:sldId id="268" r:id="rId12"/>
-    <p:sldId id="263" r:id="rId13"/>
-    <p:sldId id="264" r:id="rId14"/>
+    <p:sldId id="269" r:id="rId3"/>
+    <p:sldId id="257" r:id="rId4"/>
+    <p:sldId id="258" r:id="rId5"/>
+    <p:sldId id="259" r:id="rId6"/>
+    <p:sldId id="260" r:id="rId7"/>
+    <p:sldId id="261" r:id="rId8"/>
+    <p:sldId id="262" r:id="rId9"/>
+    <p:sldId id="265" r:id="rId10"/>
+    <p:sldId id="266" r:id="rId11"/>
+    <p:sldId id="267" r:id="rId12"/>
+    <p:sldId id="268" r:id="rId13"/>
+    <p:sldId id="263" r:id="rId14"/>
+    <p:sldId id="264" r:id="rId15"/>
   </p:sldIdLst>
   <p:sldSz cx="13817600" cy="7772400"/>
   <p:notesSz cx="6858000" cy="9144000"/>
@@ -4359,6 +4360,602 @@
 </p:sldLayout>
 </file>
 
+<file path=ppt/slideLayouts/slideLayout25.xml><?xml version="1.0" encoding="utf-8"?>
+<p:sldLayout xmlns:a="http://schemas.openxmlformats.org/drawingml/2006/main" xmlns:r="http://schemas.openxmlformats.org/officeDocument/2006/relationships" xmlns:p="http://schemas.openxmlformats.org/presentationml/2006/main" matchingName="Title and Content">
+  <p:cSld name="1_Title and Content">
+    <p:spTree>
+      <p:nvGrpSpPr>
+        <p:cNvPr id="1" name="Shape 53"/>
+        <p:cNvGrpSpPr/>
+        <p:nvPr/>
+      </p:nvGrpSpPr>
+      <p:grpSpPr>
+        <a:xfrm>
+          <a:off x="0" y="0"/>
+          <a:ext cx="0" cy="0"/>
+          <a:chOff x="0" y="0"/>
+          <a:chExt cx="0" cy="0"/>
+        </a:xfrm>
+      </p:grpSpPr>
+      <p:grpSp>
+        <p:nvGrpSpPr>
+          <p:cNvPr id="54" name="Google Shape;54;p14"/>
+          <p:cNvGrpSpPr/>
+          <p:nvPr/>
+        </p:nvGrpSpPr>
+        <p:grpSpPr>
+          <a:xfrm>
+            <a:off x="0" y="7372875"/>
+            <a:ext cx="13849756" cy="400074"/>
+            <a:chOff x="0" y="7372350"/>
+            <a:chExt cx="13817700" cy="400053"/>
+          </a:xfrm>
+        </p:grpSpPr>
+        <p:sp>
+          <p:nvSpPr>
+            <p:cNvPr id="55" name="Google Shape;55;p14"/>
+            <p:cNvSpPr/>
+            <p:nvPr/>
+          </p:nvSpPr>
+          <p:spPr>
+            <a:xfrm>
+              <a:off x="0" y="7372350"/>
+              <a:ext cx="13817700" cy="399900"/>
+            </a:xfrm>
+            <a:prstGeom prst="rect">
+              <a:avLst/>
+            </a:prstGeom>
+            <a:solidFill>
+              <a:schemeClr val="dk2"/>
+            </a:solidFill>
+            <a:ln>
+              <a:noFill/>
+            </a:ln>
+          </p:spPr>
+          <p:txBody>
+            <a:bodyPr spcFirstLastPara="1" wrap="square" lIns="60500" tIns="30250" rIns="60500" bIns="30250" anchor="ctr" anchorCtr="0">
+              <a:noAutofit/>
+            </a:bodyPr>
+            <a:lstStyle/>
+            <a:p>
+              <a:pPr marL="0" marR="0" lvl="0" indent="0" algn="ctr" rtl="0">
+                <a:spcBef>
+                  <a:spcPts val="0"/>
+                </a:spcBef>
+                <a:spcAft>
+                  <a:spcPts val="0"/>
+                </a:spcAft>
+                <a:buNone/>
+              </a:pPr>
+              <a:endParaRPr sz="1964" b="0" i="0" u="none" strike="noStrike" cap="none">
+                <a:solidFill>
+                  <a:schemeClr val="lt1"/>
+                </a:solidFill>
+                <a:latin typeface="Arial"/>
+                <a:ea typeface="Arial"/>
+                <a:cs typeface="Arial"/>
+                <a:sym typeface="Arial"/>
+              </a:endParaRPr>
+            </a:p>
+          </p:txBody>
+        </p:sp>
+        <p:pic>
+          <p:nvPicPr>
+            <p:cNvPr id="56" name="Google Shape;56;p14"/>
+            <p:cNvPicPr preferRelativeResize="0"/>
+            <p:nvPr/>
+          </p:nvPicPr>
+          <p:blipFill rotWithShape="1">
+            <a:blip r:embed="rId2">
+              <a:alphaModFix/>
+            </a:blip>
+            <a:srcRect/>
+            <a:stretch/>
+          </p:blipFill>
+          <p:spPr>
+            <a:xfrm>
+              <a:off x="152257" y="7372351"/>
+              <a:ext cx="1788558" cy="400050"/>
+            </a:xfrm>
+            <a:prstGeom prst="rect">
+              <a:avLst/>
+            </a:prstGeom>
+            <a:noFill/>
+            <a:ln>
+              <a:noFill/>
+            </a:ln>
+          </p:spPr>
+        </p:pic>
+        <p:sp>
+          <p:nvSpPr>
+            <p:cNvPr id="57" name="Google Shape;57;p14"/>
+            <p:cNvSpPr/>
+            <p:nvPr/>
+          </p:nvSpPr>
+          <p:spPr>
+            <a:xfrm>
+              <a:off x="0" y="7372351"/>
+              <a:ext cx="13817700" cy="399900"/>
+            </a:xfrm>
+            <a:prstGeom prst="rect">
+              <a:avLst/>
+            </a:prstGeom>
+            <a:solidFill>
+              <a:schemeClr val="dk2"/>
+            </a:solidFill>
+            <a:ln>
+              <a:noFill/>
+            </a:ln>
+          </p:spPr>
+          <p:txBody>
+            <a:bodyPr spcFirstLastPara="1" wrap="square" lIns="60500" tIns="30250" rIns="60500" bIns="30250" anchor="ctr" anchorCtr="0">
+              <a:noAutofit/>
+            </a:bodyPr>
+            <a:lstStyle/>
+            <a:p>
+              <a:pPr marL="0" marR="0" lvl="0" indent="0" algn="ctr" rtl="0">
+                <a:spcBef>
+                  <a:spcPts val="0"/>
+                </a:spcBef>
+                <a:spcAft>
+                  <a:spcPts val="0"/>
+                </a:spcAft>
+                <a:buNone/>
+              </a:pPr>
+              <a:endParaRPr sz="1964" b="0" i="0" u="none" strike="noStrike" cap="none">
+                <a:solidFill>
+                  <a:schemeClr val="lt1"/>
+                </a:solidFill>
+                <a:latin typeface="Arial"/>
+                <a:ea typeface="Arial"/>
+                <a:cs typeface="Arial"/>
+                <a:sym typeface="Arial"/>
+              </a:endParaRPr>
+            </a:p>
+          </p:txBody>
+        </p:sp>
+        <p:pic>
+          <p:nvPicPr>
+            <p:cNvPr id="58" name="Google Shape;58;p14"/>
+            <p:cNvPicPr preferRelativeResize="0"/>
+            <p:nvPr/>
+          </p:nvPicPr>
+          <p:blipFill rotWithShape="1">
+            <a:blip r:embed="rId2">
+              <a:alphaModFix/>
+            </a:blip>
+            <a:srcRect/>
+            <a:stretch/>
+          </p:blipFill>
+          <p:spPr>
+            <a:xfrm>
+              <a:off x="152257" y="7372352"/>
+              <a:ext cx="1788558" cy="400050"/>
+            </a:xfrm>
+            <a:prstGeom prst="rect">
+              <a:avLst/>
+            </a:prstGeom>
+            <a:noFill/>
+            <a:ln>
+              <a:noFill/>
+            </a:ln>
+          </p:spPr>
+        </p:pic>
+      </p:grpSp>
+      <p:sp>
+        <p:nvSpPr>
+          <p:cNvPr id="59" name="Google Shape;59;p14"/>
+          <p:cNvSpPr txBox="1">
+            <a:spLocks noGrp="1"/>
+          </p:cNvSpPr>
+          <p:nvPr>
+            <p:ph type="title"/>
+          </p:nvPr>
+        </p:nvSpPr>
+        <p:spPr>
+          <a:xfrm>
+            <a:off x="628075" y="905258"/>
+            <a:ext cx="12561413" cy="1015467"/>
+          </a:xfrm>
+          <a:prstGeom prst="rect">
+            <a:avLst/>
+          </a:prstGeom>
+          <a:noFill/>
+          <a:ln>
+            <a:noFill/>
+          </a:ln>
+        </p:spPr>
+        <p:txBody>
+          <a:bodyPr spcFirstLastPara="1" wrap="square" lIns="60500" tIns="60500" rIns="60500" bIns="60500" anchor="b" anchorCtr="0">
+            <a:noAutofit/>
+          </a:bodyPr>
+          <a:lstStyle>
+            <a:lvl1pPr marR="0" lvl="0" algn="l" rtl="0">
+              <a:spcBef>
+                <a:spcPts val="0"/>
+              </a:spcBef>
+              <a:spcAft>
+                <a:spcPts val="0"/>
+              </a:spcAft>
+              <a:buClr>
+                <a:schemeClr val="dk2"/>
+              </a:buClr>
+              <a:buSzPts val="3600"/>
+              <a:buFont typeface="Arial"/>
+              <a:buNone/>
+              <a:defRPr sz="5440" b="0" i="0" u="none" strike="noStrike" cap="none">
+                <a:solidFill>
+                  <a:schemeClr val="dk2"/>
+                </a:solidFill>
+                <a:latin typeface="Arial"/>
+                <a:ea typeface="Arial"/>
+                <a:cs typeface="Arial"/>
+                <a:sym typeface="Arial"/>
+              </a:defRPr>
+            </a:lvl1pPr>
+            <a:lvl2pPr lvl="1" rtl="0">
+              <a:spcBef>
+                <a:spcPts val="0"/>
+              </a:spcBef>
+              <a:spcAft>
+                <a:spcPts val="0"/>
+              </a:spcAft>
+              <a:buSzPts val="900"/>
+              <a:buNone/>
+              <a:defRPr sz="1813"/>
+            </a:lvl2pPr>
+            <a:lvl3pPr lvl="2" rtl="0">
+              <a:spcBef>
+                <a:spcPts val="0"/>
+              </a:spcBef>
+              <a:spcAft>
+                <a:spcPts val="0"/>
+              </a:spcAft>
+              <a:buSzPts val="900"/>
+              <a:buNone/>
+              <a:defRPr sz="1813"/>
+            </a:lvl3pPr>
+            <a:lvl4pPr lvl="3" rtl="0">
+              <a:spcBef>
+                <a:spcPts val="0"/>
+              </a:spcBef>
+              <a:spcAft>
+                <a:spcPts val="0"/>
+              </a:spcAft>
+              <a:buSzPts val="900"/>
+              <a:buNone/>
+              <a:defRPr sz="1813"/>
+            </a:lvl4pPr>
+            <a:lvl5pPr lvl="4" rtl="0">
+              <a:spcBef>
+                <a:spcPts val="0"/>
+              </a:spcBef>
+              <a:spcAft>
+                <a:spcPts val="0"/>
+              </a:spcAft>
+              <a:buSzPts val="900"/>
+              <a:buNone/>
+              <a:defRPr sz="1813"/>
+            </a:lvl5pPr>
+            <a:lvl6pPr lvl="5" rtl="0">
+              <a:spcBef>
+                <a:spcPts val="0"/>
+              </a:spcBef>
+              <a:spcAft>
+                <a:spcPts val="0"/>
+              </a:spcAft>
+              <a:buSzPts val="900"/>
+              <a:buNone/>
+              <a:defRPr sz="1813"/>
+            </a:lvl6pPr>
+            <a:lvl7pPr lvl="6" rtl="0">
+              <a:spcBef>
+                <a:spcPts val="0"/>
+              </a:spcBef>
+              <a:spcAft>
+                <a:spcPts val="0"/>
+              </a:spcAft>
+              <a:buSzPts val="900"/>
+              <a:buNone/>
+              <a:defRPr sz="1813"/>
+            </a:lvl7pPr>
+            <a:lvl8pPr lvl="7" rtl="0">
+              <a:spcBef>
+                <a:spcPts val="0"/>
+              </a:spcBef>
+              <a:spcAft>
+                <a:spcPts val="0"/>
+              </a:spcAft>
+              <a:buSzPts val="900"/>
+              <a:buNone/>
+              <a:defRPr sz="1813"/>
+            </a:lvl8pPr>
+            <a:lvl9pPr lvl="8" rtl="0">
+              <a:spcBef>
+                <a:spcPts val="0"/>
+              </a:spcBef>
+              <a:spcAft>
+                <a:spcPts val="0"/>
+              </a:spcAft>
+              <a:buSzPts val="900"/>
+              <a:buNone/>
+              <a:defRPr sz="1813"/>
+            </a:lvl9pPr>
+          </a:lstStyle>
+          <a:p>
+            <a:endParaRPr/>
+          </a:p>
+        </p:txBody>
+      </p:sp>
+      <p:sp>
+        <p:nvSpPr>
+          <p:cNvPr id="60" name="Google Shape;60;p14"/>
+          <p:cNvSpPr txBox="1">
+            <a:spLocks noGrp="1"/>
+          </p:cNvSpPr>
+          <p:nvPr>
+            <p:ph type="body" idx="1"/>
+          </p:nvPr>
+        </p:nvSpPr>
+        <p:spPr>
+          <a:xfrm>
+            <a:off x="628075" y="2487883"/>
+            <a:ext cx="12561413" cy="2015520"/>
+          </a:xfrm>
+          <a:prstGeom prst="rect">
+            <a:avLst/>
+          </a:prstGeom>
+          <a:noFill/>
+          <a:ln>
+            <a:noFill/>
+          </a:ln>
+        </p:spPr>
+        <p:txBody>
+          <a:bodyPr spcFirstLastPara="1" wrap="square" lIns="60500" tIns="60500" rIns="60500" bIns="60500" anchor="t" anchorCtr="0">
+            <a:noAutofit/>
+          </a:bodyPr>
+          <a:lstStyle>
+            <a:lvl1pPr marL="690875" marR="0" lvl="0" indent="-460583" algn="l" rtl="0">
+              <a:lnSpc>
+                <a:spcPct val="120000"/>
+              </a:lnSpc>
+              <a:spcBef>
+                <a:spcPts val="604"/>
+              </a:spcBef>
+              <a:spcAft>
+                <a:spcPts val="0"/>
+              </a:spcAft>
+              <a:buClr>
+                <a:schemeClr val="dk1"/>
+              </a:buClr>
+              <a:buSzPts val="1200"/>
+              <a:buFont typeface="Arial"/>
+              <a:buChar char="•"/>
+              <a:defRPr sz="1813" b="0" i="0" u="none" strike="noStrike" cap="none">
+                <a:solidFill>
+                  <a:schemeClr val="dk1"/>
+                </a:solidFill>
+                <a:latin typeface="Proxima Nova"/>
+                <a:ea typeface="Proxima Nova"/>
+                <a:cs typeface="Proxima Nova"/>
+                <a:sym typeface="Proxima Nova"/>
+              </a:defRPr>
+            </a:lvl1pPr>
+            <a:lvl2pPr marL="1381750" marR="0" lvl="1" indent="-450988" algn="l" rtl="0">
+              <a:lnSpc>
+                <a:spcPct val="120000"/>
+              </a:lnSpc>
+              <a:spcBef>
+                <a:spcPts val="604"/>
+              </a:spcBef>
+              <a:spcAft>
+                <a:spcPts val="0"/>
+              </a:spcAft>
+              <a:buClr>
+                <a:schemeClr val="dk1"/>
+              </a:buClr>
+              <a:buSzPts val="1100"/>
+              <a:buFont typeface="Arial"/>
+              <a:buChar char="–"/>
+              <a:defRPr sz="1662" b="0" i="0" u="none" strike="noStrike" cap="none">
+                <a:solidFill>
+                  <a:schemeClr val="dk1"/>
+                </a:solidFill>
+                <a:latin typeface="Proxima Nova"/>
+                <a:ea typeface="Proxima Nova"/>
+                <a:cs typeface="Proxima Nova"/>
+                <a:sym typeface="Proxima Nova"/>
+              </a:defRPr>
+            </a:lvl2pPr>
+            <a:lvl3pPr marL="2072625" marR="0" lvl="2" indent="-450988" algn="l" rtl="0">
+              <a:lnSpc>
+                <a:spcPct val="120000"/>
+              </a:lnSpc>
+              <a:spcBef>
+                <a:spcPts val="604"/>
+              </a:spcBef>
+              <a:spcAft>
+                <a:spcPts val="0"/>
+              </a:spcAft>
+              <a:buClr>
+                <a:schemeClr val="dk1"/>
+              </a:buClr>
+              <a:buSzPts val="1100"/>
+              <a:buFont typeface="Arial"/>
+              <a:buChar char="•"/>
+              <a:defRPr sz="1662" b="0" i="0" u="none" strike="noStrike" cap="none">
+                <a:solidFill>
+                  <a:schemeClr val="dk1"/>
+                </a:solidFill>
+                <a:latin typeface="Proxima Nova"/>
+                <a:ea typeface="Proxima Nova"/>
+                <a:cs typeface="Proxima Nova"/>
+                <a:sym typeface="Proxima Nova"/>
+              </a:defRPr>
+            </a:lvl3pPr>
+            <a:lvl4pPr marL="2763500" marR="0" lvl="3" indent="-450988" algn="l" rtl="0">
+              <a:lnSpc>
+                <a:spcPct val="120000"/>
+              </a:lnSpc>
+              <a:spcBef>
+                <a:spcPts val="604"/>
+              </a:spcBef>
+              <a:spcAft>
+                <a:spcPts val="0"/>
+              </a:spcAft>
+              <a:buClr>
+                <a:schemeClr val="dk1"/>
+              </a:buClr>
+              <a:buSzPts val="1100"/>
+              <a:buFont typeface="Arial"/>
+              <a:buChar char="–"/>
+              <a:defRPr sz="1662" b="0" i="0" u="none" strike="noStrike" cap="none">
+                <a:solidFill>
+                  <a:schemeClr val="dk1"/>
+                </a:solidFill>
+                <a:latin typeface="Proxima Nova"/>
+                <a:ea typeface="Proxima Nova"/>
+                <a:cs typeface="Proxima Nova"/>
+                <a:sym typeface="Proxima Nova"/>
+              </a:defRPr>
+            </a:lvl4pPr>
+            <a:lvl5pPr marL="3454375" marR="0" lvl="4" indent="-450988" algn="l" rtl="0">
+              <a:spcBef>
+                <a:spcPts val="604"/>
+              </a:spcBef>
+              <a:spcAft>
+                <a:spcPts val="0"/>
+              </a:spcAft>
+              <a:buClr>
+                <a:schemeClr val="dk1"/>
+              </a:buClr>
+              <a:buSzPts val="1100"/>
+              <a:buFont typeface="Arial"/>
+              <a:buChar char="»"/>
+              <a:defRPr sz="1662" b="0" i="0" u="none" strike="noStrike" cap="none">
+                <a:solidFill>
+                  <a:schemeClr val="dk1"/>
+                </a:solidFill>
+                <a:latin typeface="Source Sans Pro"/>
+                <a:ea typeface="Source Sans Pro"/>
+                <a:cs typeface="Source Sans Pro"/>
+                <a:sym typeface="Source Sans Pro"/>
+              </a:defRPr>
+            </a:lvl5pPr>
+            <a:lvl6pPr marL="4145250" marR="0" lvl="5" indent="-537347" algn="l" rtl="0">
+              <a:spcBef>
+                <a:spcPts val="604"/>
+              </a:spcBef>
+              <a:spcAft>
+                <a:spcPts val="0"/>
+              </a:spcAft>
+              <a:buClr>
+                <a:schemeClr val="dk1"/>
+              </a:buClr>
+              <a:buSzPts val="2000"/>
+              <a:buFont typeface="Arial"/>
+              <a:buChar char="•"/>
+              <a:defRPr sz="3022" b="0" i="0" u="none" strike="noStrike" cap="none">
+                <a:solidFill>
+                  <a:schemeClr val="dk1"/>
+                </a:solidFill>
+                <a:latin typeface="Arial"/>
+                <a:ea typeface="Arial"/>
+                <a:cs typeface="Arial"/>
+                <a:sym typeface="Arial"/>
+              </a:defRPr>
+            </a:lvl6pPr>
+            <a:lvl7pPr marL="4836124" marR="0" lvl="6" indent="-537347" algn="l" rtl="0">
+              <a:spcBef>
+                <a:spcPts val="604"/>
+              </a:spcBef>
+              <a:spcAft>
+                <a:spcPts val="0"/>
+              </a:spcAft>
+              <a:buClr>
+                <a:schemeClr val="dk1"/>
+              </a:buClr>
+              <a:buSzPts val="2000"/>
+              <a:buFont typeface="Arial"/>
+              <a:buChar char="•"/>
+              <a:defRPr sz="3022" b="0" i="0" u="none" strike="noStrike" cap="none">
+                <a:solidFill>
+                  <a:schemeClr val="dk1"/>
+                </a:solidFill>
+                <a:latin typeface="Arial"/>
+                <a:ea typeface="Arial"/>
+                <a:cs typeface="Arial"/>
+                <a:sym typeface="Arial"/>
+              </a:defRPr>
+            </a:lvl7pPr>
+            <a:lvl8pPr marL="5526999" marR="0" lvl="7" indent="-537347" algn="l" rtl="0">
+              <a:spcBef>
+                <a:spcPts val="604"/>
+              </a:spcBef>
+              <a:spcAft>
+                <a:spcPts val="0"/>
+              </a:spcAft>
+              <a:buClr>
+                <a:schemeClr val="dk1"/>
+              </a:buClr>
+              <a:buSzPts val="2000"/>
+              <a:buFont typeface="Arial"/>
+              <a:buChar char="•"/>
+              <a:defRPr sz="3022" b="0" i="0" u="none" strike="noStrike" cap="none">
+                <a:solidFill>
+                  <a:schemeClr val="dk1"/>
+                </a:solidFill>
+                <a:latin typeface="Arial"/>
+                <a:ea typeface="Arial"/>
+                <a:cs typeface="Arial"/>
+                <a:sym typeface="Arial"/>
+              </a:defRPr>
+            </a:lvl8pPr>
+            <a:lvl9pPr marL="6217874" marR="0" lvl="8" indent="-537347" algn="l" rtl="0">
+              <a:spcBef>
+                <a:spcPts val="604"/>
+              </a:spcBef>
+              <a:spcAft>
+                <a:spcPts val="0"/>
+              </a:spcAft>
+              <a:buClr>
+                <a:schemeClr val="dk1"/>
+              </a:buClr>
+              <a:buSzPts val="2000"/>
+              <a:buFont typeface="Arial"/>
+              <a:buChar char="•"/>
+              <a:defRPr sz="3022" b="0" i="0" u="none" strike="noStrike" cap="none">
+                <a:solidFill>
+                  <a:schemeClr val="dk1"/>
+                </a:solidFill>
+                <a:latin typeface="Arial"/>
+                <a:ea typeface="Arial"/>
+                <a:cs typeface="Arial"/>
+                <a:sym typeface="Arial"/>
+              </a:defRPr>
+            </a:lvl9pPr>
+          </a:lstStyle>
+          <a:p>
+            <a:endParaRPr/>
+          </a:p>
+        </p:txBody>
+      </p:sp>
+    </p:spTree>
+    <p:extLst>
+      <p:ext uri="{BB962C8B-B14F-4D97-AF65-F5344CB8AC3E}">
+        <p14:creationId xmlns:p14="http://schemas.microsoft.com/office/powerpoint/2010/main" val="283965607"/>
+      </p:ext>
+    </p:extLst>
+  </p:cSld>
+  <p:clrMapOvr>
+    <a:masterClrMapping/>
+  </p:clrMapOvr>
+  <p:transition>
+    <p:fade/>
+  </p:transition>
+</p:sldLayout>
+</file>
+
 <file path=ppt/slideLayouts/slideLayout3.xml><?xml version="1.0" encoding="utf-8"?>
 <p:sldLayout xmlns:a="http://schemas.openxmlformats.org/drawingml/2006/main" xmlns:r="http://schemas.openxmlformats.org/officeDocument/2006/relationships" xmlns:p="http://schemas.openxmlformats.org/presentationml/2006/main" preserve="1" userDrawn="1">
   <p:cSld name="Title Green Ram CSU">
@@ -6664,6 +7261,7 @@
     <p:sldLayoutId id="2147483677" r:id="rId22"/>
     <p:sldLayoutId id="2147483692" r:id="rId23"/>
     <p:sldLayoutId id="2147483672" r:id="rId24"/>
+    <p:sldLayoutId id="2147483693" r:id="rId25"/>
   </p:sldLayoutIdLst>
   <mc:AlternateContent xmlns:mc="http://schemas.openxmlformats.org/markup-compatibility/2006" xmlns:p14="http://schemas.microsoft.com/office/powerpoint/2010/main">
     <mc:Choice Requires="p14">
@@ -7075,6 +7673,3825 @@
       </p:grpSpPr>
       <p:sp>
         <p:nvSpPr>
+          <p:cNvPr id="4" name="Title 3">
+            <a:extLst>
+              <a:ext uri="{FF2B5EF4-FFF2-40B4-BE49-F238E27FC236}">
+                <a16:creationId xmlns:a16="http://schemas.microsoft.com/office/drawing/2014/main" id="{77CBE607-67E2-4D0E-829C-845283E4419B}"/>
+              </a:ext>
+            </a:extLst>
+          </p:cNvPr>
+          <p:cNvSpPr>
+            <a:spLocks noGrp="1"/>
+          </p:cNvSpPr>
+          <p:nvPr>
+            <p:ph type="title"/>
+          </p:nvPr>
+        </p:nvSpPr>
+        <p:spPr>
+          <a:xfrm>
+            <a:off x="628075" y="601948"/>
+            <a:ext cx="12561453" cy="861774"/>
+          </a:xfrm>
+        </p:spPr>
+        <p:txBody>
+          <a:bodyPr/>
+          <a:lstStyle/>
+          <a:p>
+            <a:r>
+              <a:rPr lang="en-US" sz="4400" dirty="0"/>
+              <a:t>Let’s Talk About Variables and Memory</a:t>
+            </a:r>
+          </a:p>
+        </p:txBody>
+      </p:sp>
+      <p:sp>
+        <p:nvSpPr>
+          <p:cNvPr id="5" name="Text Placeholder 4">
+            <a:extLst>
+              <a:ext uri="{FF2B5EF4-FFF2-40B4-BE49-F238E27FC236}">
+                <a16:creationId xmlns:a16="http://schemas.microsoft.com/office/drawing/2014/main" id="{E3F7D2DD-8701-4E2B-AAEC-98231F75537C}"/>
+              </a:ext>
+            </a:extLst>
+          </p:cNvPr>
+          <p:cNvSpPr>
+            <a:spLocks noGrp="1"/>
+          </p:cNvSpPr>
+          <p:nvPr>
+            <p:ph type="body" sz="quarter" idx="10"/>
+          </p:nvPr>
+        </p:nvSpPr>
+        <p:spPr>
+          <a:xfrm>
+            <a:off x="628075" y="1542233"/>
+            <a:ext cx="3421411" cy="4953407"/>
+          </a:xfrm>
+        </p:spPr>
+        <p:txBody>
+          <a:bodyPr/>
+          <a:lstStyle/>
+          <a:p>
+            <a:r>
+              <a:rPr lang="en-US" dirty="0"/>
+              <a:t>Discuss: Given the following program</a:t>
+            </a:r>
+          </a:p>
+          <a:p>
+            <a:pPr marL="0" indent="0">
+              <a:buNone/>
+            </a:pPr>
+            <a:r>
+              <a:rPr lang="en-US" dirty="0"/>
+              <a:t>Program Start:</a:t>
+            </a:r>
+          </a:p>
+          <a:p>
+            <a:r>
+              <a:rPr lang="en-US" dirty="0"/>
+              <a:t>What is the value of:</a:t>
+            </a:r>
+          </a:p>
+          <a:p>
+            <a:pPr lvl="1"/>
+            <a:r>
+              <a:rPr lang="en-US" dirty="0"/>
+              <a:t>w</a:t>
+            </a:r>
+          </a:p>
+          <a:p>
+            <a:pPr lvl="1"/>
+            <a:r>
+              <a:rPr lang="en-US" dirty="0"/>
+              <a:t>l</a:t>
+            </a:r>
+          </a:p>
+          <a:p>
+            <a:pPr lvl="1"/>
+            <a:r>
+              <a:rPr lang="en-US" dirty="0" err="1"/>
+              <a:t>rectange.length</a:t>
+            </a:r>
+            <a:endParaRPr lang="en-US" dirty="0"/>
+          </a:p>
+          <a:p>
+            <a:pPr lvl="1"/>
+            <a:r>
+              <a:rPr lang="en-US" dirty="0" err="1"/>
+              <a:t>rectangle.width</a:t>
+            </a:r>
+            <a:endParaRPr lang="en-US" dirty="0"/>
+          </a:p>
+          <a:p>
+            <a:pPr lvl="1"/>
+            <a:endParaRPr lang="en-US" dirty="0"/>
+          </a:p>
+          <a:p>
+            <a:pPr marL="0" indent="0">
+              <a:buNone/>
+            </a:pPr>
+            <a:r>
+              <a:rPr lang="en-US" dirty="0"/>
+              <a:t>Program End?</a:t>
+            </a:r>
+          </a:p>
+          <a:p>
+            <a:r>
+              <a:rPr lang="en-US" dirty="0"/>
+              <a:t>What is the value of them?</a:t>
+            </a:r>
+          </a:p>
+        </p:txBody>
+      </p:sp>
+      <p:sp>
+        <p:nvSpPr>
+          <p:cNvPr id="6" name="Rectangle 1">
+            <a:extLst>
+              <a:ext uri="{FF2B5EF4-FFF2-40B4-BE49-F238E27FC236}">
+                <a16:creationId xmlns:a16="http://schemas.microsoft.com/office/drawing/2014/main" id="{7194A88C-92F1-46E7-82BC-55AD7E5C1BF4}"/>
+              </a:ext>
+            </a:extLst>
+          </p:cNvPr>
+          <p:cNvSpPr>
+            <a:spLocks noChangeArrowheads="1"/>
+          </p:cNvSpPr>
+          <p:nvPr/>
+        </p:nvSpPr>
+        <p:spPr bwMode="auto">
+          <a:xfrm>
+            <a:off x="10174515" y="716101"/>
+            <a:ext cx="3352800" cy="6340197"/>
+          </a:xfrm>
+          <a:prstGeom prst="rect">
+            <a:avLst/>
+          </a:prstGeom>
+          <a:noFill/>
+          <a:ln>
+            <a:solidFill>
+              <a:schemeClr val="accent1"/>
+            </a:solidFill>
+          </a:ln>
+          <a:effectLst/>
+        </p:spPr>
+        <p:txBody>
+          <a:bodyPr vert="horz" wrap="square" lIns="91440" tIns="45720" rIns="91440" bIns="45720" numCol="1" anchor="ctr" anchorCtr="0" compatLnSpc="1">
+            <a:prstTxWarp prst="textNoShape">
+              <a:avLst/>
+            </a:prstTxWarp>
+            <a:spAutoFit/>
+          </a:bodyPr>
+          <a:lstStyle/>
+          <a:p>
+            <a:pPr marL="0" marR="0" lvl="0" indent="0" algn="l" defTabSz="914400" rtl="0" eaLnBrk="0" fontAlgn="base" latinLnBrk="0" hangingPunct="0">
+              <a:lnSpc>
+                <a:spcPct val="100000"/>
+              </a:lnSpc>
+              <a:spcBef>
+                <a:spcPct val="0"/>
+              </a:spcBef>
+              <a:spcAft>
+                <a:spcPct val="0"/>
+              </a:spcAft>
+              <a:buClrTx/>
+              <a:buSzTx/>
+              <a:buFontTx/>
+              <a:buNone/>
+              <a:tabLst/>
+            </a:pPr>
+            <a:r>
+              <a:rPr kumimoji="0" lang="en-US" altLang="en-US" sz="1400" b="1" i="0" u="none" strike="noStrike" cap="none" normalizeH="0" baseline="0" dirty="0">
+                <a:ln>
+                  <a:noFill/>
+                </a:ln>
+                <a:solidFill>
+                  <a:srgbClr val="000080"/>
+                </a:solidFill>
+                <a:effectLst/>
+                <a:latin typeface="JetBrains Mono"/>
+              </a:rPr>
+              <a:t>public class </a:t>
+            </a:r>
+            <a:r>
+              <a:rPr kumimoji="0" lang="en-US" altLang="en-US" sz="1400" b="0" i="0" u="none" strike="noStrike" cap="none" normalizeH="0" baseline="0" dirty="0">
+                <a:ln>
+                  <a:noFill/>
+                </a:ln>
+                <a:solidFill>
+                  <a:srgbClr val="000000"/>
+                </a:solidFill>
+                <a:effectLst/>
+                <a:latin typeface="JetBrains Mono"/>
+              </a:rPr>
+              <a:t>Rectangle {</a:t>
+            </a:r>
+            <a:br>
+              <a:rPr kumimoji="0" lang="en-US" altLang="en-US" sz="1400" b="0" i="0" u="none" strike="noStrike" cap="none" normalizeH="0" baseline="0" dirty="0">
+                <a:ln>
+                  <a:noFill/>
+                </a:ln>
+                <a:solidFill>
+                  <a:srgbClr val="000000"/>
+                </a:solidFill>
+                <a:effectLst/>
+                <a:latin typeface="JetBrains Mono"/>
+              </a:rPr>
+            </a:br>
+            <a:r>
+              <a:rPr kumimoji="0" lang="en-US" altLang="en-US" sz="1400" b="0" i="0" u="none" strike="noStrike" cap="none" normalizeH="0" baseline="0" dirty="0">
+                <a:ln>
+                  <a:noFill/>
+                </a:ln>
+                <a:solidFill>
+                  <a:srgbClr val="000000"/>
+                </a:solidFill>
+                <a:effectLst/>
+                <a:latin typeface="JetBrains Mono"/>
+              </a:rPr>
+              <a:t>    </a:t>
+            </a:r>
+            <a:r>
+              <a:rPr kumimoji="0" lang="en-US" altLang="en-US" sz="1400" b="1" i="0" u="none" strike="noStrike" cap="none" normalizeH="0" baseline="0" dirty="0">
+                <a:ln>
+                  <a:noFill/>
+                </a:ln>
+                <a:solidFill>
+                  <a:srgbClr val="000080"/>
+                </a:solidFill>
+                <a:effectLst/>
+                <a:latin typeface="JetBrains Mono"/>
+              </a:rPr>
+              <a:t>private int </a:t>
+            </a:r>
+            <a:r>
+              <a:rPr kumimoji="0" lang="en-US" altLang="en-US" sz="1400" b="1" i="0" u="none" strike="noStrike" cap="none" normalizeH="0" baseline="0" dirty="0">
+                <a:ln>
+                  <a:noFill/>
+                </a:ln>
+                <a:solidFill>
+                  <a:srgbClr val="660E7A"/>
+                </a:solidFill>
+                <a:effectLst/>
+                <a:latin typeface="JetBrains Mono"/>
+              </a:rPr>
+              <a:t>length </a:t>
+            </a:r>
+            <a:r>
+              <a:rPr kumimoji="0" lang="en-US" altLang="en-US" sz="1400" b="0" i="0" u="none" strike="noStrike" cap="none" normalizeH="0" baseline="0" dirty="0">
+                <a:ln>
+                  <a:noFill/>
+                </a:ln>
+                <a:solidFill>
+                  <a:srgbClr val="000000"/>
+                </a:solidFill>
+                <a:effectLst/>
+                <a:latin typeface="JetBrains Mono"/>
+              </a:rPr>
+              <a:t>= </a:t>
+            </a:r>
+            <a:r>
+              <a:rPr kumimoji="0" lang="en-US" altLang="en-US" sz="1400" b="0" i="0" u="none" strike="noStrike" cap="none" normalizeH="0" baseline="0" dirty="0">
+                <a:ln>
+                  <a:noFill/>
+                </a:ln>
+                <a:solidFill>
+                  <a:srgbClr val="0000FF"/>
+                </a:solidFill>
+                <a:effectLst/>
+                <a:latin typeface="JetBrains Mono"/>
+              </a:rPr>
+              <a:t>0</a:t>
+            </a:r>
+            <a:r>
+              <a:rPr kumimoji="0" lang="en-US" altLang="en-US" sz="1400" b="0" i="0" u="none" strike="noStrike" cap="none" normalizeH="0" baseline="0" dirty="0">
+                <a:ln>
+                  <a:noFill/>
+                </a:ln>
+                <a:solidFill>
+                  <a:srgbClr val="000000"/>
+                </a:solidFill>
+                <a:effectLst/>
+                <a:latin typeface="JetBrains Mono"/>
+              </a:rPr>
+              <a:t>;</a:t>
+            </a:r>
+            <a:br>
+              <a:rPr kumimoji="0" lang="en-US" altLang="en-US" sz="1400" b="0" i="0" u="none" strike="noStrike" cap="none" normalizeH="0" baseline="0" dirty="0">
+                <a:ln>
+                  <a:noFill/>
+                </a:ln>
+                <a:solidFill>
+                  <a:srgbClr val="000000"/>
+                </a:solidFill>
+                <a:effectLst/>
+                <a:latin typeface="JetBrains Mono"/>
+              </a:rPr>
+            </a:br>
+            <a:r>
+              <a:rPr kumimoji="0" lang="en-US" altLang="en-US" sz="1400" b="0" i="0" u="none" strike="noStrike" cap="none" normalizeH="0" baseline="0" dirty="0">
+                <a:ln>
+                  <a:noFill/>
+                </a:ln>
+                <a:solidFill>
+                  <a:srgbClr val="000000"/>
+                </a:solidFill>
+                <a:effectLst/>
+                <a:latin typeface="JetBrains Mono"/>
+              </a:rPr>
+              <a:t>    </a:t>
+            </a:r>
+            <a:r>
+              <a:rPr kumimoji="0" lang="en-US" altLang="en-US" sz="1400" b="1" i="0" u="none" strike="noStrike" cap="none" normalizeH="0" baseline="0" dirty="0">
+                <a:ln>
+                  <a:noFill/>
+                </a:ln>
+                <a:solidFill>
+                  <a:srgbClr val="000080"/>
+                </a:solidFill>
+                <a:effectLst/>
+                <a:latin typeface="JetBrains Mono"/>
+              </a:rPr>
+              <a:t>private int </a:t>
+            </a:r>
+            <a:r>
+              <a:rPr kumimoji="0" lang="en-US" altLang="en-US" sz="1400" b="1" i="0" u="none" strike="noStrike" cap="none" normalizeH="0" baseline="0" dirty="0">
+                <a:ln>
+                  <a:noFill/>
+                </a:ln>
+                <a:solidFill>
+                  <a:srgbClr val="660E7A"/>
+                </a:solidFill>
+                <a:effectLst/>
+                <a:latin typeface="JetBrains Mono"/>
+              </a:rPr>
+              <a:t>width </a:t>
+            </a:r>
+            <a:r>
+              <a:rPr kumimoji="0" lang="en-US" altLang="en-US" sz="1400" b="0" i="0" u="none" strike="noStrike" cap="none" normalizeH="0" baseline="0" dirty="0">
+                <a:ln>
+                  <a:noFill/>
+                </a:ln>
+                <a:solidFill>
+                  <a:srgbClr val="000000"/>
+                </a:solidFill>
+                <a:effectLst/>
+                <a:latin typeface="JetBrains Mono"/>
+              </a:rPr>
+              <a:t>= </a:t>
+            </a:r>
+            <a:r>
+              <a:rPr kumimoji="0" lang="en-US" altLang="en-US" sz="1400" b="0" i="0" u="none" strike="noStrike" cap="none" normalizeH="0" baseline="0" dirty="0">
+                <a:ln>
+                  <a:noFill/>
+                </a:ln>
+                <a:solidFill>
+                  <a:srgbClr val="0000FF"/>
+                </a:solidFill>
+                <a:effectLst/>
+                <a:latin typeface="JetBrains Mono"/>
+              </a:rPr>
+              <a:t>0</a:t>
+            </a:r>
+            <a:r>
+              <a:rPr kumimoji="0" lang="en-US" altLang="en-US" sz="1400" b="0" i="0" u="none" strike="noStrike" cap="none" normalizeH="0" baseline="0" dirty="0">
+                <a:ln>
+                  <a:noFill/>
+                </a:ln>
+                <a:solidFill>
+                  <a:srgbClr val="000000"/>
+                </a:solidFill>
+                <a:effectLst/>
+                <a:latin typeface="JetBrains Mono"/>
+              </a:rPr>
+              <a:t>;</a:t>
+            </a:r>
+            <a:br>
+              <a:rPr kumimoji="0" lang="en-US" altLang="en-US" sz="1400" b="0" i="0" u="none" strike="noStrike" cap="none" normalizeH="0" baseline="0" dirty="0">
+                <a:ln>
+                  <a:noFill/>
+                </a:ln>
+                <a:solidFill>
+                  <a:srgbClr val="000000"/>
+                </a:solidFill>
+                <a:effectLst/>
+                <a:latin typeface="JetBrains Mono"/>
+              </a:rPr>
+            </a:br>
+            <a:r>
+              <a:rPr kumimoji="0" lang="en-US" altLang="en-US" sz="1400" b="0" i="0" u="none" strike="noStrike" cap="none" normalizeH="0" baseline="0" dirty="0">
+                <a:ln>
+                  <a:noFill/>
+                </a:ln>
+                <a:solidFill>
+                  <a:srgbClr val="000000"/>
+                </a:solidFill>
+                <a:effectLst/>
+                <a:latin typeface="JetBrains Mono"/>
+              </a:rPr>
+              <a:t>    </a:t>
+            </a:r>
+            <a:br>
+              <a:rPr kumimoji="0" lang="en-US" altLang="en-US" sz="1400" b="0" i="0" u="none" strike="noStrike" cap="none" normalizeH="0" baseline="0" dirty="0">
+                <a:ln>
+                  <a:noFill/>
+                </a:ln>
+                <a:solidFill>
+                  <a:srgbClr val="000000"/>
+                </a:solidFill>
+                <a:effectLst/>
+                <a:latin typeface="JetBrains Mono"/>
+              </a:rPr>
+            </a:br>
+            <a:r>
+              <a:rPr kumimoji="0" lang="en-US" altLang="en-US" sz="1400" b="0" i="0" u="none" strike="noStrike" cap="none" normalizeH="0" baseline="0" dirty="0">
+                <a:ln>
+                  <a:noFill/>
+                </a:ln>
+                <a:solidFill>
+                  <a:srgbClr val="000000"/>
+                </a:solidFill>
+                <a:effectLst/>
+                <a:latin typeface="JetBrains Mono"/>
+              </a:rPr>
+              <a:t>    </a:t>
+            </a:r>
+            <a:r>
+              <a:rPr kumimoji="0" lang="en-US" altLang="en-US" sz="1400" b="1" i="0" u="none" strike="noStrike" cap="none" normalizeH="0" baseline="0" dirty="0">
+                <a:ln>
+                  <a:noFill/>
+                </a:ln>
+                <a:solidFill>
+                  <a:srgbClr val="000080"/>
+                </a:solidFill>
+                <a:effectLst/>
+                <a:latin typeface="JetBrains Mono"/>
+              </a:rPr>
+              <a:t>public </a:t>
+            </a:r>
+            <a:r>
+              <a:rPr kumimoji="0" lang="en-US" altLang="en-US" sz="1400" b="0" i="0" u="none" strike="noStrike" cap="none" normalizeH="0" baseline="0" dirty="0">
+                <a:ln>
+                  <a:noFill/>
+                </a:ln>
+                <a:solidFill>
+                  <a:srgbClr val="000000"/>
+                </a:solidFill>
+                <a:effectLst/>
+                <a:latin typeface="JetBrains Mono"/>
+              </a:rPr>
+              <a:t>Rectangle(</a:t>
+            </a:r>
+            <a:r>
+              <a:rPr kumimoji="0" lang="en-US" altLang="en-US" sz="1400" b="1" i="0" u="none" strike="noStrike" cap="none" normalizeH="0" baseline="0" dirty="0">
+                <a:ln>
+                  <a:noFill/>
+                </a:ln>
+                <a:solidFill>
+                  <a:srgbClr val="000080"/>
+                </a:solidFill>
+                <a:effectLst/>
+                <a:latin typeface="JetBrains Mono"/>
+              </a:rPr>
+              <a:t>int </a:t>
+            </a:r>
+            <a:r>
+              <a:rPr kumimoji="0" lang="en-US" altLang="en-US" sz="1400" b="0" i="0" u="none" strike="noStrike" cap="none" normalizeH="0" baseline="0" dirty="0">
+                <a:ln>
+                  <a:noFill/>
+                </a:ln>
+                <a:solidFill>
+                  <a:srgbClr val="000000"/>
+                </a:solidFill>
+                <a:effectLst/>
+                <a:latin typeface="JetBrains Mono"/>
+              </a:rPr>
+              <a:t>width, </a:t>
+            </a:r>
+            <a:r>
+              <a:rPr kumimoji="0" lang="en-US" altLang="en-US" sz="1400" b="1" i="0" u="none" strike="noStrike" cap="none" normalizeH="0" baseline="0" dirty="0">
+                <a:ln>
+                  <a:noFill/>
+                </a:ln>
+                <a:solidFill>
+                  <a:srgbClr val="000080"/>
+                </a:solidFill>
+                <a:effectLst/>
+                <a:latin typeface="JetBrains Mono"/>
+              </a:rPr>
+              <a:t>int </a:t>
+            </a:r>
+            <a:r>
+              <a:rPr kumimoji="0" lang="en-US" altLang="en-US" sz="1400" b="0" i="0" u="none" strike="noStrike" cap="none" normalizeH="0" baseline="0" dirty="0">
+                <a:ln>
+                  <a:noFill/>
+                </a:ln>
+                <a:solidFill>
+                  <a:srgbClr val="000000"/>
+                </a:solidFill>
+                <a:effectLst/>
+                <a:latin typeface="JetBrains Mono"/>
+              </a:rPr>
+              <a:t>length) {</a:t>
+            </a:r>
+            <a:br>
+              <a:rPr kumimoji="0" lang="en-US" altLang="en-US" sz="1400" b="0" i="0" u="none" strike="noStrike" cap="none" normalizeH="0" baseline="0" dirty="0">
+                <a:ln>
+                  <a:noFill/>
+                </a:ln>
+                <a:solidFill>
+                  <a:srgbClr val="000000"/>
+                </a:solidFill>
+                <a:effectLst/>
+                <a:latin typeface="JetBrains Mono"/>
+              </a:rPr>
+            </a:br>
+            <a:r>
+              <a:rPr kumimoji="0" lang="en-US" altLang="en-US" sz="1400" b="0" i="0" u="none" strike="noStrike" cap="none" normalizeH="0" baseline="0" dirty="0">
+                <a:ln>
+                  <a:noFill/>
+                </a:ln>
+                <a:solidFill>
+                  <a:srgbClr val="000000"/>
+                </a:solidFill>
+                <a:effectLst/>
+                <a:latin typeface="JetBrains Mono"/>
+              </a:rPr>
+              <a:t>        </a:t>
+            </a:r>
+            <a:r>
+              <a:rPr kumimoji="0" lang="en-US" altLang="en-US" sz="1400" b="0" i="0" u="none" strike="noStrike" cap="none" normalizeH="0" baseline="0" dirty="0" err="1">
+                <a:ln>
+                  <a:noFill/>
+                </a:ln>
+                <a:solidFill>
+                  <a:srgbClr val="000000"/>
+                </a:solidFill>
+                <a:effectLst/>
+                <a:latin typeface="JetBrains Mono"/>
+              </a:rPr>
+              <a:t>setWidth</a:t>
+            </a:r>
+            <a:r>
+              <a:rPr kumimoji="0" lang="en-US" altLang="en-US" sz="1400" b="0" i="0" u="none" strike="noStrike" cap="none" normalizeH="0" baseline="0" dirty="0">
+                <a:ln>
+                  <a:noFill/>
+                </a:ln>
+                <a:solidFill>
+                  <a:srgbClr val="000000"/>
+                </a:solidFill>
+                <a:effectLst/>
+                <a:latin typeface="JetBrains Mono"/>
+              </a:rPr>
+              <a:t>(width);</a:t>
+            </a:r>
+            <a:br>
+              <a:rPr kumimoji="0" lang="en-US" altLang="en-US" sz="1400" b="0" i="0" u="none" strike="noStrike" cap="none" normalizeH="0" baseline="0" dirty="0">
+                <a:ln>
+                  <a:noFill/>
+                </a:ln>
+                <a:solidFill>
+                  <a:srgbClr val="000000"/>
+                </a:solidFill>
+                <a:effectLst/>
+                <a:latin typeface="JetBrains Mono"/>
+              </a:rPr>
+            </a:br>
+            <a:r>
+              <a:rPr kumimoji="0" lang="en-US" altLang="en-US" sz="1400" b="0" i="0" u="none" strike="noStrike" cap="none" normalizeH="0" baseline="0" dirty="0">
+                <a:ln>
+                  <a:noFill/>
+                </a:ln>
+                <a:solidFill>
+                  <a:srgbClr val="000000"/>
+                </a:solidFill>
+                <a:effectLst/>
+                <a:latin typeface="JetBrains Mono"/>
+              </a:rPr>
+              <a:t>        </a:t>
+            </a:r>
+            <a:r>
+              <a:rPr kumimoji="0" lang="en-US" altLang="en-US" sz="1400" b="0" i="0" u="none" strike="noStrike" cap="none" normalizeH="0" baseline="0" dirty="0" err="1">
+                <a:ln>
+                  <a:noFill/>
+                </a:ln>
+                <a:solidFill>
+                  <a:srgbClr val="000000"/>
+                </a:solidFill>
+                <a:effectLst/>
+                <a:latin typeface="JetBrains Mono"/>
+              </a:rPr>
+              <a:t>setLength</a:t>
+            </a:r>
+            <a:r>
+              <a:rPr kumimoji="0" lang="en-US" altLang="en-US" sz="1400" b="0" i="0" u="none" strike="noStrike" cap="none" normalizeH="0" baseline="0" dirty="0">
+                <a:ln>
+                  <a:noFill/>
+                </a:ln>
+                <a:solidFill>
+                  <a:srgbClr val="000000"/>
+                </a:solidFill>
+                <a:effectLst/>
+                <a:latin typeface="JetBrains Mono"/>
+              </a:rPr>
+              <a:t>(length);</a:t>
+            </a:r>
+            <a:br>
+              <a:rPr kumimoji="0" lang="en-US" altLang="en-US" sz="1400" b="0" i="0" u="none" strike="noStrike" cap="none" normalizeH="0" baseline="0" dirty="0">
+                <a:ln>
+                  <a:noFill/>
+                </a:ln>
+                <a:solidFill>
+                  <a:srgbClr val="000000"/>
+                </a:solidFill>
+                <a:effectLst/>
+                <a:latin typeface="JetBrains Mono"/>
+              </a:rPr>
+            </a:br>
+            <a:r>
+              <a:rPr kumimoji="0" lang="en-US" altLang="en-US" sz="1400" b="0" i="0" u="none" strike="noStrike" cap="none" normalizeH="0" baseline="0" dirty="0">
+                <a:ln>
+                  <a:noFill/>
+                </a:ln>
+                <a:solidFill>
+                  <a:srgbClr val="000000"/>
+                </a:solidFill>
+                <a:effectLst/>
+                <a:latin typeface="JetBrains Mono"/>
+              </a:rPr>
+              <a:t>    }</a:t>
+            </a:r>
+            <a:br>
+              <a:rPr kumimoji="0" lang="en-US" altLang="en-US" sz="1400" b="0" i="0" u="none" strike="noStrike" cap="none" normalizeH="0" baseline="0" dirty="0">
+                <a:ln>
+                  <a:noFill/>
+                </a:ln>
+                <a:solidFill>
+                  <a:srgbClr val="000000"/>
+                </a:solidFill>
+                <a:effectLst/>
+                <a:latin typeface="JetBrains Mono"/>
+              </a:rPr>
+            </a:br>
+            <a:br>
+              <a:rPr kumimoji="0" lang="en-US" altLang="en-US" sz="1400" b="0" i="0" u="none" strike="noStrike" cap="none" normalizeH="0" baseline="0" dirty="0">
+                <a:ln>
+                  <a:noFill/>
+                </a:ln>
+                <a:solidFill>
+                  <a:srgbClr val="000000"/>
+                </a:solidFill>
+                <a:effectLst/>
+                <a:latin typeface="JetBrains Mono"/>
+              </a:rPr>
+            </a:br>
+            <a:r>
+              <a:rPr kumimoji="0" lang="en-US" altLang="en-US" sz="1400" b="0" i="0" u="none" strike="noStrike" cap="none" normalizeH="0" baseline="0" dirty="0">
+                <a:ln>
+                  <a:noFill/>
+                </a:ln>
+                <a:solidFill>
+                  <a:srgbClr val="000000"/>
+                </a:solidFill>
+                <a:effectLst/>
+                <a:latin typeface="JetBrains Mono"/>
+              </a:rPr>
+              <a:t>    </a:t>
+            </a:r>
+            <a:r>
+              <a:rPr kumimoji="0" lang="en-US" altLang="en-US" sz="1400" b="1" i="0" u="none" strike="noStrike" cap="none" normalizeH="0" baseline="0" dirty="0">
+                <a:ln>
+                  <a:noFill/>
+                </a:ln>
+                <a:solidFill>
+                  <a:srgbClr val="000080"/>
+                </a:solidFill>
+                <a:effectLst/>
+                <a:latin typeface="JetBrains Mono"/>
+              </a:rPr>
+              <a:t>public void </a:t>
+            </a:r>
+            <a:r>
+              <a:rPr kumimoji="0" lang="en-US" altLang="en-US" sz="1400" b="0" i="0" u="none" strike="noStrike" cap="none" normalizeH="0" baseline="0" dirty="0" err="1">
+                <a:ln>
+                  <a:noFill/>
+                </a:ln>
+                <a:solidFill>
+                  <a:srgbClr val="000000"/>
+                </a:solidFill>
+                <a:effectLst/>
+                <a:latin typeface="JetBrains Mono"/>
+              </a:rPr>
+              <a:t>setLength</a:t>
+            </a:r>
+            <a:r>
+              <a:rPr kumimoji="0" lang="en-US" altLang="en-US" sz="1400" b="0" i="0" u="none" strike="noStrike" cap="none" normalizeH="0" baseline="0" dirty="0">
+                <a:ln>
+                  <a:noFill/>
+                </a:ln>
+                <a:solidFill>
+                  <a:srgbClr val="000000"/>
+                </a:solidFill>
+                <a:effectLst/>
+                <a:latin typeface="JetBrains Mono"/>
+              </a:rPr>
+              <a:t>(</a:t>
+            </a:r>
+            <a:r>
+              <a:rPr kumimoji="0" lang="en-US" altLang="en-US" sz="1400" b="1" i="0" u="none" strike="noStrike" cap="none" normalizeH="0" baseline="0" dirty="0">
+                <a:ln>
+                  <a:noFill/>
+                </a:ln>
+                <a:solidFill>
+                  <a:srgbClr val="000080"/>
+                </a:solidFill>
+                <a:effectLst/>
+                <a:latin typeface="JetBrains Mono"/>
+              </a:rPr>
+              <a:t>int </a:t>
+            </a:r>
+            <a:r>
+              <a:rPr kumimoji="0" lang="en-US" altLang="en-US" sz="1400" b="0" i="0" u="none" strike="noStrike" cap="none" normalizeH="0" baseline="0" dirty="0">
+                <a:ln>
+                  <a:noFill/>
+                </a:ln>
+                <a:solidFill>
+                  <a:srgbClr val="000000"/>
+                </a:solidFill>
+                <a:effectLst/>
+                <a:latin typeface="JetBrains Mono"/>
+              </a:rPr>
+              <a:t>length) {</a:t>
+            </a:r>
+            <a:br>
+              <a:rPr kumimoji="0" lang="en-US" altLang="en-US" sz="1400" b="0" i="0" u="none" strike="noStrike" cap="none" normalizeH="0" baseline="0" dirty="0">
+                <a:ln>
+                  <a:noFill/>
+                </a:ln>
+                <a:solidFill>
+                  <a:srgbClr val="000000"/>
+                </a:solidFill>
+                <a:effectLst/>
+                <a:latin typeface="JetBrains Mono"/>
+              </a:rPr>
+            </a:br>
+            <a:r>
+              <a:rPr kumimoji="0" lang="en-US" altLang="en-US" sz="1400" b="0" i="0" u="none" strike="noStrike" cap="none" normalizeH="0" baseline="0" dirty="0">
+                <a:ln>
+                  <a:noFill/>
+                </a:ln>
+                <a:solidFill>
+                  <a:srgbClr val="000000"/>
+                </a:solidFill>
+                <a:effectLst/>
+                <a:latin typeface="JetBrains Mono"/>
+              </a:rPr>
+              <a:t>        </a:t>
+            </a:r>
+            <a:r>
+              <a:rPr kumimoji="0" lang="en-US" altLang="en-US" sz="1400" b="1" i="0" u="none" strike="noStrike" cap="none" normalizeH="0" baseline="0" dirty="0">
+                <a:ln>
+                  <a:noFill/>
+                </a:ln>
+                <a:solidFill>
+                  <a:srgbClr val="000080"/>
+                </a:solidFill>
+                <a:effectLst/>
+                <a:latin typeface="JetBrains Mono"/>
+              </a:rPr>
+              <a:t>if</a:t>
+            </a:r>
+            <a:r>
+              <a:rPr kumimoji="0" lang="en-US" altLang="en-US" sz="1400" b="0" i="0" u="none" strike="noStrike" cap="none" normalizeH="0" baseline="0" dirty="0">
+                <a:ln>
+                  <a:noFill/>
+                </a:ln>
+                <a:solidFill>
+                  <a:srgbClr val="000000"/>
+                </a:solidFill>
+                <a:effectLst/>
+                <a:latin typeface="JetBrains Mono"/>
+              </a:rPr>
+              <a:t>(length&gt;</a:t>
+            </a:r>
+            <a:r>
+              <a:rPr kumimoji="0" lang="en-US" altLang="en-US" sz="1400" b="0" i="0" u="none" strike="noStrike" cap="none" normalizeH="0" baseline="0" dirty="0">
+                <a:ln>
+                  <a:noFill/>
+                </a:ln>
+                <a:solidFill>
+                  <a:srgbClr val="0000FF"/>
+                </a:solidFill>
+                <a:effectLst/>
+                <a:latin typeface="JetBrains Mono"/>
+              </a:rPr>
+              <a:t>0</a:t>
+            </a:r>
+            <a:r>
+              <a:rPr kumimoji="0" lang="en-US" altLang="en-US" sz="1400" b="0" i="0" u="none" strike="noStrike" cap="none" normalizeH="0" baseline="0" dirty="0">
+                <a:ln>
+                  <a:noFill/>
+                </a:ln>
+                <a:solidFill>
+                  <a:srgbClr val="000000"/>
+                </a:solidFill>
+                <a:effectLst/>
+                <a:latin typeface="JetBrains Mono"/>
+              </a:rPr>
+              <a:t>) </a:t>
+            </a:r>
+            <a:r>
+              <a:rPr kumimoji="0" lang="en-US" altLang="en-US" sz="1400" b="1" i="0" u="none" strike="noStrike" cap="none" normalizeH="0" baseline="0" dirty="0" err="1">
+                <a:ln>
+                  <a:noFill/>
+                </a:ln>
+                <a:solidFill>
+                  <a:srgbClr val="000080"/>
+                </a:solidFill>
+                <a:effectLst/>
+                <a:latin typeface="JetBrains Mono"/>
+              </a:rPr>
+              <a:t>this</a:t>
+            </a:r>
+            <a:r>
+              <a:rPr kumimoji="0" lang="en-US" altLang="en-US" sz="1400" b="0" i="0" u="none" strike="noStrike" cap="none" normalizeH="0" baseline="0" dirty="0" err="1">
+                <a:ln>
+                  <a:noFill/>
+                </a:ln>
+                <a:solidFill>
+                  <a:srgbClr val="000000"/>
+                </a:solidFill>
+                <a:effectLst/>
+                <a:latin typeface="JetBrains Mono"/>
+              </a:rPr>
+              <a:t>.</a:t>
+            </a:r>
+            <a:r>
+              <a:rPr kumimoji="0" lang="en-US" altLang="en-US" sz="1400" b="1" i="0" u="none" strike="noStrike" cap="none" normalizeH="0" baseline="0" dirty="0" err="1">
+                <a:ln>
+                  <a:noFill/>
+                </a:ln>
+                <a:solidFill>
+                  <a:srgbClr val="660E7A"/>
+                </a:solidFill>
+                <a:effectLst/>
+                <a:latin typeface="JetBrains Mono"/>
+              </a:rPr>
+              <a:t>length</a:t>
+            </a:r>
+            <a:r>
+              <a:rPr kumimoji="0" lang="en-US" altLang="en-US" sz="1400" b="1" i="0" u="none" strike="noStrike" cap="none" normalizeH="0" baseline="0" dirty="0">
+                <a:ln>
+                  <a:noFill/>
+                </a:ln>
+                <a:solidFill>
+                  <a:srgbClr val="660E7A"/>
+                </a:solidFill>
+                <a:effectLst/>
+                <a:latin typeface="JetBrains Mono"/>
+              </a:rPr>
+              <a:t> </a:t>
+            </a:r>
+            <a:r>
+              <a:rPr kumimoji="0" lang="en-US" altLang="en-US" sz="1400" b="0" i="0" u="none" strike="noStrike" cap="none" normalizeH="0" baseline="0" dirty="0">
+                <a:ln>
+                  <a:noFill/>
+                </a:ln>
+                <a:solidFill>
+                  <a:srgbClr val="000000"/>
+                </a:solidFill>
+                <a:effectLst/>
+                <a:latin typeface="JetBrains Mono"/>
+              </a:rPr>
+              <a:t>= length;</a:t>
+            </a:r>
+            <a:br>
+              <a:rPr kumimoji="0" lang="en-US" altLang="en-US" sz="1400" b="0" i="0" u="none" strike="noStrike" cap="none" normalizeH="0" baseline="0" dirty="0">
+                <a:ln>
+                  <a:noFill/>
+                </a:ln>
+                <a:solidFill>
+                  <a:srgbClr val="000000"/>
+                </a:solidFill>
+                <a:effectLst/>
+                <a:latin typeface="JetBrains Mono"/>
+              </a:rPr>
+            </a:br>
+            <a:r>
+              <a:rPr kumimoji="0" lang="en-US" altLang="en-US" sz="1400" b="0" i="0" u="none" strike="noStrike" cap="none" normalizeH="0" baseline="0" dirty="0">
+                <a:ln>
+                  <a:noFill/>
+                </a:ln>
+                <a:solidFill>
+                  <a:srgbClr val="000000"/>
+                </a:solidFill>
+                <a:effectLst/>
+                <a:latin typeface="JetBrains Mono"/>
+              </a:rPr>
+              <a:t>    }</a:t>
+            </a:r>
+            <a:br>
+              <a:rPr kumimoji="0" lang="en-US" altLang="en-US" sz="1400" b="0" i="0" u="none" strike="noStrike" cap="none" normalizeH="0" baseline="0" dirty="0">
+                <a:ln>
+                  <a:noFill/>
+                </a:ln>
+                <a:solidFill>
+                  <a:srgbClr val="000000"/>
+                </a:solidFill>
+                <a:effectLst/>
+                <a:latin typeface="JetBrains Mono"/>
+              </a:rPr>
+            </a:br>
+            <a:br>
+              <a:rPr kumimoji="0" lang="en-US" altLang="en-US" sz="1400" b="0" i="0" u="none" strike="noStrike" cap="none" normalizeH="0" baseline="0" dirty="0">
+                <a:ln>
+                  <a:noFill/>
+                </a:ln>
+                <a:solidFill>
+                  <a:srgbClr val="000000"/>
+                </a:solidFill>
+                <a:effectLst/>
+                <a:latin typeface="JetBrains Mono"/>
+              </a:rPr>
+            </a:br>
+            <a:r>
+              <a:rPr kumimoji="0" lang="en-US" altLang="en-US" sz="1400" b="0" i="0" u="none" strike="noStrike" cap="none" normalizeH="0" baseline="0" dirty="0">
+                <a:ln>
+                  <a:noFill/>
+                </a:ln>
+                <a:solidFill>
+                  <a:srgbClr val="000000"/>
+                </a:solidFill>
+                <a:effectLst/>
+                <a:latin typeface="JetBrains Mono"/>
+              </a:rPr>
+              <a:t>    </a:t>
+            </a:r>
+            <a:r>
+              <a:rPr kumimoji="0" lang="en-US" altLang="en-US" sz="1400" b="1" i="0" u="none" strike="noStrike" cap="none" normalizeH="0" baseline="0" dirty="0">
+                <a:ln>
+                  <a:noFill/>
+                </a:ln>
+                <a:solidFill>
+                  <a:srgbClr val="000080"/>
+                </a:solidFill>
+                <a:effectLst/>
+                <a:latin typeface="JetBrains Mono"/>
+              </a:rPr>
+              <a:t>public void </a:t>
+            </a:r>
+            <a:r>
+              <a:rPr kumimoji="0" lang="en-US" altLang="en-US" sz="1400" b="0" i="0" u="none" strike="noStrike" cap="none" normalizeH="0" baseline="0" dirty="0" err="1">
+                <a:ln>
+                  <a:noFill/>
+                </a:ln>
+                <a:solidFill>
+                  <a:srgbClr val="000000"/>
+                </a:solidFill>
+                <a:effectLst/>
+                <a:latin typeface="JetBrains Mono"/>
+              </a:rPr>
+              <a:t>setWidth</a:t>
+            </a:r>
+            <a:r>
+              <a:rPr kumimoji="0" lang="en-US" altLang="en-US" sz="1400" b="0" i="0" u="none" strike="noStrike" cap="none" normalizeH="0" baseline="0" dirty="0">
+                <a:ln>
+                  <a:noFill/>
+                </a:ln>
+                <a:solidFill>
+                  <a:srgbClr val="000000"/>
+                </a:solidFill>
+                <a:effectLst/>
+                <a:latin typeface="JetBrains Mono"/>
+              </a:rPr>
+              <a:t>(</a:t>
+            </a:r>
+            <a:r>
+              <a:rPr kumimoji="0" lang="en-US" altLang="en-US" sz="1400" b="1" i="0" u="none" strike="noStrike" cap="none" normalizeH="0" baseline="0" dirty="0">
+                <a:ln>
+                  <a:noFill/>
+                </a:ln>
+                <a:solidFill>
+                  <a:srgbClr val="000080"/>
+                </a:solidFill>
+                <a:effectLst/>
+                <a:latin typeface="JetBrains Mono"/>
+              </a:rPr>
+              <a:t>int </a:t>
+            </a:r>
+            <a:r>
+              <a:rPr kumimoji="0" lang="en-US" altLang="en-US" sz="1400" b="0" i="0" u="none" strike="noStrike" cap="none" normalizeH="0" baseline="0" dirty="0">
+                <a:ln>
+                  <a:noFill/>
+                </a:ln>
+                <a:solidFill>
+                  <a:srgbClr val="000000"/>
+                </a:solidFill>
+                <a:effectLst/>
+                <a:latin typeface="JetBrains Mono"/>
+              </a:rPr>
+              <a:t>width) {</a:t>
+            </a:r>
+            <a:br>
+              <a:rPr kumimoji="0" lang="en-US" altLang="en-US" sz="1400" b="0" i="0" u="none" strike="noStrike" cap="none" normalizeH="0" baseline="0" dirty="0">
+                <a:ln>
+                  <a:noFill/>
+                </a:ln>
+                <a:solidFill>
+                  <a:srgbClr val="000000"/>
+                </a:solidFill>
+                <a:effectLst/>
+                <a:latin typeface="JetBrains Mono"/>
+              </a:rPr>
+            </a:br>
+            <a:r>
+              <a:rPr kumimoji="0" lang="en-US" altLang="en-US" sz="1400" b="0" i="0" u="none" strike="noStrike" cap="none" normalizeH="0" baseline="0" dirty="0">
+                <a:ln>
+                  <a:noFill/>
+                </a:ln>
+                <a:solidFill>
+                  <a:srgbClr val="000000"/>
+                </a:solidFill>
+                <a:effectLst/>
+                <a:latin typeface="JetBrains Mono"/>
+              </a:rPr>
+              <a:t>        </a:t>
+            </a:r>
+            <a:r>
+              <a:rPr kumimoji="0" lang="en-US" altLang="en-US" sz="1400" b="1" i="0" u="none" strike="noStrike" cap="none" normalizeH="0" baseline="0" dirty="0">
+                <a:ln>
+                  <a:noFill/>
+                </a:ln>
+                <a:solidFill>
+                  <a:srgbClr val="000080"/>
+                </a:solidFill>
+                <a:effectLst/>
+                <a:latin typeface="JetBrains Mono"/>
+              </a:rPr>
+              <a:t>if</a:t>
+            </a:r>
+            <a:r>
+              <a:rPr kumimoji="0" lang="en-US" altLang="en-US" sz="1400" b="0" i="0" u="none" strike="noStrike" cap="none" normalizeH="0" baseline="0" dirty="0">
+                <a:ln>
+                  <a:noFill/>
+                </a:ln>
+                <a:solidFill>
+                  <a:srgbClr val="000000"/>
+                </a:solidFill>
+                <a:effectLst/>
+                <a:latin typeface="JetBrains Mono"/>
+              </a:rPr>
+              <a:t>(width &gt; </a:t>
+            </a:r>
+            <a:r>
+              <a:rPr kumimoji="0" lang="en-US" altLang="en-US" sz="1400" b="0" i="0" u="none" strike="noStrike" cap="none" normalizeH="0" baseline="0" dirty="0">
+                <a:ln>
+                  <a:noFill/>
+                </a:ln>
+                <a:solidFill>
+                  <a:srgbClr val="0000FF"/>
+                </a:solidFill>
+                <a:effectLst/>
+                <a:latin typeface="JetBrains Mono"/>
+              </a:rPr>
+              <a:t>0</a:t>
+            </a:r>
+            <a:r>
+              <a:rPr kumimoji="0" lang="en-US" altLang="en-US" sz="1400" b="0" i="0" u="none" strike="noStrike" cap="none" normalizeH="0" baseline="0" dirty="0">
+                <a:ln>
+                  <a:noFill/>
+                </a:ln>
+                <a:solidFill>
+                  <a:srgbClr val="000000"/>
+                </a:solidFill>
+                <a:effectLst/>
+                <a:latin typeface="JetBrains Mono"/>
+              </a:rPr>
+              <a:t>) </a:t>
+            </a:r>
+            <a:r>
+              <a:rPr kumimoji="0" lang="en-US" altLang="en-US" sz="1400" b="1" i="0" u="none" strike="noStrike" cap="none" normalizeH="0" baseline="0" dirty="0" err="1">
+                <a:ln>
+                  <a:noFill/>
+                </a:ln>
+                <a:solidFill>
+                  <a:srgbClr val="000080"/>
+                </a:solidFill>
+                <a:effectLst/>
+                <a:latin typeface="JetBrains Mono"/>
+              </a:rPr>
+              <a:t>this</a:t>
+            </a:r>
+            <a:r>
+              <a:rPr kumimoji="0" lang="en-US" altLang="en-US" sz="1400" b="0" i="0" u="none" strike="noStrike" cap="none" normalizeH="0" baseline="0" dirty="0" err="1">
+                <a:ln>
+                  <a:noFill/>
+                </a:ln>
+                <a:solidFill>
+                  <a:srgbClr val="000000"/>
+                </a:solidFill>
+                <a:effectLst/>
+                <a:latin typeface="JetBrains Mono"/>
+              </a:rPr>
+              <a:t>.</a:t>
+            </a:r>
+            <a:r>
+              <a:rPr kumimoji="0" lang="en-US" altLang="en-US" sz="1400" b="1" i="0" u="none" strike="noStrike" cap="none" normalizeH="0" baseline="0" dirty="0" err="1">
+                <a:ln>
+                  <a:noFill/>
+                </a:ln>
+                <a:solidFill>
+                  <a:srgbClr val="660E7A"/>
+                </a:solidFill>
+                <a:effectLst/>
+                <a:latin typeface="JetBrains Mono"/>
+              </a:rPr>
+              <a:t>width</a:t>
+            </a:r>
+            <a:r>
+              <a:rPr kumimoji="0" lang="en-US" altLang="en-US" sz="1400" b="1" i="0" u="none" strike="noStrike" cap="none" normalizeH="0" baseline="0" dirty="0">
+                <a:ln>
+                  <a:noFill/>
+                </a:ln>
+                <a:solidFill>
+                  <a:srgbClr val="660E7A"/>
+                </a:solidFill>
+                <a:effectLst/>
+                <a:latin typeface="JetBrains Mono"/>
+              </a:rPr>
+              <a:t> </a:t>
+            </a:r>
+            <a:r>
+              <a:rPr kumimoji="0" lang="en-US" altLang="en-US" sz="1400" b="0" i="0" u="none" strike="noStrike" cap="none" normalizeH="0" baseline="0" dirty="0">
+                <a:ln>
+                  <a:noFill/>
+                </a:ln>
+                <a:solidFill>
+                  <a:srgbClr val="000000"/>
+                </a:solidFill>
+                <a:effectLst/>
+                <a:latin typeface="JetBrains Mono"/>
+              </a:rPr>
+              <a:t>= width;</a:t>
+            </a:r>
+            <a:br>
+              <a:rPr kumimoji="0" lang="en-US" altLang="en-US" sz="1400" b="0" i="0" u="none" strike="noStrike" cap="none" normalizeH="0" baseline="0" dirty="0">
+                <a:ln>
+                  <a:noFill/>
+                </a:ln>
+                <a:solidFill>
+                  <a:srgbClr val="000000"/>
+                </a:solidFill>
+                <a:effectLst/>
+                <a:latin typeface="JetBrains Mono"/>
+              </a:rPr>
+            </a:br>
+            <a:r>
+              <a:rPr kumimoji="0" lang="en-US" altLang="en-US" sz="1400" b="0" i="0" u="none" strike="noStrike" cap="none" normalizeH="0" baseline="0" dirty="0">
+                <a:ln>
+                  <a:noFill/>
+                </a:ln>
+                <a:solidFill>
+                  <a:srgbClr val="000000"/>
+                </a:solidFill>
+                <a:effectLst/>
+                <a:latin typeface="JetBrains Mono"/>
+              </a:rPr>
+              <a:t>    }</a:t>
+            </a:r>
+            <a:br>
+              <a:rPr kumimoji="0" lang="en-US" altLang="en-US" sz="1400" b="0" i="0" u="none" strike="noStrike" cap="none" normalizeH="0" baseline="0" dirty="0">
+                <a:ln>
+                  <a:noFill/>
+                </a:ln>
+                <a:solidFill>
+                  <a:srgbClr val="000000"/>
+                </a:solidFill>
+                <a:effectLst/>
+                <a:latin typeface="JetBrains Mono"/>
+              </a:rPr>
+            </a:br>
+            <a:r>
+              <a:rPr kumimoji="0" lang="en-US" altLang="en-US" sz="1400" b="0" i="0" u="none" strike="noStrike" cap="none" normalizeH="0" baseline="0" dirty="0">
+                <a:ln>
+                  <a:noFill/>
+                </a:ln>
+                <a:solidFill>
+                  <a:srgbClr val="000000"/>
+                </a:solidFill>
+                <a:effectLst/>
+                <a:latin typeface="JetBrains Mono"/>
+              </a:rPr>
+              <a:t>    </a:t>
+            </a:r>
+            <a:br>
+              <a:rPr kumimoji="0" lang="en-US" altLang="en-US" sz="1400" b="0" i="0" u="none" strike="noStrike" cap="none" normalizeH="0" baseline="0" dirty="0">
+                <a:ln>
+                  <a:noFill/>
+                </a:ln>
+                <a:solidFill>
+                  <a:srgbClr val="000000"/>
+                </a:solidFill>
+                <a:effectLst/>
+                <a:latin typeface="JetBrains Mono"/>
+              </a:rPr>
+            </a:br>
+            <a:r>
+              <a:rPr kumimoji="0" lang="en-US" altLang="en-US" sz="1400" b="0" i="0" u="none" strike="noStrike" cap="none" normalizeH="0" baseline="0" dirty="0">
+                <a:ln>
+                  <a:noFill/>
+                </a:ln>
+                <a:solidFill>
+                  <a:srgbClr val="000000"/>
+                </a:solidFill>
+                <a:effectLst/>
+                <a:latin typeface="JetBrains Mono"/>
+              </a:rPr>
+              <a:t>    </a:t>
+            </a:r>
+            <a:r>
+              <a:rPr kumimoji="0" lang="en-US" altLang="en-US" sz="1400" b="1" i="0" u="none" strike="noStrike" cap="none" normalizeH="0" baseline="0" dirty="0">
+                <a:ln>
+                  <a:noFill/>
+                </a:ln>
+                <a:solidFill>
+                  <a:srgbClr val="000080"/>
+                </a:solidFill>
+                <a:effectLst/>
+                <a:latin typeface="JetBrains Mono"/>
+              </a:rPr>
+              <a:t>public int </a:t>
+            </a:r>
+            <a:r>
+              <a:rPr kumimoji="0" lang="en-US" altLang="en-US" sz="1400" b="0" i="0" u="none" strike="noStrike" cap="none" normalizeH="0" baseline="0" dirty="0" err="1">
+                <a:ln>
+                  <a:noFill/>
+                </a:ln>
+                <a:solidFill>
+                  <a:srgbClr val="000000"/>
+                </a:solidFill>
+                <a:effectLst/>
+                <a:latin typeface="JetBrains Mono"/>
+              </a:rPr>
+              <a:t>getLength</a:t>
+            </a:r>
+            <a:r>
+              <a:rPr kumimoji="0" lang="en-US" altLang="en-US" sz="1400" b="0" i="0" u="none" strike="noStrike" cap="none" normalizeH="0" baseline="0" dirty="0">
+                <a:ln>
+                  <a:noFill/>
+                </a:ln>
+                <a:solidFill>
+                  <a:srgbClr val="000000"/>
+                </a:solidFill>
+                <a:effectLst/>
+                <a:latin typeface="JetBrains Mono"/>
+              </a:rPr>
+              <a:t>() {</a:t>
+            </a:r>
+            <a:br>
+              <a:rPr kumimoji="0" lang="en-US" altLang="en-US" sz="1400" b="0" i="0" u="none" strike="noStrike" cap="none" normalizeH="0" baseline="0" dirty="0">
+                <a:ln>
+                  <a:noFill/>
+                </a:ln>
+                <a:solidFill>
+                  <a:srgbClr val="000000"/>
+                </a:solidFill>
+                <a:effectLst/>
+                <a:latin typeface="JetBrains Mono"/>
+              </a:rPr>
+            </a:br>
+            <a:r>
+              <a:rPr kumimoji="0" lang="en-US" altLang="en-US" sz="1400" b="0" i="0" u="none" strike="noStrike" cap="none" normalizeH="0" baseline="0" dirty="0">
+                <a:ln>
+                  <a:noFill/>
+                </a:ln>
+                <a:solidFill>
+                  <a:srgbClr val="000000"/>
+                </a:solidFill>
+                <a:effectLst/>
+                <a:latin typeface="JetBrains Mono"/>
+              </a:rPr>
+              <a:t>        </a:t>
+            </a:r>
+            <a:r>
+              <a:rPr kumimoji="0" lang="en-US" altLang="en-US" sz="1400" b="1" i="0" u="none" strike="noStrike" cap="none" normalizeH="0" baseline="0" dirty="0">
+                <a:ln>
+                  <a:noFill/>
+                </a:ln>
+                <a:solidFill>
+                  <a:srgbClr val="000080"/>
+                </a:solidFill>
+                <a:effectLst/>
+                <a:latin typeface="JetBrains Mono"/>
+              </a:rPr>
+              <a:t>return </a:t>
+            </a:r>
+            <a:r>
+              <a:rPr kumimoji="0" lang="en-US" altLang="en-US" sz="1400" b="1" i="0" u="none" strike="noStrike" cap="none" normalizeH="0" baseline="0" dirty="0">
+                <a:ln>
+                  <a:noFill/>
+                </a:ln>
+                <a:solidFill>
+                  <a:srgbClr val="660E7A"/>
+                </a:solidFill>
+                <a:effectLst/>
+                <a:latin typeface="JetBrains Mono"/>
+              </a:rPr>
+              <a:t>length</a:t>
+            </a:r>
+            <a:r>
+              <a:rPr kumimoji="0" lang="en-US" altLang="en-US" sz="1400" b="0" i="0" u="none" strike="noStrike" cap="none" normalizeH="0" baseline="0" dirty="0">
+                <a:ln>
+                  <a:noFill/>
+                </a:ln>
+                <a:solidFill>
+                  <a:srgbClr val="000000"/>
+                </a:solidFill>
+                <a:effectLst/>
+                <a:latin typeface="JetBrains Mono"/>
+              </a:rPr>
+              <a:t>;</a:t>
+            </a:r>
+            <a:br>
+              <a:rPr kumimoji="0" lang="en-US" altLang="en-US" sz="1400" b="0" i="0" u="none" strike="noStrike" cap="none" normalizeH="0" baseline="0" dirty="0">
+                <a:ln>
+                  <a:noFill/>
+                </a:ln>
+                <a:solidFill>
+                  <a:srgbClr val="000000"/>
+                </a:solidFill>
+                <a:effectLst/>
+                <a:latin typeface="JetBrains Mono"/>
+              </a:rPr>
+            </a:br>
+            <a:r>
+              <a:rPr kumimoji="0" lang="en-US" altLang="en-US" sz="1400" b="0" i="0" u="none" strike="noStrike" cap="none" normalizeH="0" baseline="0" dirty="0">
+                <a:ln>
+                  <a:noFill/>
+                </a:ln>
+                <a:solidFill>
+                  <a:srgbClr val="000000"/>
+                </a:solidFill>
+                <a:effectLst/>
+                <a:latin typeface="JetBrains Mono"/>
+              </a:rPr>
+              <a:t>    }</a:t>
+            </a:r>
+            <a:br>
+              <a:rPr kumimoji="0" lang="en-US" altLang="en-US" sz="1400" b="0" i="0" u="none" strike="noStrike" cap="none" normalizeH="0" baseline="0" dirty="0">
+                <a:ln>
+                  <a:noFill/>
+                </a:ln>
+                <a:solidFill>
+                  <a:srgbClr val="000000"/>
+                </a:solidFill>
+                <a:effectLst/>
+                <a:latin typeface="JetBrains Mono"/>
+              </a:rPr>
+            </a:br>
+            <a:br>
+              <a:rPr kumimoji="0" lang="en-US" altLang="en-US" sz="1400" b="0" i="0" u="none" strike="noStrike" cap="none" normalizeH="0" baseline="0" dirty="0">
+                <a:ln>
+                  <a:noFill/>
+                </a:ln>
+                <a:solidFill>
+                  <a:srgbClr val="000000"/>
+                </a:solidFill>
+                <a:effectLst/>
+                <a:latin typeface="JetBrains Mono"/>
+              </a:rPr>
+            </a:br>
+            <a:r>
+              <a:rPr kumimoji="0" lang="en-US" altLang="en-US" sz="1400" b="0" i="0" u="none" strike="noStrike" cap="none" normalizeH="0" baseline="0" dirty="0">
+                <a:ln>
+                  <a:noFill/>
+                </a:ln>
+                <a:solidFill>
+                  <a:srgbClr val="000000"/>
+                </a:solidFill>
+                <a:effectLst/>
+                <a:latin typeface="JetBrains Mono"/>
+              </a:rPr>
+              <a:t>    </a:t>
+            </a:r>
+            <a:r>
+              <a:rPr kumimoji="0" lang="en-US" altLang="en-US" sz="1400" b="1" i="0" u="none" strike="noStrike" cap="none" normalizeH="0" baseline="0" dirty="0">
+                <a:ln>
+                  <a:noFill/>
+                </a:ln>
+                <a:solidFill>
+                  <a:srgbClr val="000080"/>
+                </a:solidFill>
+                <a:effectLst/>
+                <a:latin typeface="JetBrains Mono"/>
+              </a:rPr>
+              <a:t>public int </a:t>
+            </a:r>
+            <a:r>
+              <a:rPr kumimoji="0" lang="en-US" altLang="en-US" sz="1400" b="0" i="0" u="none" strike="noStrike" cap="none" normalizeH="0" baseline="0" dirty="0" err="1">
+                <a:ln>
+                  <a:noFill/>
+                </a:ln>
+                <a:solidFill>
+                  <a:srgbClr val="000000"/>
+                </a:solidFill>
+                <a:effectLst/>
+                <a:latin typeface="JetBrains Mono"/>
+              </a:rPr>
+              <a:t>getWidth</a:t>
+            </a:r>
+            <a:r>
+              <a:rPr kumimoji="0" lang="en-US" altLang="en-US" sz="1400" b="0" i="0" u="none" strike="noStrike" cap="none" normalizeH="0" baseline="0" dirty="0">
+                <a:ln>
+                  <a:noFill/>
+                </a:ln>
+                <a:solidFill>
+                  <a:srgbClr val="000000"/>
+                </a:solidFill>
+                <a:effectLst/>
+                <a:latin typeface="JetBrains Mono"/>
+              </a:rPr>
+              <a:t>() {</a:t>
+            </a:r>
+            <a:br>
+              <a:rPr kumimoji="0" lang="en-US" altLang="en-US" sz="1400" b="0" i="0" u="none" strike="noStrike" cap="none" normalizeH="0" baseline="0" dirty="0">
+                <a:ln>
+                  <a:noFill/>
+                </a:ln>
+                <a:solidFill>
+                  <a:srgbClr val="000000"/>
+                </a:solidFill>
+                <a:effectLst/>
+                <a:latin typeface="JetBrains Mono"/>
+              </a:rPr>
+            </a:br>
+            <a:r>
+              <a:rPr kumimoji="0" lang="en-US" altLang="en-US" sz="1400" b="0" i="0" u="none" strike="noStrike" cap="none" normalizeH="0" baseline="0" dirty="0">
+                <a:ln>
+                  <a:noFill/>
+                </a:ln>
+                <a:solidFill>
+                  <a:srgbClr val="000000"/>
+                </a:solidFill>
+                <a:effectLst/>
+                <a:latin typeface="JetBrains Mono"/>
+              </a:rPr>
+              <a:t>        </a:t>
+            </a:r>
+            <a:r>
+              <a:rPr kumimoji="0" lang="en-US" altLang="en-US" sz="1400" b="1" i="0" u="none" strike="noStrike" cap="none" normalizeH="0" baseline="0" dirty="0">
+                <a:ln>
+                  <a:noFill/>
+                </a:ln>
+                <a:solidFill>
+                  <a:srgbClr val="000080"/>
+                </a:solidFill>
+                <a:effectLst/>
+                <a:latin typeface="JetBrains Mono"/>
+              </a:rPr>
+              <a:t>return </a:t>
+            </a:r>
+            <a:r>
+              <a:rPr kumimoji="0" lang="en-US" altLang="en-US" sz="1400" b="1" i="0" u="none" strike="noStrike" cap="none" normalizeH="0" baseline="0" dirty="0">
+                <a:ln>
+                  <a:noFill/>
+                </a:ln>
+                <a:solidFill>
+                  <a:srgbClr val="660E7A"/>
+                </a:solidFill>
+                <a:effectLst/>
+                <a:latin typeface="JetBrains Mono"/>
+              </a:rPr>
+              <a:t>width</a:t>
+            </a:r>
+            <a:r>
+              <a:rPr kumimoji="0" lang="en-US" altLang="en-US" sz="1400" b="0" i="0" u="none" strike="noStrike" cap="none" normalizeH="0" baseline="0" dirty="0">
+                <a:ln>
+                  <a:noFill/>
+                </a:ln>
+                <a:solidFill>
+                  <a:srgbClr val="000000"/>
+                </a:solidFill>
+                <a:effectLst/>
+                <a:latin typeface="JetBrains Mono"/>
+              </a:rPr>
+              <a:t>;</a:t>
+            </a:r>
+            <a:br>
+              <a:rPr kumimoji="0" lang="en-US" altLang="en-US" sz="1400" b="0" i="0" u="none" strike="noStrike" cap="none" normalizeH="0" baseline="0" dirty="0">
+                <a:ln>
+                  <a:noFill/>
+                </a:ln>
+                <a:solidFill>
+                  <a:srgbClr val="000000"/>
+                </a:solidFill>
+                <a:effectLst/>
+                <a:latin typeface="JetBrains Mono"/>
+              </a:rPr>
+            </a:br>
+            <a:r>
+              <a:rPr kumimoji="0" lang="en-US" altLang="en-US" sz="1400" b="0" i="0" u="none" strike="noStrike" cap="none" normalizeH="0" baseline="0" dirty="0">
+                <a:ln>
+                  <a:noFill/>
+                </a:ln>
+                <a:solidFill>
+                  <a:srgbClr val="000000"/>
+                </a:solidFill>
+                <a:effectLst/>
+                <a:latin typeface="JetBrains Mono"/>
+              </a:rPr>
+              <a:t>    }</a:t>
+            </a:r>
+            <a:br>
+              <a:rPr kumimoji="0" lang="en-US" altLang="en-US" sz="1400" b="0" i="0" u="none" strike="noStrike" cap="none" normalizeH="0" baseline="0" dirty="0">
+                <a:ln>
+                  <a:noFill/>
+                </a:ln>
+                <a:solidFill>
+                  <a:srgbClr val="000000"/>
+                </a:solidFill>
+                <a:effectLst/>
+                <a:latin typeface="JetBrains Mono"/>
+              </a:rPr>
+            </a:br>
+            <a:r>
+              <a:rPr kumimoji="0" lang="en-US" altLang="en-US" sz="1400" b="0" i="0" u="none" strike="noStrike" cap="none" normalizeH="0" baseline="0" dirty="0">
+                <a:ln>
+                  <a:noFill/>
+                </a:ln>
+                <a:solidFill>
+                  <a:srgbClr val="000000"/>
+                </a:solidFill>
+                <a:effectLst/>
+                <a:latin typeface="JetBrains Mono"/>
+              </a:rPr>
+              <a:t>    </a:t>
+            </a:r>
+            <a:br>
+              <a:rPr kumimoji="0" lang="en-US" altLang="en-US" sz="1400" b="0" i="0" u="none" strike="noStrike" cap="none" normalizeH="0" baseline="0" dirty="0">
+                <a:ln>
+                  <a:noFill/>
+                </a:ln>
+                <a:solidFill>
+                  <a:srgbClr val="000000"/>
+                </a:solidFill>
+                <a:effectLst/>
+                <a:latin typeface="JetBrains Mono"/>
+              </a:rPr>
+            </a:br>
+            <a:r>
+              <a:rPr kumimoji="0" lang="en-US" altLang="en-US" sz="1400" b="0" i="0" u="none" strike="noStrike" cap="none" normalizeH="0" baseline="0" dirty="0">
+                <a:ln>
+                  <a:noFill/>
+                </a:ln>
+                <a:solidFill>
+                  <a:srgbClr val="000000"/>
+                </a:solidFill>
+                <a:effectLst/>
+                <a:latin typeface="JetBrains Mono"/>
+              </a:rPr>
+              <a:t>    </a:t>
+            </a:r>
+            <a:r>
+              <a:rPr kumimoji="0" lang="en-US" altLang="en-US" sz="1400" b="1" i="0" u="none" strike="noStrike" cap="none" normalizeH="0" baseline="0" dirty="0">
+                <a:ln>
+                  <a:noFill/>
+                </a:ln>
+                <a:solidFill>
+                  <a:srgbClr val="000080"/>
+                </a:solidFill>
+                <a:effectLst/>
+                <a:latin typeface="JetBrains Mono"/>
+              </a:rPr>
+              <a:t>public int </a:t>
+            </a:r>
+            <a:r>
+              <a:rPr kumimoji="0" lang="en-US" altLang="en-US" sz="1400" b="0" i="0" u="none" strike="noStrike" cap="none" normalizeH="0" baseline="0" dirty="0" err="1">
+                <a:ln>
+                  <a:noFill/>
+                </a:ln>
+                <a:solidFill>
+                  <a:srgbClr val="000000"/>
+                </a:solidFill>
+                <a:effectLst/>
+                <a:latin typeface="JetBrains Mono"/>
+              </a:rPr>
+              <a:t>getArea</a:t>
+            </a:r>
+            <a:r>
+              <a:rPr kumimoji="0" lang="en-US" altLang="en-US" sz="1400" b="0" i="0" u="none" strike="noStrike" cap="none" normalizeH="0" baseline="0" dirty="0">
+                <a:ln>
+                  <a:noFill/>
+                </a:ln>
+                <a:solidFill>
+                  <a:srgbClr val="000000"/>
+                </a:solidFill>
+                <a:effectLst/>
+                <a:latin typeface="JetBrains Mono"/>
+              </a:rPr>
+              <a:t>() {</a:t>
+            </a:r>
+            <a:br>
+              <a:rPr kumimoji="0" lang="en-US" altLang="en-US" sz="1400" b="0" i="0" u="none" strike="noStrike" cap="none" normalizeH="0" baseline="0" dirty="0">
+                <a:ln>
+                  <a:noFill/>
+                </a:ln>
+                <a:solidFill>
+                  <a:srgbClr val="000000"/>
+                </a:solidFill>
+                <a:effectLst/>
+                <a:latin typeface="JetBrains Mono"/>
+              </a:rPr>
+            </a:br>
+            <a:r>
+              <a:rPr kumimoji="0" lang="en-US" altLang="en-US" sz="1400" b="0" i="0" u="none" strike="noStrike" cap="none" normalizeH="0" baseline="0" dirty="0">
+                <a:ln>
+                  <a:noFill/>
+                </a:ln>
+                <a:solidFill>
+                  <a:srgbClr val="000000"/>
+                </a:solidFill>
+                <a:effectLst/>
+                <a:latin typeface="JetBrains Mono"/>
+              </a:rPr>
+              <a:t>        </a:t>
+            </a:r>
+            <a:r>
+              <a:rPr kumimoji="0" lang="en-US" altLang="en-US" sz="1400" b="1" i="0" u="none" strike="noStrike" cap="none" normalizeH="0" baseline="0" dirty="0">
+                <a:ln>
+                  <a:noFill/>
+                </a:ln>
+                <a:solidFill>
+                  <a:srgbClr val="000080"/>
+                </a:solidFill>
+                <a:effectLst/>
+                <a:latin typeface="JetBrains Mono"/>
+              </a:rPr>
+              <a:t>return </a:t>
+            </a:r>
+            <a:r>
+              <a:rPr kumimoji="0" lang="en-US" altLang="en-US" sz="1400" b="1" i="0" u="none" strike="noStrike" cap="none" normalizeH="0" baseline="0" dirty="0">
+                <a:ln>
+                  <a:noFill/>
+                </a:ln>
+                <a:solidFill>
+                  <a:srgbClr val="660E7A"/>
+                </a:solidFill>
+                <a:effectLst/>
+                <a:latin typeface="JetBrains Mono"/>
+              </a:rPr>
+              <a:t>length</a:t>
+            </a:r>
+            <a:r>
+              <a:rPr kumimoji="0" lang="en-US" altLang="en-US" sz="1400" b="0" i="0" u="none" strike="noStrike" cap="none" normalizeH="0" baseline="0" dirty="0">
+                <a:ln>
+                  <a:noFill/>
+                </a:ln>
+                <a:solidFill>
+                  <a:srgbClr val="000000"/>
+                </a:solidFill>
+                <a:effectLst/>
+                <a:latin typeface="JetBrains Mono"/>
+              </a:rPr>
+              <a:t>*</a:t>
+            </a:r>
+            <a:r>
+              <a:rPr kumimoji="0" lang="en-US" altLang="en-US" sz="1400" b="1" i="0" u="none" strike="noStrike" cap="none" normalizeH="0" baseline="0" dirty="0">
+                <a:ln>
+                  <a:noFill/>
+                </a:ln>
+                <a:solidFill>
+                  <a:srgbClr val="660E7A"/>
+                </a:solidFill>
+                <a:effectLst/>
+                <a:latin typeface="JetBrains Mono"/>
+              </a:rPr>
+              <a:t>width</a:t>
+            </a:r>
+            <a:r>
+              <a:rPr kumimoji="0" lang="en-US" altLang="en-US" sz="1400" b="0" i="0" u="none" strike="noStrike" cap="none" normalizeH="0" baseline="0" dirty="0">
+                <a:ln>
+                  <a:noFill/>
+                </a:ln>
+                <a:solidFill>
+                  <a:srgbClr val="000000"/>
+                </a:solidFill>
+                <a:effectLst/>
+                <a:latin typeface="JetBrains Mono"/>
+              </a:rPr>
+              <a:t>;</a:t>
+            </a:r>
+            <a:br>
+              <a:rPr kumimoji="0" lang="en-US" altLang="en-US" sz="1400" b="0" i="0" u="none" strike="noStrike" cap="none" normalizeH="0" baseline="0" dirty="0">
+                <a:ln>
+                  <a:noFill/>
+                </a:ln>
+                <a:solidFill>
+                  <a:srgbClr val="000000"/>
+                </a:solidFill>
+                <a:effectLst/>
+                <a:latin typeface="JetBrains Mono"/>
+              </a:rPr>
+            </a:br>
+            <a:r>
+              <a:rPr kumimoji="0" lang="en-US" altLang="en-US" sz="1400" b="0" i="0" u="none" strike="noStrike" cap="none" normalizeH="0" baseline="0" dirty="0">
+                <a:ln>
+                  <a:noFill/>
+                </a:ln>
+                <a:solidFill>
+                  <a:srgbClr val="000000"/>
+                </a:solidFill>
+                <a:effectLst/>
+                <a:latin typeface="JetBrains Mono"/>
+              </a:rPr>
+              <a:t>    }</a:t>
+            </a:r>
+            <a:br>
+              <a:rPr kumimoji="0" lang="en-US" altLang="en-US" sz="1400" b="0" i="0" u="none" strike="noStrike" cap="none" normalizeH="0" baseline="0" dirty="0">
+                <a:ln>
+                  <a:noFill/>
+                </a:ln>
+                <a:solidFill>
+                  <a:srgbClr val="000000"/>
+                </a:solidFill>
+                <a:effectLst/>
+                <a:latin typeface="JetBrains Mono"/>
+              </a:rPr>
+            </a:br>
+            <a:r>
+              <a:rPr kumimoji="0" lang="en-US" altLang="en-US" sz="1400" b="0" i="0" u="none" strike="noStrike" cap="none" normalizeH="0" baseline="0" dirty="0">
+                <a:ln>
+                  <a:noFill/>
+                </a:ln>
+                <a:solidFill>
+                  <a:srgbClr val="000000"/>
+                </a:solidFill>
+                <a:effectLst/>
+                <a:latin typeface="JetBrains Mono"/>
+              </a:rPr>
+              <a:t>}</a:t>
+            </a:r>
+            <a:endParaRPr kumimoji="0" lang="en-US" altLang="en-US" sz="1400" b="0" i="0" u="none" strike="noStrike" cap="none" normalizeH="0" baseline="0" dirty="0">
+              <a:ln>
+                <a:noFill/>
+              </a:ln>
+              <a:solidFill>
+                <a:schemeClr val="tx1"/>
+              </a:solidFill>
+              <a:effectLst/>
+              <a:latin typeface="Arial" panose="020B0604020202020204" pitchFamily="34" charset="0"/>
+            </a:endParaRPr>
+          </a:p>
+        </p:txBody>
+      </p:sp>
+      <p:sp>
+        <p:nvSpPr>
+          <p:cNvPr id="7" name="Rectangle 2">
+            <a:extLst>
+              <a:ext uri="{FF2B5EF4-FFF2-40B4-BE49-F238E27FC236}">
+                <a16:creationId xmlns:a16="http://schemas.microsoft.com/office/drawing/2014/main" id="{C617A2FD-288E-4EBD-99AC-6B030EF0D751}"/>
+              </a:ext>
+            </a:extLst>
+          </p:cNvPr>
+          <p:cNvSpPr>
+            <a:spLocks noChangeArrowheads="1"/>
+          </p:cNvSpPr>
+          <p:nvPr/>
+        </p:nvSpPr>
+        <p:spPr bwMode="auto">
+          <a:xfrm>
+            <a:off x="4234216" y="1463722"/>
+            <a:ext cx="5602512" cy="5262979"/>
+          </a:xfrm>
+          <a:prstGeom prst="rect">
+            <a:avLst/>
+          </a:prstGeom>
+          <a:noFill/>
+          <a:ln>
+            <a:solidFill>
+              <a:schemeClr val="accent1"/>
+            </a:solidFill>
+          </a:ln>
+          <a:effectLst/>
+        </p:spPr>
+        <p:txBody>
+          <a:bodyPr vert="horz" wrap="square" lIns="91440" tIns="45720" rIns="91440" bIns="45720" numCol="1" anchor="ctr" anchorCtr="0" compatLnSpc="1">
+            <a:prstTxWarp prst="textNoShape">
+              <a:avLst/>
+            </a:prstTxWarp>
+            <a:spAutoFit/>
+          </a:bodyPr>
+          <a:lstStyle/>
+          <a:p>
+            <a:pPr marL="0" marR="0" lvl="0" indent="0" algn="l" defTabSz="914400" rtl="0" eaLnBrk="0" fontAlgn="base" latinLnBrk="0" hangingPunct="0">
+              <a:lnSpc>
+                <a:spcPct val="100000"/>
+              </a:lnSpc>
+              <a:spcBef>
+                <a:spcPct val="0"/>
+              </a:spcBef>
+              <a:spcAft>
+                <a:spcPct val="0"/>
+              </a:spcAft>
+              <a:buClrTx/>
+              <a:buSzTx/>
+              <a:buFontTx/>
+              <a:buNone/>
+              <a:tabLst/>
+            </a:pPr>
+            <a:r>
+              <a:rPr kumimoji="0" lang="en-US" altLang="en-US" sz="1400" b="1" i="0" u="none" strike="noStrike" cap="none" normalizeH="0" baseline="0" dirty="0">
+                <a:ln>
+                  <a:noFill/>
+                </a:ln>
+                <a:solidFill>
+                  <a:srgbClr val="000080"/>
+                </a:solidFill>
+                <a:effectLst/>
+                <a:latin typeface="JetBrains Mono"/>
+              </a:rPr>
+              <a:t>public class </a:t>
+            </a:r>
+            <a:r>
+              <a:rPr kumimoji="0" lang="en-US" altLang="en-US" sz="1400" b="0" i="0" u="none" strike="noStrike" cap="none" normalizeH="0" baseline="0" dirty="0" err="1">
+                <a:ln>
+                  <a:noFill/>
+                </a:ln>
+                <a:solidFill>
+                  <a:srgbClr val="000000"/>
+                </a:solidFill>
+                <a:effectLst/>
+                <a:latin typeface="JetBrains Mono"/>
+              </a:rPr>
+              <a:t>YourProgram</a:t>
+            </a:r>
+            <a:r>
+              <a:rPr kumimoji="0" lang="en-US" altLang="en-US" sz="1400" b="0" i="0" u="none" strike="noStrike" cap="none" normalizeH="0" baseline="0" dirty="0">
+                <a:ln>
+                  <a:noFill/>
+                </a:ln>
+                <a:solidFill>
+                  <a:srgbClr val="000000"/>
+                </a:solidFill>
+                <a:effectLst/>
+                <a:latin typeface="JetBrains Mono"/>
+              </a:rPr>
+              <a:t> {</a:t>
+            </a:r>
+            <a:br>
+              <a:rPr kumimoji="0" lang="en-US" altLang="en-US" sz="1400" b="0" i="0" u="none" strike="noStrike" cap="none" normalizeH="0" baseline="0" dirty="0">
+                <a:ln>
+                  <a:noFill/>
+                </a:ln>
+                <a:solidFill>
+                  <a:srgbClr val="000000"/>
+                </a:solidFill>
+                <a:effectLst/>
+                <a:latin typeface="JetBrains Mono"/>
+              </a:rPr>
+            </a:br>
+            <a:r>
+              <a:rPr kumimoji="0" lang="en-US" altLang="en-US" sz="1400" b="0" i="0" u="none" strike="noStrike" cap="none" normalizeH="0" baseline="0" dirty="0">
+                <a:ln>
+                  <a:noFill/>
+                </a:ln>
+                <a:solidFill>
+                  <a:srgbClr val="000000"/>
+                </a:solidFill>
+                <a:effectLst/>
+                <a:latin typeface="JetBrains Mono"/>
+              </a:rPr>
+              <a:t>    </a:t>
+            </a:r>
+            <a:r>
+              <a:rPr kumimoji="0" lang="en-US" altLang="en-US" sz="1400" b="1" i="0" u="none" strike="noStrike" cap="none" normalizeH="0" baseline="0" dirty="0">
+                <a:ln>
+                  <a:noFill/>
+                </a:ln>
+                <a:solidFill>
+                  <a:srgbClr val="000080"/>
+                </a:solidFill>
+                <a:effectLst/>
+                <a:latin typeface="JetBrains Mono"/>
+              </a:rPr>
+              <a:t>public static void </a:t>
+            </a:r>
+            <a:r>
+              <a:rPr kumimoji="0" lang="en-US" altLang="en-US" sz="1400" b="0" i="0" u="none" strike="noStrike" cap="none" normalizeH="0" baseline="0" dirty="0" err="1">
+                <a:ln>
+                  <a:noFill/>
+                </a:ln>
+                <a:solidFill>
+                  <a:srgbClr val="000000"/>
+                </a:solidFill>
+                <a:effectLst/>
+                <a:latin typeface="JetBrains Mono"/>
+              </a:rPr>
+              <a:t>modifyValues</a:t>
+            </a:r>
+            <a:r>
+              <a:rPr kumimoji="0" lang="en-US" altLang="en-US" sz="1400" b="0" i="0" u="none" strike="noStrike" cap="none" normalizeH="0" baseline="0" dirty="0">
+                <a:ln>
+                  <a:noFill/>
+                </a:ln>
+                <a:solidFill>
+                  <a:srgbClr val="000000"/>
+                </a:solidFill>
+                <a:effectLst/>
+                <a:latin typeface="JetBrains Mono"/>
+              </a:rPr>
+              <a:t>(Rectangle </a:t>
+            </a:r>
+            <a:r>
+              <a:rPr kumimoji="0" lang="en-US" altLang="en-US" sz="1400" b="0" i="0" u="none" strike="noStrike" cap="none" normalizeH="0" baseline="0" dirty="0" err="1">
+                <a:ln>
+                  <a:noFill/>
+                </a:ln>
+                <a:solidFill>
+                  <a:srgbClr val="000000"/>
+                </a:solidFill>
+                <a:effectLst/>
+                <a:latin typeface="JetBrains Mono"/>
+              </a:rPr>
+              <a:t>rectangle</a:t>
+            </a:r>
+            <a:r>
+              <a:rPr kumimoji="0" lang="en-US" altLang="en-US" sz="1400" b="0" i="0" u="none" strike="noStrike" cap="none" normalizeH="0" baseline="0" dirty="0">
+                <a:ln>
+                  <a:noFill/>
+                </a:ln>
+                <a:solidFill>
+                  <a:srgbClr val="000000"/>
+                </a:solidFill>
+                <a:effectLst/>
+                <a:latin typeface="JetBrains Mono"/>
+              </a:rPr>
+              <a:t>, </a:t>
+            </a:r>
+            <a:r>
+              <a:rPr kumimoji="0" lang="en-US" altLang="en-US" sz="1400" b="1" i="0" u="none" strike="noStrike" cap="none" normalizeH="0" baseline="0" dirty="0">
+                <a:ln>
+                  <a:noFill/>
+                </a:ln>
+                <a:solidFill>
+                  <a:srgbClr val="000080"/>
+                </a:solidFill>
+                <a:effectLst/>
+                <a:latin typeface="JetBrains Mono"/>
+              </a:rPr>
+              <a:t>int </a:t>
+            </a:r>
+            <a:r>
+              <a:rPr kumimoji="0" lang="en-US" altLang="en-US" sz="1400" b="0" i="0" u="none" strike="noStrike" cap="none" normalizeH="0" baseline="0" dirty="0">
+                <a:ln>
+                  <a:noFill/>
+                </a:ln>
+                <a:solidFill>
+                  <a:srgbClr val="000000"/>
+                </a:solidFill>
+                <a:effectLst/>
+                <a:latin typeface="JetBrains Mono"/>
+              </a:rPr>
+              <a:t>w, </a:t>
+            </a:r>
+            <a:r>
+              <a:rPr kumimoji="0" lang="en-US" altLang="en-US" sz="1400" b="1" i="0" u="none" strike="noStrike" cap="none" normalizeH="0" baseline="0" dirty="0">
+                <a:ln>
+                  <a:noFill/>
+                </a:ln>
+                <a:solidFill>
+                  <a:srgbClr val="000080"/>
+                </a:solidFill>
+                <a:effectLst/>
+                <a:latin typeface="JetBrains Mono"/>
+              </a:rPr>
+              <a:t>int </a:t>
+            </a:r>
+            <a:r>
+              <a:rPr kumimoji="0" lang="en-US" altLang="en-US" sz="1400" b="0" i="0" u="none" strike="noStrike" cap="none" normalizeH="0" baseline="0" dirty="0">
+                <a:ln>
+                  <a:noFill/>
+                </a:ln>
+                <a:solidFill>
+                  <a:srgbClr val="000000"/>
+                </a:solidFill>
+                <a:effectLst/>
+                <a:latin typeface="JetBrains Mono"/>
+              </a:rPr>
+              <a:t>l) {</a:t>
+            </a:r>
+            <a:br>
+              <a:rPr kumimoji="0" lang="en-US" altLang="en-US" sz="1400" b="0" i="0" u="none" strike="noStrike" cap="none" normalizeH="0" baseline="0" dirty="0">
+                <a:ln>
+                  <a:noFill/>
+                </a:ln>
+                <a:solidFill>
+                  <a:srgbClr val="000000"/>
+                </a:solidFill>
+                <a:effectLst/>
+                <a:latin typeface="JetBrains Mono"/>
+              </a:rPr>
+            </a:br>
+            <a:r>
+              <a:rPr kumimoji="0" lang="en-US" altLang="en-US" sz="1400" b="0" i="0" u="none" strike="noStrike" cap="none" normalizeH="0" baseline="0" dirty="0">
+                <a:ln>
+                  <a:noFill/>
+                </a:ln>
+                <a:solidFill>
+                  <a:srgbClr val="000000"/>
+                </a:solidFill>
+                <a:effectLst/>
+                <a:latin typeface="JetBrains Mono"/>
+              </a:rPr>
+              <a:t>        </a:t>
+            </a:r>
+            <a:r>
+              <a:rPr kumimoji="0" lang="en-US" altLang="en-US" sz="1400" b="0" i="0" u="none" strike="noStrike" cap="none" normalizeH="0" baseline="0" dirty="0" err="1">
+                <a:ln>
+                  <a:noFill/>
+                </a:ln>
+                <a:solidFill>
+                  <a:srgbClr val="000000"/>
+                </a:solidFill>
+                <a:effectLst/>
+                <a:latin typeface="JetBrains Mono"/>
+              </a:rPr>
+              <a:t>rectangle.setLength</a:t>
+            </a:r>
+            <a:r>
+              <a:rPr kumimoji="0" lang="en-US" altLang="en-US" sz="1400" b="0" i="0" u="none" strike="noStrike" cap="none" normalizeH="0" baseline="0" dirty="0">
+                <a:ln>
+                  <a:noFill/>
+                </a:ln>
+                <a:solidFill>
+                  <a:srgbClr val="000000"/>
+                </a:solidFill>
+                <a:effectLst/>
+                <a:latin typeface="JetBrains Mono"/>
+              </a:rPr>
+              <a:t>(</a:t>
+            </a:r>
+            <a:r>
+              <a:rPr kumimoji="0" lang="en-US" altLang="en-US" sz="1400" b="0" i="0" u="none" strike="noStrike" cap="none" normalizeH="0" baseline="0" dirty="0" err="1">
+                <a:ln>
+                  <a:noFill/>
+                </a:ln>
+                <a:solidFill>
+                  <a:srgbClr val="000000"/>
+                </a:solidFill>
+                <a:effectLst/>
+                <a:latin typeface="JetBrains Mono"/>
+              </a:rPr>
+              <a:t>rectangle.getLength</a:t>
+            </a:r>
+            <a:r>
+              <a:rPr kumimoji="0" lang="en-US" altLang="en-US" sz="1400" b="0" i="0" u="none" strike="noStrike" cap="none" normalizeH="0" baseline="0" dirty="0">
+                <a:ln>
+                  <a:noFill/>
+                </a:ln>
+                <a:solidFill>
+                  <a:srgbClr val="000000"/>
+                </a:solidFill>
+                <a:effectLst/>
+                <a:latin typeface="JetBrains Mono"/>
+              </a:rPr>
+              <a:t>() / </a:t>
+            </a:r>
+            <a:r>
+              <a:rPr kumimoji="0" lang="en-US" altLang="en-US" sz="1400" b="0" i="0" u="none" strike="noStrike" cap="none" normalizeH="0" baseline="0" dirty="0">
+                <a:ln>
+                  <a:noFill/>
+                </a:ln>
+                <a:solidFill>
+                  <a:srgbClr val="0000FF"/>
+                </a:solidFill>
+                <a:effectLst/>
+                <a:latin typeface="JetBrains Mono"/>
+              </a:rPr>
+              <a:t>2</a:t>
+            </a:r>
+            <a:r>
+              <a:rPr kumimoji="0" lang="en-US" altLang="en-US" sz="1400" b="0" i="0" u="none" strike="noStrike" cap="none" normalizeH="0" baseline="0" dirty="0">
+                <a:ln>
+                  <a:noFill/>
+                </a:ln>
+                <a:solidFill>
+                  <a:srgbClr val="000000"/>
+                </a:solidFill>
+                <a:effectLst/>
+                <a:latin typeface="JetBrains Mono"/>
+              </a:rPr>
+              <a:t>);</a:t>
+            </a:r>
+            <a:br>
+              <a:rPr kumimoji="0" lang="en-US" altLang="en-US" sz="1400" b="0" i="0" u="none" strike="noStrike" cap="none" normalizeH="0" baseline="0" dirty="0">
+                <a:ln>
+                  <a:noFill/>
+                </a:ln>
+                <a:solidFill>
+                  <a:srgbClr val="000000"/>
+                </a:solidFill>
+                <a:effectLst/>
+                <a:latin typeface="JetBrains Mono"/>
+              </a:rPr>
+            </a:br>
+            <a:r>
+              <a:rPr kumimoji="0" lang="en-US" altLang="en-US" sz="1400" b="0" i="0" u="none" strike="noStrike" cap="none" normalizeH="0" baseline="0" dirty="0">
+                <a:ln>
+                  <a:noFill/>
+                </a:ln>
+                <a:solidFill>
+                  <a:srgbClr val="000000"/>
+                </a:solidFill>
+                <a:effectLst/>
+                <a:latin typeface="JetBrains Mono"/>
+              </a:rPr>
+              <a:t>        </a:t>
+            </a:r>
+            <a:r>
+              <a:rPr kumimoji="0" lang="en-US" altLang="en-US" sz="1400" b="0" i="0" u="none" strike="noStrike" cap="none" normalizeH="0" baseline="0" dirty="0" err="1">
+                <a:ln>
+                  <a:noFill/>
+                </a:ln>
+                <a:solidFill>
+                  <a:srgbClr val="000000"/>
+                </a:solidFill>
+                <a:effectLst/>
+                <a:latin typeface="JetBrains Mono"/>
+              </a:rPr>
+              <a:t>rectangle.setWidth</a:t>
+            </a:r>
+            <a:r>
+              <a:rPr kumimoji="0" lang="en-US" altLang="en-US" sz="1400" b="0" i="0" u="none" strike="noStrike" cap="none" normalizeH="0" baseline="0" dirty="0">
+                <a:ln>
+                  <a:noFill/>
+                </a:ln>
+                <a:solidFill>
+                  <a:srgbClr val="000000"/>
+                </a:solidFill>
+                <a:effectLst/>
+                <a:latin typeface="JetBrains Mono"/>
+              </a:rPr>
+              <a:t>(</a:t>
+            </a:r>
+            <a:r>
+              <a:rPr kumimoji="0" lang="en-US" altLang="en-US" sz="1400" b="0" i="0" u="none" strike="noStrike" cap="none" normalizeH="0" baseline="0" dirty="0" err="1">
+                <a:ln>
+                  <a:noFill/>
+                </a:ln>
+                <a:solidFill>
+                  <a:srgbClr val="000000"/>
+                </a:solidFill>
+                <a:effectLst/>
+                <a:latin typeface="JetBrains Mono"/>
+              </a:rPr>
+              <a:t>rectangle.getWidth</a:t>
+            </a:r>
+            <a:r>
+              <a:rPr kumimoji="0" lang="en-US" altLang="en-US" sz="1400" b="0" i="0" u="none" strike="noStrike" cap="none" normalizeH="0" baseline="0" dirty="0">
+                <a:ln>
+                  <a:noFill/>
+                </a:ln>
+                <a:solidFill>
+                  <a:srgbClr val="000000"/>
+                </a:solidFill>
+                <a:effectLst/>
+                <a:latin typeface="JetBrains Mono"/>
+              </a:rPr>
+              <a:t>() * </a:t>
+            </a:r>
+            <a:r>
+              <a:rPr kumimoji="0" lang="en-US" altLang="en-US" sz="1400" b="0" i="0" u="none" strike="noStrike" cap="none" normalizeH="0" baseline="0" dirty="0">
+                <a:ln>
+                  <a:noFill/>
+                </a:ln>
+                <a:solidFill>
+                  <a:srgbClr val="0000FF"/>
+                </a:solidFill>
+                <a:effectLst/>
+                <a:latin typeface="JetBrains Mono"/>
+              </a:rPr>
+              <a:t>3 </a:t>
+            </a:r>
+            <a:r>
+              <a:rPr kumimoji="0" lang="en-US" altLang="en-US" sz="1400" b="0" i="0" u="none" strike="noStrike" cap="none" normalizeH="0" baseline="0" dirty="0">
+                <a:ln>
+                  <a:noFill/>
+                </a:ln>
+                <a:solidFill>
+                  <a:srgbClr val="000000"/>
+                </a:solidFill>
+                <a:effectLst/>
+                <a:latin typeface="JetBrains Mono"/>
+              </a:rPr>
+              <a:t>+ </a:t>
+            </a:r>
+            <a:r>
+              <a:rPr kumimoji="0" lang="en-US" altLang="en-US" sz="1400" b="0" i="0" u="none" strike="noStrike" cap="none" normalizeH="0" baseline="0" dirty="0">
+                <a:ln>
+                  <a:noFill/>
+                </a:ln>
+                <a:solidFill>
+                  <a:srgbClr val="0000FF"/>
+                </a:solidFill>
+                <a:effectLst/>
+                <a:latin typeface="JetBrains Mono"/>
+              </a:rPr>
+              <a:t>1 </a:t>
+            </a:r>
+            <a:r>
+              <a:rPr kumimoji="0" lang="en-US" altLang="en-US" sz="1400" b="0" i="0" u="none" strike="noStrike" cap="none" normalizeH="0" baseline="0" dirty="0">
+                <a:ln>
+                  <a:noFill/>
+                </a:ln>
+                <a:solidFill>
+                  <a:srgbClr val="000000"/>
+                </a:solidFill>
+                <a:effectLst/>
+                <a:latin typeface="JetBrains Mono"/>
+              </a:rPr>
+              <a:t>);</a:t>
+            </a:r>
+            <a:br>
+              <a:rPr kumimoji="0" lang="en-US" altLang="en-US" sz="1400" b="0" i="0" u="none" strike="noStrike" cap="none" normalizeH="0" baseline="0" dirty="0">
+                <a:ln>
+                  <a:noFill/>
+                </a:ln>
+                <a:solidFill>
+                  <a:srgbClr val="000000"/>
+                </a:solidFill>
+                <a:effectLst/>
+                <a:latin typeface="JetBrains Mono"/>
+              </a:rPr>
+            </a:br>
+            <a:r>
+              <a:rPr kumimoji="0" lang="en-US" altLang="en-US" sz="1400" b="0" i="0" u="none" strike="noStrike" cap="none" normalizeH="0" baseline="0" dirty="0">
+                <a:ln>
+                  <a:noFill/>
+                </a:ln>
+                <a:solidFill>
+                  <a:srgbClr val="000000"/>
+                </a:solidFill>
+                <a:effectLst/>
+                <a:latin typeface="JetBrains Mono"/>
+              </a:rPr>
+              <a:t>        w = w * </a:t>
+            </a:r>
+            <a:r>
+              <a:rPr kumimoji="0" lang="en-US" altLang="en-US" sz="1400" b="0" i="0" u="none" strike="noStrike" cap="none" normalizeH="0" baseline="0" dirty="0">
+                <a:ln>
+                  <a:noFill/>
+                </a:ln>
+                <a:solidFill>
+                  <a:srgbClr val="0000FF"/>
+                </a:solidFill>
+                <a:effectLst/>
+                <a:latin typeface="JetBrains Mono"/>
+              </a:rPr>
+              <a:t>3 </a:t>
+            </a:r>
+            <a:r>
+              <a:rPr kumimoji="0" lang="en-US" altLang="en-US" sz="1400" b="0" i="0" u="none" strike="noStrike" cap="none" normalizeH="0" baseline="0" dirty="0">
+                <a:ln>
+                  <a:noFill/>
+                </a:ln>
+                <a:solidFill>
+                  <a:srgbClr val="000000"/>
+                </a:solidFill>
+                <a:effectLst/>
+                <a:latin typeface="JetBrains Mono"/>
+              </a:rPr>
+              <a:t>+ </a:t>
+            </a:r>
+            <a:r>
+              <a:rPr kumimoji="0" lang="en-US" altLang="en-US" sz="1400" b="0" i="0" u="none" strike="noStrike" cap="none" normalizeH="0" baseline="0" dirty="0">
+                <a:ln>
+                  <a:noFill/>
+                </a:ln>
+                <a:solidFill>
+                  <a:srgbClr val="0000FF"/>
+                </a:solidFill>
+                <a:effectLst/>
+                <a:latin typeface="JetBrains Mono"/>
+              </a:rPr>
+              <a:t>1</a:t>
+            </a:r>
+            <a:r>
+              <a:rPr kumimoji="0" lang="en-US" altLang="en-US" sz="1400" b="0" i="0" u="none" strike="noStrike" cap="none" normalizeH="0" baseline="0" dirty="0">
+                <a:ln>
+                  <a:noFill/>
+                </a:ln>
+                <a:solidFill>
+                  <a:srgbClr val="000000"/>
+                </a:solidFill>
+                <a:effectLst/>
+                <a:latin typeface="JetBrains Mono"/>
+              </a:rPr>
+              <a:t>;</a:t>
+            </a:r>
+            <a:br>
+              <a:rPr kumimoji="0" lang="en-US" altLang="en-US" sz="1400" b="0" i="0" u="none" strike="noStrike" cap="none" normalizeH="0" baseline="0" dirty="0">
+                <a:ln>
+                  <a:noFill/>
+                </a:ln>
+                <a:solidFill>
+                  <a:srgbClr val="000000"/>
+                </a:solidFill>
+                <a:effectLst/>
+                <a:latin typeface="JetBrains Mono"/>
+              </a:rPr>
+            </a:br>
+            <a:r>
+              <a:rPr kumimoji="0" lang="en-US" altLang="en-US" sz="1400" b="0" i="0" u="none" strike="noStrike" cap="none" normalizeH="0" baseline="0" dirty="0">
+                <a:ln>
+                  <a:noFill/>
+                </a:ln>
+                <a:solidFill>
+                  <a:srgbClr val="000000"/>
+                </a:solidFill>
+                <a:effectLst/>
+                <a:latin typeface="JetBrains Mono"/>
+              </a:rPr>
+              <a:t>        l = l  / </a:t>
+            </a:r>
+            <a:r>
+              <a:rPr kumimoji="0" lang="en-US" altLang="en-US" sz="1400" b="0" i="0" u="none" strike="noStrike" cap="none" normalizeH="0" baseline="0" dirty="0">
+                <a:ln>
+                  <a:noFill/>
+                </a:ln>
+                <a:solidFill>
+                  <a:srgbClr val="0000FF"/>
+                </a:solidFill>
+                <a:effectLst/>
+                <a:latin typeface="JetBrains Mono"/>
+              </a:rPr>
+              <a:t>2</a:t>
+            </a:r>
+            <a:r>
+              <a:rPr kumimoji="0" lang="en-US" altLang="en-US" sz="1400" b="0" i="0" u="none" strike="noStrike" cap="none" normalizeH="0" baseline="0" dirty="0">
+                <a:ln>
+                  <a:noFill/>
+                </a:ln>
+                <a:solidFill>
+                  <a:srgbClr val="000000"/>
+                </a:solidFill>
+                <a:effectLst/>
+                <a:latin typeface="JetBrains Mono"/>
+              </a:rPr>
+              <a:t>;</a:t>
+            </a:r>
+            <a:br>
+              <a:rPr kumimoji="0" lang="en-US" altLang="en-US" sz="1400" b="0" i="0" u="none" strike="noStrike" cap="none" normalizeH="0" baseline="0" dirty="0">
+                <a:ln>
+                  <a:noFill/>
+                </a:ln>
+                <a:solidFill>
+                  <a:srgbClr val="000000"/>
+                </a:solidFill>
+                <a:effectLst/>
+                <a:latin typeface="JetBrains Mono"/>
+              </a:rPr>
+            </a:br>
+            <a:r>
+              <a:rPr kumimoji="0" lang="en-US" altLang="en-US" sz="1400" b="0" i="0" u="none" strike="noStrike" cap="none" normalizeH="0" baseline="0" dirty="0">
+                <a:ln>
+                  <a:noFill/>
+                </a:ln>
+                <a:solidFill>
+                  <a:srgbClr val="000000"/>
+                </a:solidFill>
+                <a:effectLst/>
+                <a:latin typeface="JetBrains Mono"/>
+              </a:rPr>
+              <a:t>    }</a:t>
+            </a:r>
+            <a:br>
+              <a:rPr kumimoji="0" lang="en-US" altLang="en-US" sz="1400" b="0" i="0" u="none" strike="noStrike" cap="none" normalizeH="0" baseline="0" dirty="0">
+                <a:ln>
+                  <a:noFill/>
+                </a:ln>
+                <a:solidFill>
+                  <a:srgbClr val="000000"/>
+                </a:solidFill>
+                <a:effectLst/>
+                <a:latin typeface="JetBrains Mono"/>
+              </a:rPr>
+            </a:br>
+            <a:r>
+              <a:rPr kumimoji="0" lang="en-US" altLang="en-US" sz="1400" b="0" i="0" u="none" strike="noStrike" cap="none" normalizeH="0" baseline="0" dirty="0">
+                <a:ln>
+                  <a:noFill/>
+                </a:ln>
+                <a:solidFill>
+                  <a:srgbClr val="000000"/>
+                </a:solidFill>
+                <a:effectLst/>
+                <a:latin typeface="JetBrains Mono"/>
+              </a:rPr>
+              <a:t>    </a:t>
+            </a:r>
+            <a:r>
+              <a:rPr kumimoji="0" lang="en-US" altLang="en-US" sz="1400" b="1" i="0" u="none" strike="noStrike" cap="none" normalizeH="0" baseline="0" dirty="0">
+                <a:ln>
+                  <a:noFill/>
+                </a:ln>
+                <a:solidFill>
+                  <a:srgbClr val="000080"/>
+                </a:solidFill>
+                <a:effectLst/>
+                <a:latin typeface="JetBrains Mono"/>
+              </a:rPr>
+              <a:t>public static void </a:t>
+            </a:r>
+            <a:r>
+              <a:rPr kumimoji="0" lang="en-US" altLang="en-US" sz="1400" b="0" i="0" u="none" strike="noStrike" cap="none" normalizeH="0" baseline="0" dirty="0" err="1">
+                <a:ln>
+                  <a:noFill/>
+                </a:ln>
+                <a:solidFill>
+                  <a:srgbClr val="000000"/>
+                </a:solidFill>
+                <a:effectLst/>
+                <a:latin typeface="JetBrains Mono"/>
+              </a:rPr>
+              <a:t>printValues</a:t>
+            </a:r>
+            <a:r>
+              <a:rPr kumimoji="0" lang="en-US" altLang="en-US" sz="1400" b="0" i="0" u="none" strike="noStrike" cap="none" normalizeH="0" baseline="0" dirty="0">
+                <a:ln>
+                  <a:noFill/>
+                </a:ln>
+                <a:solidFill>
+                  <a:srgbClr val="000000"/>
+                </a:solidFill>
+                <a:effectLst/>
+                <a:latin typeface="JetBrains Mono"/>
+              </a:rPr>
+              <a:t>(Rectangle </a:t>
+            </a:r>
+            <a:r>
+              <a:rPr kumimoji="0" lang="en-US" altLang="en-US" sz="1400" b="0" i="0" u="none" strike="noStrike" cap="none" normalizeH="0" baseline="0" dirty="0" err="1">
+                <a:ln>
+                  <a:noFill/>
+                </a:ln>
+                <a:solidFill>
+                  <a:srgbClr val="000000"/>
+                </a:solidFill>
+                <a:effectLst/>
+                <a:latin typeface="JetBrains Mono"/>
+              </a:rPr>
+              <a:t>rectangle</a:t>
+            </a:r>
+            <a:r>
+              <a:rPr kumimoji="0" lang="en-US" altLang="en-US" sz="1400" b="0" i="0" u="none" strike="noStrike" cap="none" normalizeH="0" baseline="0" dirty="0">
+                <a:ln>
+                  <a:noFill/>
+                </a:ln>
+                <a:solidFill>
+                  <a:srgbClr val="000000"/>
+                </a:solidFill>
+                <a:effectLst/>
+                <a:latin typeface="JetBrains Mono"/>
+              </a:rPr>
+              <a:t>, </a:t>
+            </a:r>
+            <a:r>
+              <a:rPr kumimoji="0" lang="en-US" altLang="en-US" sz="1400" b="1" i="0" u="none" strike="noStrike" cap="none" normalizeH="0" baseline="0" dirty="0">
+                <a:ln>
+                  <a:noFill/>
+                </a:ln>
+                <a:solidFill>
+                  <a:srgbClr val="000080"/>
+                </a:solidFill>
+                <a:effectLst/>
+                <a:latin typeface="JetBrains Mono"/>
+              </a:rPr>
+              <a:t>int </a:t>
+            </a:r>
+            <a:r>
+              <a:rPr kumimoji="0" lang="en-US" altLang="en-US" sz="1400" b="0" i="0" u="none" strike="noStrike" cap="none" normalizeH="0" baseline="0" dirty="0">
+                <a:ln>
+                  <a:noFill/>
+                </a:ln>
+                <a:solidFill>
+                  <a:srgbClr val="000000"/>
+                </a:solidFill>
+                <a:effectLst/>
+                <a:latin typeface="JetBrains Mono"/>
+              </a:rPr>
+              <a:t>w, </a:t>
+            </a:r>
+            <a:r>
+              <a:rPr kumimoji="0" lang="en-US" altLang="en-US" sz="1400" b="1" i="0" u="none" strike="noStrike" cap="none" normalizeH="0" baseline="0" dirty="0">
+                <a:ln>
+                  <a:noFill/>
+                </a:ln>
+                <a:solidFill>
+                  <a:srgbClr val="000080"/>
+                </a:solidFill>
+                <a:effectLst/>
+                <a:latin typeface="JetBrains Mono"/>
+              </a:rPr>
+              <a:t>int </a:t>
+            </a:r>
+            <a:r>
+              <a:rPr kumimoji="0" lang="en-US" altLang="en-US" sz="1400" b="0" i="0" u="none" strike="noStrike" cap="none" normalizeH="0" baseline="0" dirty="0">
+                <a:ln>
+                  <a:noFill/>
+                </a:ln>
+                <a:solidFill>
+                  <a:srgbClr val="000000"/>
+                </a:solidFill>
+                <a:effectLst/>
+                <a:latin typeface="JetBrains Mono"/>
+              </a:rPr>
+              <a:t>l) {</a:t>
+            </a:r>
+            <a:br>
+              <a:rPr kumimoji="0" lang="en-US" altLang="en-US" sz="1400" b="0" i="0" u="none" strike="noStrike" cap="none" normalizeH="0" baseline="0" dirty="0">
+                <a:ln>
+                  <a:noFill/>
+                </a:ln>
+                <a:solidFill>
+                  <a:srgbClr val="000000"/>
+                </a:solidFill>
+                <a:effectLst/>
+                <a:latin typeface="JetBrains Mono"/>
+              </a:rPr>
+            </a:br>
+            <a:r>
+              <a:rPr kumimoji="0" lang="en-US" altLang="en-US" sz="1400" b="0" i="0" u="none" strike="noStrike" cap="none" normalizeH="0" baseline="0" dirty="0">
+                <a:ln>
+                  <a:noFill/>
+                </a:ln>
+                <a:solidFill>
+                  <a:srgbClr val="000000"/>
+                </a:solidFill>
+                <a:effectLst/>
+                <a:latin typeface="JetBrains Mono"/>
+              </a:rPr>
+              <a:t>        </a:t>
+            </a:r>
+            <a:r>
+              <a:rPr kumimoji="0" lang="en-US" altLang="en-US" sz="1400" b="0" i="0" u="none" strike="noStrike" cap="none" normalizeH="0" baseline="0" dirty="0" err="1">
+                <a:ln>
+                  <a:noFill/>
+                </a:ln>
+                <a:solidFill>
+                  <a:srgbClr val="000000"/>
+                </a:solidFill>
+                <a:effectLst/>
+                <a:latin typeface="JetBrains Mono"/>
+              </a:rPr>
+              <a:t>System.</a:t>
+            </a:r>
+            <a:r>
+              <a:rPr kumimoji="0" lang="en-US" altLang="en-US" sz="1400" b="1" i="1" u="none" strike="noStrike" cap="none" normalizeH="0" baseline="0" dirty="0" err="1">
+                <a:ln>
+                  <a:noFill/>
+                </a:ln>
+                <a:solidFill>
+                  <a:srgbClr val="660E7A"/>
+                </a:solidFill>
+                <a:effectLst/>
+                <a:latin typeface="JetBrains Mono"/>
+              </a:rPr>
+              <a:t>out</a:t>
+            </a:r>
+            <a:r>
+              <a:rPr kumimoji="0" lang="en-US" altLang="en-US" sz="1400" b="0" i="0" u="none" strike="noStrike" cap="none" normalizeH="0" baseline="0" dirty="0" err="1">
+                <a:ln>
+                  <a:noFill/>
+                </a:ln>
+                <a:solidFill>
+                  <a:srgbClr val="000000"/>
+                </a:solidFill>
+                <a:effectLst/>
+                <a:latin typeface="JetBrains Mono"/>
+              </a:rPr>
+              <a:t>.printf</a:t>
+            </a:r>
+            <a:r>
+              <a:rPr kumimoji="0" lang="en-US" altLang="en-US" sz="1400" b="0" i="0" u="none" strike="noStrike" cap="none" normalizeH="0" baseline="0" dirty="0">
+                <a:ln>
+                  <a:noFill/>
+                </a:ln>
+                <a:solidFill>
+                  <a:srgbClr val="000000"/>
+                </a:solidFill>
+                <a:effectLst/>
+                <a:latin typeface="JetBrains Mono"/>
+              </a:rPr>
+              <a:t>(</a:t>
+            </a:r>
+            <a:r>
+              <a:rPr kumimoji="0" lang="en-US" altLang="en-US" sz="1400" b="1" i="0" u="none" strike="noStrike" cap="none" normalizeH="0" baseline="0" dirty="0">
+                <a:ln>
+                  <a:noFill/>
+                </a:ln>
+                <a:solidFill>
+                  <a:srgbClr val="008000"/>
+                </a:solidFill>
+                <a:effectLst/>
+                <a:latin typeface="JetBrains Mono"/>
+              </a:rPr>
+              <a:t>"Rectangle: Width %d, Length: %d, Area: %</a:t>
+            </a:r>
+            <a:r>
+              <a:rPr kumimoji="0" lang="en-US" altLang="en-US" sz="1400" b="1" i="0" u="none" strike="noStrike" cap="none" normalizeH="0" baseline="0" dirty="0" err="1">
+                <a:ln>
+                  <a:noFill/>
+                </a:ln>
+                <a:solidFill>
+                  <a:srgbClr val="008000"/>
+                </a:solidFill>
+                <a:effectLst/>
+                <a:latin typeface="JetBrains Mono"/>
+              </a:rPr>
+              <a:t>d%n</a:t>
+            </a:r>
+            <a:r>
+              <a:rPr kumimoji="0" lang="en-US" altLang="en-US" sz="1400" b="1" i="0" u="none" strike="noStrike" cap="none" normalizeH="0" baseline="0" dirty="0">
+                <a:ln>
+                  <a:noFill/>
+                </a:ln>
+                <a:solidFill>
+                  <a:srgbClr val="008000"/>
+                </a:solidFill>
+                <a:effectLst/>
+                <a:latin typeface="JetBrains Mono"/>
+              </a:rPr>
+              <a:t>"</a:t>
+            </a:r>
+            <a:r>
+              <a:rPr kumimoji="0" lang="en-US" altLang="en-US" sz="1400" b="0" i="0" u="none" strike="noStrike" cap="none" normalizeH="0" baseline="0" dirty="0">
+                <a:ln>
+                  <a:noFill/>
+                </a:ln>
+                <a:solidFill>
+                  <a:srgbClr val="000000"/>
+                </a:solidFill>
+                <a:effectLst/>
+                <a:latin typeface="JetBrains Mono"/>
+              </a:rPr>
+              <a:t>,</a:t>
+            </a:r>
+            <a:br>
+              <a:rPr kumimoji="0" lang="en-US" altLang="en-US" sz="1400" b="0" i="0" u="none" strike="noStrike" cap="none" normalizeH="0" baseline="0" dirty="0">
+                <a:ln>
+                  <a:noFill/>
+                </a:ln>
+                <a:solidFill>
+                  <a:srgbClr val="000000"/>
+                </a:solidFill>
+                <a:effectLst/>
+                <a:latin typeface="JetBrains Mono"/>
+              </a:rPr>
+            </a:br>
+            <a:r>
+              <a:rPr kumimoji="0" lang="en-US" altLang="en-US" sz="1400" b="0" i="0" u="none" strike="noStrike" cap="none" normalizeH="0" baseline="0" dirty="0">
+                <a:ln>
+                  <a:noFill/>
+                </a:ln>
+                <a:solidFill>
+                  <a:srgbClr val="000000"/>
+                </a:solidFill>
+                <a:effectLst/>
+                <a:latin typeface="JetBrains Mono"/>
+              </a:rPr>
+              <a:t>                </a:t>
+            </a:r>
+            <a:r>
+              <a:rPr kumimoji="0" lang="en-US" altLang="en-US" sz="1400" b="0" i="0" u="none" strike="noStrike" cap="none" normalizeH="0" baseline="0" dirty="0" err="1">
+                <a:ln>
+                  <a:noFill/>
+                </a:ln>
+                <a:solidFill>
+                  <a:srgbClr val="000000"/>
+                </a:solidFill>
+                <a:effectLst/>
+                <a:latin typeface="JetBrains Mono"/>
+              </a:rPr>
+              <a:t>rectangle.getWidth</a:t>
+            </a:r>
+            <a:r>
+              <a:rPr kumimoji="0" lang="en-US" altLang="en-US" sz="1400" b="0" i="0" u="none" strike="noStrike" cap="none" normalizeH="0" baseline="0" dirty="0">
+                <a:ln>
+                  <a:noFill/>
+                </a:ln>
+                <a:solidFill>
+                  <a:srgbClr val="000000"/>
+                </a:solidFill>
+                <a:effectLst/>
+                <a:latin typeface="JetBrains Mono"/>
+              </a:rPr>
+              <a:t>(), </a:t>
+            </a:r>
+            <a:r>
+              <a:rPr kumimoji="0" lang="en-US" altLang="en-US" sz="1400" b="0" i="0" u="none" strike="noStrike" cap="none" normalizeH="0" baseline="0" dirty="0" err="1">
+                <a:ln>
+                  <a:noFill/>
+                </a:ln>
+                <a:solidFill>
+                  <a:srgbClr val="000000"/>
+                </a:solidFill>
+                <a:effectLst/>
+                <a:latin typeface="JetBrains Mono"/>
+              </a:rPr>
+              <a:t>rectangle.getLength</a:t>
+            </a:r>
+            <a:r>
+              <a:rPr kumimoji="0" lang="en-US" altLang="en-US" sz="1400" b="0" i="0" u="none" strike="noStrike" cap="none" normalizeH="0" baseline="0" dirty="0">
+                <a:ln>
+                  <a:noFill/>
+                </a:ln>
+                <a:solidFill>
+                  <a:srgbClr val="000000"/>
+                </a:solidFill>
+                <a:effectLst/>
+                <a:latin typeface="JetBrains Mono"/>
+              </a:rPr>
+              <a:t>(), </a:t>
+            </a:r>
+            <a:r>
+              <a:rPr kumimoji="0" lang="en-US" altLang="en-US" sz="1400" b="0" i="0" u="none" strike="noStrike" cap="none" normalizeH="0" baseline="0" dirty="0" err="1">
+                <a:ln>
+                  <a:noFill/>
+                </a:ln>
+                <a:solidFill>
+                  <a:srgbClr val="000000"/>
+                </a:solidFill>
+                <a:effectLst/>
+                <a:latin typeface="JetBrains Mono"/>
+              </a:rPr>
+              <a:t>rectangle.getArea</a:t>
+            </a:r>
+            <a:r>
+              <a:rPr kumimoji="0" lang="en-US" altLang="en-US" sz="1400" b="0" i="0" u="none" strike="noStrike" cap="none" normalizeH="0" baseline="0" dirty="0">
+                <a:ln>
+                  <a:noFill/>
+                </a:ln>
+                <a:solidFill>
+                  <a:srgbClr val="000000"/>
+                </a:solidFill>
+                <a:effectLst/>
+                <a:latin typeface="JetBrains Mono"/>
+              </a:rPr>
+              <a:t>());</a:t>
+            </a:r>
+            <a:br>
+              <a:rPr kumimoji="0" lang="en-US" altLang="en-US" sz="1400" b="0" i="0" u="none" strike="noStrike" cap="none" normalizeH="0" baseline="0" dirty="0">
+                <a:ln>
+                  <a:noFill/>
+                </a:ln>
+                <a:solidFill>
+                  <a:srgbClr val="000000"/>
+                </a:solidFill>
+                <a:effectLst/>
+                <a:latin typeface="JetBrains Mono"/>
+              </a:rPr>
+            </a:br>
+            <a:r>
+              <a:rPr kumimoji="0" lang="en-US" altLang="en-US" sz="1400" b="0" i="0" u="none" strike="noStrike" cap="none" normalizeH="0" baseline="0" dirty="0">
+                <a:ln>
+                  <a:noFill/>
+                </a:ln>
+                <a:solidFill>
+                  <a:srgbClr val="000000"/>
+                </a:solidFill>
+                <a:effectLst/>
+                <a:latin typeface="JetBrains Mono"/>
+              </a:rPr>
+              <a:t>        </a:t>
+            </a:r>
+            <a:r>
+              <a:rPr kumimoji="0" lang="en-US" altLang="en-US" sz="1400" b="0" i="0" u="none" strike="noStrike" cap="none" normalizeH="0" baseline="0" dirty="0" err="1">
+                <a:ln>
+                  <a:noFill/>
+                </a:ln>
+                <a:solidFill>
+                  <a:srgbClr val="000000"/>
+                </a:solidFill>
+                <a:effectLst/>
+                <a:latin typeface="JetBrains Mono"/>
+              </a:rPr>
+              <a:t>System.</a:t>
+            </a:r>
+            <a:r>
+              <a:rPr kumimoji="0" lang="en-US" altLang="en-US" sz="1400" b="1" i="1" u="none" strike="noStrike" cap="none" normalizeH="0" baseline="0" dirty="0" err="1">
+                <a:ln>
+                  <a:noFill/>
+                </a:ln>
+                <a:solidFill>
+                  <a:srgbClr val="660E7A"/>
+                </a:solidFill>
+                <a:effectLst/>
+                <a:latin typeface="JetBrains Mono"/>
+              </a:rPr>
+              <a:t>out</a:t>
+            </a:r>
+            <a:r>
+              <a:rPr kumimoji="0" lang="en-US" altLang="en-US" sz="1400" b="0" i="0" u="none" strike="noStrike" cap="none" normalizeH="0" baseline="0" dirty="0" err="1">
+                <a:ln>
+                  <a:noFill/>
+                </a:ln>
+                <a:solidFill>
+                  <a:srgbClr val="000000"/>
+                </a:solidFill>
+                <a:effectLst/>
+                <a:latin typeface="JetBrains Mono"/>
+              </a:rPr>
+              <a:t>.printf</a:t>
+            </a:r>
+            <a:r>
+              <a:rPr kumimoji="0" lang="en-US" altLang="en-US" sz="1400" b="0" i="0" u="none" strike="noStrike" cap="none" normalizeH="0" baseline="0" dirty="0">
+                <a:ln>
+                  <a:noFill/>
+                </a:ln>
+                <a:solidFill>
+                  <a:srgbClr val="000000"/>
+                </a:solidFill>
+                <a:effectLst/>
+                <a:latin typeface="JetBrains Mono"/>
+              </a:rPr>
+              <a:t>(</a:t>
+            </a:r>
+            <a:r>
+              <a:rPr kumimoji="0" lang="en-US" altLang="en-US" sz="1400" b="1" i="0" u="none" strike="noStrike" cap="none" normalizeH="0" baseline="0" dirty="0">
+                <a:ln>
+                  <a:noFill/>
+                </a:ln>
+                <a:solidFill>
+                  <a:srgbClr val="008000"/>
+                </a:solidFill>
+                <a:effectLst/>
+                <a:latin typeface="JetBrains Mono"/>
+              </a:rPr>
+              <a:t>"Values of w: %d, of l: %</a:t>
+            </a:r>
+            <a:r>
+              <a:rPr kumimoji="0" lang="en-US" altLang="en-US" sz="1400" b="1" i="0" u="none" strike="noStrike" cap="none" normalizeH="0" baseline="0" dirty="0" err="1">
+                <a:ln>
+                  <a:noFill/>
+                </a:ln>
+                <a:solidFill>
+                  <a:srgbClr val="008000"/>
+                </a:solidFill>
+                <a:effectLst/>
+                <a:latin typeface="JetBrains Mono"/>
+              </a:rPr>
+              <a:t>d%n</a:t>
+            </a:r>
+            <a:r>
+              <a:rPr kumimoji="0" lang="en-US" altLang="en-US" sz="1400" b="1" i="0" u="none" strike="noStrike" cap="none" normalizeH="0" baseline="0" dirty="0">
+                <a:ln>
+                  <a:noFill/>
+                </a:ln>
+                <a:solidFill>
+                  <a:srgbClr val="008000"/>
+                </a:solidFill>
+                <a:effectLst/>
+                <a:latin typeface="JetBrains Mono"/>
+              </a:rPr>
+              <a:t>"</a:t>
+            </a:r>
+            <a:r>
+              <a:rPr kumimoji="0" lang="en-US" altLang="en-US" sz="1400" b="0" i="0" u="none" strike="noStrike" cap="none" normalizeH="0" baseline="0" dirty="0">
+                <a:ln>
+                  <a:noFill/>
+                </a:ln>
+                <a:solidFill>
+                  <a:srgbClr val="000000"/>
+                </a:solidFill>
+                <a:effectLst/>
+                <a:latin typeface="JetBrains Mono"/>
+              </a:rPr>
+              <a:t>, w, l);</a:t>
+            </a:r>
+            <a:br>
+              <a:rPr kumimoji="0" lang="en-US" altLang="en-US" sz="1400" b="0" i="0" u="none" strike="noStrike" cap="none" normalizeH="0" baseline="0" dirty="0">
+                <a:ln>
+                  <a:noFill/>
+                </a:ln>
+                <a:solidFill>
+                  <a:srgbClr val="000000"/>
+                </a:solidFill>
+                <a:effectLst/>
+                <a:latin typeface="JetBrains Mono"/>
+              </a:rPr>
+            </a:br>
+            <a:r>
+              <a:rPr kumimoji="0" lang="en-US" altLang="en-US" sz="1400" b="0" i="0" u="none" strike="noStrike" cap="none" normalizeH="0" baseline="0" dirty="0">
+                <a:ln>
+                  <a:noFill/>
+                </a:ln>
+                <a:solidFill>
+                  <a:srgbClr val="000000"/>
+                </a:solidFill>
+                <a:effectLst/>
+                <a:latin typeface="JetBrains Mono"/>
+              </a:rPr>
+              <a:t>        </a:t>
+            </a:r>
+            <a:r>
+              <a:rPr kumimoji="0" lang="en-US" altLang="en-US" sz="1400" b="0" i="0" u="none" strike="noStrike" cap="none" normalizeH="0" baseline="0" dirty="0" err="1">
+                <a:ln>
+                  <a:noFill/>
+                </a:ln>
+                <a:solidFill>
+                  <a:srgbClr val="000000"/>
+                </a:solidFill>
+                <a:effectLst/>
+                <a:latin typeface="JetBrains Mono"/>
+              </a:rPr>
+              <a:t>System.</a:t>
+            </a:r>
+            <a:r>
+              <a:rPr kumimoji="0" lang="en-US" altLang="en-US" sz="1400" b="1" i="1" u="none" strike="noStrike" cap="none" normalizeH="0" baseline="0" dirty="0" err="1">
+                <a:ln>
+                  <a:noFill/>
+                </a:ln>
+                <a:solidFill>
+                  <a:srgbClr val="660E7A"/>
+                </a:solidFill>
+                <a:effectLst/>
+                <a:latin typeface="JetBrains Mono"/>
+              </a:rPr>
+              <a:t>out</a:t>
+            </a:r>
+            <a:r>
+              <a:rPr kumimoji="0" lang="en-US" altLang="en-US" sz="1400" b="0" i="0" u="none" strike="noStrike" cap="none" normalizeH="0" baseline="0" dirty="0" err="1">
+                <a:ln>
+                  <a:noFill/>
+                </a:ln>
+                <a:solidFill>
+                  <a:srgbClr val="000000"/>
+                </a:solidFill>
+                <a:effectLst/>
+                <a:latin typeface="JetBrains Mono"/>
+              </a:rPr>
+              <a:t>.printf</a:t>
+            </a:r>
+            <a:r>
+              <a:rPr kumimoji="0" lang="en-US" altLang="en-US" sz="1400" b="0" i="0" u="none" strike="noStrike" cap="none" normalizeH="0" baseline="0" dirty="0">
+                <a:ln>
+                  <a:noFill/>
+                </a:ln>
+                <a:solidFill>
+                  <a:srgbClr val="000000"/>
+                </a:solidFill>
+                <a:effectLst/>
+                <a:latin typeface="JetBrains Mono"/>
+              </a:rPr>
+              <a:t>(</a:t>
+            </a:r>
+            <a:r>
+              <a:rPr kumimoji="0" lang="en-US" altLang="en-US" sz="1400" b="1" i="0" u="none" strike="noStrike" cap="none" normalizeH="0" baseline="0" dirty="0">
+                <a:ln>
+                  <a:noFill/>
+                </a:ln>
+                <a:solidFill>
+                  <a:srgbClr val="008000"/>
+                </a:solidFill>
+                <a:effectLst/>
+                <a:latin typeface="JetBrains Mono"/>
+              </a:rPr>
+              <a:t>"Width == w? %b,  Length == l? %</a:t>
+            </a:r>
+            <a:r>
+              <a:rPr kumimoji="0" lang="en-US" altLang="en-US" sz="1400" b="1" i="0" u="none" strike="noStrike" cap="none" normalizeH="0" baseline="0" dirty="0" err="1">
+                <a:ln>
+                  <a:noFill/>
+                </a:ln>
+                <a:solidFill>
+                  <a:srgbClr val="008000"/>
+                </a:solidFill>
+                <a:effectLst/>
+                <a:latin typeface="JetBrains Mono"/>
+              </a:rPr>
+              <a:t>b%n%n</a:t>
+            </a:r>
+            <a:r>
+              <a:rPr kumimoji="0" lang="en-US" altLang="en-US" sz="1400" b="1" i="0" u="none" strike="noStrike" cap="none" normalizeH="0" baseline="0" dirty="0">
+                <a:ln>
+                  <a:noFill/>
+                </a:ln>
+                <a:solidFill>
+                  <a:srgbClr val="008000"/>
+                </a:solidFill>
+                <a:effectLst/>
+                <a:latin typeface="JetBrains Mono"/>
+              </a:rPr>
+              <a:t>"</a:t>
+            </a:r>
+            <a:r>
+              <a:rPr kumimoji="0" lang="en-US" altLang="en-US" sz="1400" b="0" i="0" u="none" strike="noStrike" cap="none" normalizeH="0" baseline="0" dirty="0">
+                <a:ln>
+                  <a:noFill/>
+                </a:ln>
+                <a:solidFill>
+                  <a:srgbClr val="000000"/>
+                </a:solidFill>
+                <a:effectLst/>
+                <a:latin typeface="JetBrains Mono"/>
+              </a:rPr>
+              <a:t>,</a:t>
+            </a:r>
+            <a:br>
+              <a:rPr kumimoji="0" lang="en-US" altLang="en-US" sz="1400" b="0" i="0" u="none" strike="noStrike" cap="none" normalizeH="0" baseline="0" dirty="0">
+                <a:ln>
+                  <a:noFill/>
+                </a:ln>
+                <a:solidFill>
+                  <a:srgbClr val="000000"/>
+                </a:solidFill>
+                <a:effectLst/>
+                <a:latin typeface="JetBrains Mono"/>
+              </a:rPr>
+            </a:br>
+            <a:r>
+              <a:rPr kumimoji="0" lang="en-US" altLang="en-US" sz="1400" b="0" i="0" u="none" strike="noStrike" cap="none" normalizeH="0" baseline="0" dirty="0">
+                <a:ln>
+                  <a:noFill/>
+                </a:ln>
+                <a:solidFill>
+                  <a:srgbClr val="000000"/>
+                </a:solidFill>
+                <a:effectLst/>
+                <a:latin typeface="JetBrains Mono"/>
+              </a:rPr>
+              <a:t>                </a:t>
+            </a:r>
+            <a:r>
+              <a:rPr kumimoji="0" lang="en-US" altLang="en-US" sz="1400" b="0" i="0" u="none" strike="noStrike" cap="none" normalizeH="0" baseline="0" dirty="0" err="1">
+                <a:ln>
+                  <a:noFill/>
+                </a:ln>
+                <a:solidFill>
+                  <a:srgbClr val="000000"/>
+                </a:solidFill>
+                <a:effectLst/>
+                <a:latin typeface="JetBrains Mono"/>
+              </a:rPr>
+              <a:t>rectangle.getWidth</a:t>
+            </a:r>
+            <a:r>
+              <a:rPr kumimoji="0" lang="en-US" altLang="en-US" sz="1400" b="0" i="0" u="none" strike="noStrike" cap="none" normalizeH="0" baseline="0" dirty="0">
+                <a:ln>
+                  <a:noFill/>
+                </a:ln>
+                <a:solidFill>
+                  <a:srgbClr val="000000"/>
+                </a:solidFill>
+                <a:effectLst/>
+                <a:latin typeface="JetBrains Mono"/>
+              </a:rPr>
+              <a:t>() == w, </a:t>
+            </a:r>
+            <a:r>
+              <a:rPr kumimoji="0" lang="en-US" altLang="en-US" sz="1400" b="0" i="0" u="none" strike="noStrike" cap="none" normalizeH="0" baseline="0" dirty="0" err="1">
+                <a:ln>
+                  <a:noFill/>
+                </a:ln>
+                <a:solidFill>
+                  <a:srgbClr val="000000"/>
+                </a:solidFill>
+                <a:effectLst/>
+                <a:latin typeface="JetBrains Mono"/>
+              </a:rPr>
+              <a:t>rectangle.getLength</a:t>
+            </a:r>
+            <a:r>
+              <a:rPr kumimoji="0" lang="en-US" altLang="en-US" sz="1400" b="0" i="0" u="none" strike="noStrike" cap="none" normalizeH="0" baseline="0" dirty="0">
+                <a:ln>
+                  <a:noFill/>
+                </a:ln>
+                <a:solidFill>
+                  <a:srgbClr val="000000"/>
+                </a:solidFill>
+                <a:effectLst/>
+                <a:latin typeface="JetBrains Mono"/>
+              </a:rPr>
+              <a:t>()==l);</a:t>
+            </a:r>
+            <a:br>
+              <a:rPr kumimoji="0" lang="en-US" altLang="en-US" sz="1400" b="0" i="0" u="none" strike="noStrike" cap="none" normalizeH="0" baseline="0" dirty="0">
+                <a:ln>
+                  <a:noFill/>
+                </a:ln>
+                <a:solidFill>
+                  <a:srgbClr val="000000"/>
+                </a:solidFill>
+                <a:effectLst/>
+                <a:latin typeface="JetBrains Mono"/>
+              </a:rPr>
+            </a:br>
+            <a:r>
+              <a:rPr kumimoji="0" lang="en-US" altLang="en-US" sz="1400" b="0" i="0" u="none" strike="noStrike" cap="none" normalizeH="0" baseline="0" dirty="0">
+                <a:ln>
+                  <a:noFill/>
+                </a:ln>
+                <a:solidFill>
+                  <a:srgbClr val="000000"/>
+                </a:solidFill>
+                <a:effectLst/>
+                <a:latin typeface="JetBrains Mono"/>
+              </a:rPr>
+              <a:t>    }</a:t>
+            </a:r>
+            <a:br>
+              <a:rPr kumimoji="0" lang="en-US" altLang="en-US" sz="1400" b="0" i="0" u="none" strike="noStrike" cap="none" normalizeH="0" baseline="0" dirty="0">
+                <a:ln>
+                  <a:noFill/>
+                </a:ln>
+                <a:solidFill>
+                  <a:srgbClr val="000000"/>
+                </a:solidFill>
+                <a:effectLst/>
+                <a:latin typeface="JetBrains Mono"/>
+              </a:rPr>
+            </a:br>
+            <a:r>
+              <a:rPr kumimoji="0" lang="en-US" altLang="en-US" sz="1400" b="0" i="0" u="none" strike="noStrike" cap="none" normalizeH="0" baseline="0" dirty="0">
+                <a:ln>
+                  <a:noFill/>
+                </a:ln>
+                <a:solidFill>
+                  <a:srgbClr val="000000"/>
+                </a:solidFill>
+                <a:effectLst/>
+                <a:latin typeface="JetBrains Mono"/>
+              </a:rPr>
+              <a:t>    </a:t>
+            </a:r>
+            <a:r>
+              <a:rPr kumimoji="0" lang="en-US" altLang="en-US" sz="1400" b="1" i="0" u="none" strike="noStrike" cap="none" normalizeH="0" baseline="0" dirty="0">
+                <a:ln>
+                  <a:noFill/>
+                </a:ln>
+                <a:solidFill>
+                  <a:srgbClr val="000080"/>
+                </a:solidFill>
+                <a:effectLst/>
+                <a:latin typeface="JetBrains Mono"/>
+              </a:rPr>
+              <a:t>public static void </a:t>
+            </a:r>
+            <a:r>
+              <a:rPr kumimoji="0" lang="en-US" altLang="en-US" sz="1400" b="0" i="0" u="none" strike="noStrike" cap="none" normalizeH="0" baseline="0" dirty="0">
+                <a:ln>
+                  <a:noFill/>
+                </a:ln>
+                <a:solidFill>
+                  <a:srgbClr val="000000"/>
+                </a:solidFill>
+                <a:effectLst/>
+                <a:latin typeface="JetBrains Mono"/>
+              </a:rPr>
+              <a:t>main(String[] </a:t>
+            </a:r>
+            <a:r>
+              <a:rPr kumimoji="0" lang="en-US" altLang="en-US" sz="1400" b="0" i="0" u="none" strike="noStrike" cap="none" normalizeH="0" baseline="0" dirty="0" err="1">
+                <a:ln>
+                  <a:noFill/>
+                </a:ln>
+                <a:solidFill>
+                  <a:srgbClr val="000000"/>
+                </a:solidFill>
+                <a:effectLst/>
+                <a:latin typeface="JetBrains Mono"/>
+              </a:rPr>
+              <a:t>args</a:t>
+            </a:r>
+            <a:r>
+              <a:rPr kumimoji="0" lang="en-US" altLang="en-US" sz="1400" b="0" i="0" u="none" strike="noStrike" cap="none" normalizeH="0" baseline="0" dirty="0">
+                <a:ln>
+                  <a:noFill/>
+                </a:ln>
+                <a:solidFill>
+                  <a:srgbClr val="000000"/>
+                </a:solidFill>
+                <a:effectLst/>
+                <a:latin typeface="JetBrains Mono"/>
+              </a:rPr>
+              <a:t>) {</a:t>
+            </a:r>
+            <a:br>
+              <a:rPr kumimoji="0" lang="en-US" altLang="en-US" sz="1400" b="0" i="0" u="none" strike="noStrike" cap="none" normalizeH="0" baseline="0" dirty="0">
+                <a:ln>
+                  <a:noFill/>
+                </a:ln>
+                <a:solidFill>
+                  <a:srgbClr val="000000"/>
+                </a:solidFill>
+                <a:effectLst/>
+                <a:latin typeface="JetBrains Mono"/>
+              </a:rPr>
+            </a:br>
+            <a:r>
+              <a:rPr kumimoji="0" lang="en-US" altLang="en-US" sz="1400" b="0" i="0" u="none" strike="noStrike" cap="none" normalizeH="0" baseline="0" dirty="0">
+                <a:ln>
+                  <a:noFill/>
+                </a:ln>
+                <a:solidFill>
+                  <a:srgbClr val="000000"/>
+                </a:solidFill>
+                <a:effectLst/>
+                <a:latin typeface="JetBrains Mono"/>
+              </a:rPr>
+              <a:t>        </a:t>
+            </a:r>
+            <a:r>
+              <a:rPr kumimoji="0" lang="en-US" altLang="en-US" sz="1400" b="1" i="0" u="none" strike="noStrike" cap="none" normalizeH="0" baseline="0" dirty="0">
+                <a:ln>
+                  <a:noFill/>
+                </a:ln>
+                <a:solidFill>
+                  <a:srgbClr val="000080"/>
+                </a:solidFill>
+                <a:effectLst/>
+                <a:latin typeface="JetBrains Mono"/>
+              </a:rPr>
+              <a:t>int </a:t>
+            </a:r>
+            <a:r>
+              <a:rPr kumimoji="0" lang="en-US" altLang="en-US" sz="1400" b="0" i="0" u="none" strike="noStrike" cap="none" normalizeH="0" baseline="0" dirty="0">
+                <a:ln>
+                  <a:noFill/>
+                </a:ln>
+                <a:solidFill>
+                  <a:srgbClr val="000000"/>
+                </a:solidFill>
+                <a:effectLst/>
+                <a:latin typeface="JetBrains Mono"/>
+              </a:rPr>
+              <a:t>w = </a:t>
+            </a:r>
+            <a:r>
+              <a:rPr kumimoji="0" lang="en-US" altLang="en-US" sz="1400" b="0" i="0" u="none" strike="noStrike" cap="none" normalizeH="0" baseline="0" dirty="0">
+                <a:ln>
+                  <a:noFill/>
+                </a:ln>
+                <a:solidFill>
+                  <a:srgbClr val="0000FF"/>
+                </a:solidFill>
+                <a:effectLst/>
+                <a:latin typeface="JetBrains Mono"/>
+              </a:rPr>
+              <a:t>5</a:t>
+            </a:r>
+            <a:r>
+              <a:rPr kumimoji="0" lang="en-US" altLang="en-US" sz="1400" b="0" i="0" u="none" strike="noStrike" cap="none" normalizeH="0" baseline="0" dirty="0">
+                <a:ln>
+                  <a:noFill/>
+                </a:ln>
+                <a:solidFill>
+                  <a:srgbClr val="000000"/>
+                </a:solidFill>
+                <a:effectLst/>
+                <a:latin typeface="JetBrains Mono"/>
+              </a:rPr>
+              <a:t>;</a:t>
+            </a:r>
+            <a:br>
+              <a:rPr kumimoji="0" lang="en-US" altLang="en-US" sz="1400" b="0" i="0" u="none" strike="noStrike" cap="none" normalizeH="0" baseline="0" dirty="0">
+                <a:ln>
+                  <a:noFill/>
+                </a:ln>
+                <a:solidFill>
+                  <a:srgbClr val="000000"/>
+                </a:solidFill>
+                <a:effectLst/>
+                <a:latin typeface="JetBrains Mono"/>
+              </a:rPr>
+            </a:br>
+            <a:r>
+              <a:rPr kumimoji="0" lang="en-US" altLang="en-US" sz="1400" b="0" i="0" u="none" strike="noStrike" cap="none" normalizeH="0" baseline="0" dirty="0">
+                <a:ln>
+                  <a:noFill/>
+                </a:ln>
+                <a:solidFill>
+                  <a:srgbClr val="000000"/>
+                </a:solidFill>
+                <a:effectLst/>
+                <a:latin typeface="JetBrains Mono"/>
+              </a:rPr>
+              <a:t>        </a:t>
+            </a:r>
+            <a:r>
+              <a:rPr kumimoji="0" lang="en-US" altLang="en-US" sz="1400" b="1" i="0" u="none" strike="noStrike" cap="none" normalizeH="0" baseline="0" dirty="0">
+                <a:ln>
+                  <a:noFill/>
+                </a:ln>
+                <a:solidFill>
+                  <a:srgbClr val="000080"/>
+                </a:solidFill>
+                <a:effectLst/>
+                <a:latin typeface="JetBrains Mono"/>
+              </a:rPr>
+              <a:t>int </a:t>
+            </a:r>
+            <a:r>
+              <a:rPr kumimoji="0" lang="en-US" altLang="en-US" sz="1400" b="0" i="0" u="none" strike="noStrike" cap="none" normalizeH="0" baseline="0" dirty="0">
+                <a:ln>
+                  <a:noFill/>
+                </a:ln>
+                <a:solidFill>
+                  <a:srgbClr val="000000"/>
+                </a:solidFill>
+                <a:effectLst/>
+                <a:latin typeface="JetBrains Mono"/>
+              </a:rPr>
+              <a:t>l = </a:t>
+            </a:r>
+            <a:r>
+              <a:rPr kumimoji="0" lang="en-US" altLang="en-US" sz="1400" b="0" i="0" u="none" strike="noStrike" cap="none" normalizeH="0" baseline="0" dirty="0">
+                <a:ln>
+                  <a:noFill/>
+                </a:ln>
+                <a:solidFill>
+                  <a:srgbClr val="0000FF"/>
+                </a:solidFill>
+                <a:effectLst/>
+                <a:latin typeface="JetBrains Mono"/>
+              </a:rPr>
+              <a:t>10</a:t>
+            </a:r>
+            <a:r>
+              <a:rPr kumimoji="0" lang="en-US" altLang="en-US" sz="1400" b="0" i="0" u="none" strike="noStrike" cap="none" normalizeH="0" baseline="0" dirty="0">
+                <a:ln>
+                  <a:noFill/>
+                </a:ln>
+                <a:solidFill>
+                  <a:srgbClr val="000000"/>
+                </a:solidFill>
+                <a:effectLst/>
+                <a:latin typeface="JetBrains Mono"/>
+              </a:rPr>
+              <a:t>;</a:t>
+            </a:r>
+            <a:br>
+              <a:rPr kumimoji="0" lang="en-US" altLang="en-US" sz="1400" b="0" i="0" u="none" strike="noStrike" cap="none" normalizeH="0" baseline="0" dirty="0">
+                <a:ln>
+                  <a:noFill/>
+                </a:ln>
+                <a:solidFill>
+                  <a:srgbClr val="000000"/>
+                </a:solidFill>
+                <a:effectLst/>
+                <a:latin typeface="JetBrains Mono"/>
+              </a:rPr>
+            </a:br>
+            <a:r>
+              <a:rPr kumimoji="0" lang="en-US" altLang="en-US" sz="1400" b="0" i="0" u="none" strike="noStrike" cap="none" normalizeH="0" baseline="0" dirty="0">
+                <a:ln>
+                  <a:noFill/>
+                </a:ln>
+                <a:solidFill>
+                  <a:srgbClr val="000000"/>
+                </a:solidFill>
+                <a:effectLst/>
+                <a:latin typeface="JetBrains Mono"/>
+              </a:rPr>
+              <a:t>        Rectangle </a:t>
+            </a:r>
+            <a:r>
+              <a:rPr kumimoji="0" lang="en-US" altLang="en-US" sz="1400" b="0" i="0" u="none" strike="noStrike" cap="none" normalizeH="0" baseline="0" dirty="0" err="1">
+                <a:ln>
+                  <a:noFill/>
+                </a:ln>
+                <a:solidFill>
+                  <a:srgbClr val="000000"/>
+                </a:solidFill>
+                <a:effectLst/>
+                <a:latin typeface="JetBrains Mono"/>
+              </a:rPr>
+              <a:t>rectangle</a:t>
+            </a:r>
+            <a:r>
+              <a:rPr kumimoji="0" lang="en-US" altLang="en-US" sz="1400" b="0" i="0" u="none" strike="noStrike" cap="none" normalizeH="0" baseline="0" dirty="0">
+                <a:ln>
+                  <a:noFill/>
+                </a:ln>
+                <a:solidFill>
+                  <a:srgbClr val="000000"/>
+                </a:solidFill>
+                <a:effectLst/>
+                <a:latin typeface="JetBrains Mono"/>
+              </a:rPr>
+              <a:t> = </a:t>
+            </a:r>
+            <a:r>
+              <a:rPr kumimoji="0" lang="en-US" altLang="en-US" sz="1400" b="1" i="0" u="none" strike="noStrike" cap="none" normalizeH="0" baseline="0" dirty="0">
+                <a:ln>
+                  <a:noFill/>
+                </a:ln>
+                <a:solidFill>
+                  <a:srgbClr val="000080"/>
+                </a:solidFill>
+                <a:effectLst/>
+                <a:latin typeface="JetBrains Mono"/>
+              </a:rPr>
+              <a:t>new </a:t>
+            </a:r>
+            <a:r>
+              <a:rPr kumimoji="0" lang="en-US" altLang="en-US" sz="1400" b="0" i="0" u="none" strike="noStrike" cap="none" normalizeH="0" baseline="0" dirty="0">
+                <a:ln>
+                  <a:noFill/>
+                </a:ln>
+                <a:solidFill>
+                  <a:srgbClr val="000000"/>
+                </a:solidFill>
+                <a:effectLst/>
+                <a:latin typeface="JetBrains Mono"/>
+              </a:rPr>
+              <a:t>Rectangle(</a:t>
+            </a:r>
+            <a:r>
+              <a:rPr kumimoji="0" lang="en-US" altLang="en-US" sz="1400" b="0" i="0" u="none" strike="noStrike" cap="none" normalizeH="0" baseline="0" dirty="0" err="1">
+                <a:ln>
+                  <a:noFill/>
+                </a:ln>
+                <a:solidFill>
+                  <a:srgbClr val="000000"/>
+                </a:solidFill>
+                <a:effectLst/>
+                <a:latin typeface="JetBrains Mono"/>
+              </a:rPr>
+              <a:t>w,l</a:t>
+            </a:r>
+            <a:r>
+              <a:rPr kumimoji="0" lang="en-US" altLang="en-US" sz="1400" b="0" i="0" u="none" strike="noStrike" cap="none" normalizeH="0" baseline="0" dirty="0">
+                <a:ln>
+                  <a:noFill/>
+                </a:ln>
+                <a:solidFill>
+                  <a:srgbClr val="000000"/>
+                </a:solidFill>
+                <a:effectLst/>
+                <a:latin typeface="JetBrains Mono"/>
+              </a:rPr>
+              <a:t>);</a:t>
+            </a:r>
+            <a:br>
+              <a:rPr kumimoji="0" lang="en-US" altLang="en-US" sz="1400" b="0" i="0" u="none" strike="noStrike" cap="none" normalizeH="0" baseline="0" dirty="0">
+                <a:ln>
+                  <a:noFill/>
+                </a:ln>
+                <a:solidFill>
+                  <a:srgbClr val="000000"/>
+                </a:solidFill>
+                <a:effectLst/>
+                <a:latin typeface="JetBrains Mono"/>
+              </a:rPr>
+            </a:br>
+            <a:r>
+              <a:rPr kumimoji="0" lang="en-US" altLang="en-US" sz="1400" b="0" i="0" u="none" strike="noStrike" cap="none" normalizeH="0" baseline="0" dirty="0">
+                <a:ln>
+                  <a:noFill/>
+                </a:ln>
+                <a:solidFill>
+                  <a:srgbClr val="000000"/>
+                </a:solidFill>
+                <a:effectLst/>
+                <a:latin typeface="JetBrains Mono"/>
+              </a:rPr>
+              <a:t>        </a:t>
+            </a:r>
+            <a:r>
+              <a:rPr kumimoji="0" lang="en-US" altLang="en-US" sz="1400" b="0" i="1" u="none" strike="noStrike" cap="none" normalizeH="0" baseline="0" dirty="0" err="1">
+                <a:ln>
+                  <a:noFill/>
+                </a:ln>
+                <a:solidFill>
+                  <a:srgbClr val="000000"/>
+                </a:solidFill>
+                <a:effectLst/>
+                <a:latin typeface="JetBrains Mono"/>
+              </a:rPr>
+              <a:t>printValues</a:t>
+            </a:r>
+            <a:r>
+              <a:rPr kumimoji="0" lang="en-US" altLang="en-US" sz="1400" b="0" i="0" u="none" strike="noStrike" cap="none" normalizeH="0" baseline="0" dirty="0">
+                <a:ln>
+                  <a:noFill/>
+                </a:ln>
+                <a:solidFill>
+                  <a:srgbClr val="000000"/>
+                </a:solidFill>
+                <a:effectLst/>
+                <a:latin typeface="JetBrains Mono"/>
+              </a:rPr>
+              <a:t>(rectangle, w, l);</a:t>
+            </a:r>
+            <a:br>
+              <a:rPr kumimoji="0" lang="en-US" altLang="en-US" sz="1400" b="0" i="0" u="none" strike="noStrike" cap="none" normalizeH="0" baseline="0" dirty="0">
+                <a:ln>
+                  <a:noFill/>
+                </a:ln>
+                <a:solidFill>
+                  <a:srgbClr val="000000"/>
+                </a:solidFill>
+                <a:effectLst/>
+                <a:latin typeface="JetBrains Mono"/>
+              </a:rPr>
+            </a:br>
+            <a:r>
+              <a:rPr kumimoji="0" lang="en-US" altLang="en-US" sz="1400" b="0" i="0" u="none" strike="noStrike" cap="none" normalizeH="0" baseline="0" dirty="0">
+                <a:ln>
+                  <a:noFill/>
+                </a:ln>
+                <a:solidFill>
+                  <a:srgbClr val="000000"/>
+                </a:solidFill>
+                <a:effectLst/>
+                <a:latin typeface="JetBrains Mono"/>
+              </a:rPr>
+              <a:t>        </a:t>
+            </a:r>
+            <a:r>
+              <a:rPr kumimoji="0" lang="en-US" altLang="en-US" sz="1400" b="0" i="1" u="none" strike="noStrike" cap="none" normalizeH="0" baseline="0" dirty="0" err="1">
+                <a:ln>
+                  <a:noFill/>
+                </a:ln>
+                <a:solidFill>
+                  <a:srgbClr val="000000"/>
+                </a:solidFill>
+                <a:effectLst/>
+                <a:latin typeface="JetBrains Mono"/>
+              </a:rPr>
+              <a:t>modifyValues</a:t>
+            </a:r>
+            <a:r>
+              <a:rPr kumimoji="0" lang="en-US" altLang="en-US" sz="1400" b="0" i="0" u="none" strike="noStrike" cap="none" normalizeH="0" baseline="0" dirty="0">
+                <a:ln>
+                  <a:noFill/>
+                </a:ln>
+                <a:solidFill>
+                  <a:srgbClr val="000000"/>
+                </a:solidFill>
+                <a:effectLst/>
+                <a:latin typeface="JetBrains Mono"/>
+              </a:rPr>
+              <a:t>(rectangle, w, l);</a:t>
+            </a:r>
+            <a:br>
+              <a:rPr kumimoji="0" lang="en-US" altLang="en-US" sz="1400" b="0" i="0" u="none" strike="noStrike" cap="none" normalizeH="0" baseline="0" dirty="0">
+                <a:ln>
+                  <a:noFill/>
+                </a:ln>
+                <a:solidFill>
+                  <a:srgbClr val="000000"/>
+                </a:solidFill>
+                <a:effectLst/>
+                <a:latin typeface="JetBrains Mono"/>
+              </a:rPr>
+            </a:br>
+            <a:r>
+              <a:rPr kumimoji="0" lang="en-US" altLang="en-US" sz="1400" b="0" i="0" u="none" strike="noStrike" cap="none" normalizeH="0" baseline="0" dirty="0">
+                <a:ln>
+                  <a:noFill/>
+                </a:ln>
+                <a:solidFill>
+                  <a:srgbClr val="000000"/>
+                </a:solidFill>
+                <a:effectLst/>
+                <a:latin typeface="JetBrains Mono"/>
+              </a:rPr>
+              <a:t>        </a:t>
+            </a:r>
+            <a:r>
+              <a:rPr kumimoji="0" lang="en-US" altLang="en-US" sz="1400" b="0" i="0" u="none" strike="noStrike" cap="none" normalizeH="0" baseline="0" dirty="0" err="1">
+                <a:ln>
+                  <a:noFill/>
+                </a:ln>
+                <a:solidFill>
+                  <a:srgbClr val="000000"/>
+                </a:solidFill>
+                <a:effectLst/>
+                <a:latin typeface="JetBrains Mono"/>
+              </a:rPr>
+              <a:t>System.</a:t>
+            </a:r>
+            <a:r>
+              <a:rPr kumimoji="0" lang="en-US" altLang="en-US" sz="1400" b="1" i="1" u="none" strike="noStrike" cap="none" normalizeH="0" baseline="0" dirty="0" err="1">
+                <a:ln>
+                  <a:noFill/>
+                </a:ln>
+                <a:solidFill>
+                  <a:srgbClr val="660E7A"/>
+                </a:solidFill>
+                <a:effectLst/>
+                <a:latin typeface="JetBrains Mono"/>
+              </a:rPr>
+              <a:t>out</a:t>
+            </a:r>
+            <a:r>
+              <a:rPr kumimoji="0" lang="en-US" altLang="en-US" sz="1400" b="0" i="0" u="none" strike="noStrike" cap="none" normalizeH="0" baseline="0" dirty="0" err="1">
+                <a:ln>
+                  <a:noFill/>
+                </a:ln>
+                <a:solidFill>
+                  <a:srgbClr val="000000"/>
+                </a:solidFill>
+                <a:effectLst/>
+                <a:latin typeface="JetBrains Mono"/>
+              </a:rPr>
+              <a:t>.println</a:t>
+            </a:r>
+            <a:r>
+              <a:rPr kumimoji="0" lang="en-US" altLang="en-US" sz="1400" b="0" i="0" u="none" strike="noStrike" cap="none" normalizeH="0" baseline="0" dirty="0">
+                <a:ln>
+                  <a:noFill/>
+                </a:ln>
+                <a:solidFill>
+                  <a:srgbClr val="000000"/>
+                </a:solidFill>
+                <a:effectLst/>
+                <a:latin typeface="JetBrains Mono"/>
+              </a:rPr>
+              <a:t>(</a:t>
+            </a:r>
+            <a:r>
+              <a:rPr kumimoji="0" lang="en-US" altLang="en-US" sz="1400" b="1" i="0" u="none" strike="noStrike" cap="none" normalizeH="0" baseline="0" dirty="0">
+                <a:ln>
+                  <a:noFill/>
+                </a:ln>
+                <a:solidFill>
+                  <a:srgbClr val="008000"/>
+                </a:solidFill>
+                <a:effectLst/>
+                <a:latin typeface="JetBrains Mono"/>
+              </a:rPr>
+              <a:t>"Values Modified!"</a:t>
+            </a:r>
+            <a:r>
+              <a:rPr kumimoji="0" lang="en-US" altLang="en-US" sz="1400" b="0" i="0" u="none" strike="noStrike" cap="none" normalizeH="0" baseline="0" dirty="0">
+                <a:ln>
+                  <a:noFill/>
+                </a:ln>
+                <a:solidFill>
+                  <a:srgbClr val="000000"/>
+                </a:solidFill>
+                <a:effectLst/>
+                <a:latin typeface="JetBrains Mono"/>
+              </a:rPr>
+              <a:t>);</a:t>
+            </a:r>
+            <a:br>
+              <a:rPr kumimoji="0" lang="en-US" altLang="en-US" sz="1400" b="0" i="0" u="none" strike="noStrike" cap="none" normalizeH="0" baseline="0" dirty="0">
+                <a:ln>
+                  <a:noFill/>
+                </a:ln>
+                <a:solidFill>
+                  <a:srgbClr val="000000"/>
+                </a:solidFill>
+                <a:effectLst/>
+                <a:latin typeface="JetBrains Mono"/>
+              </a:rPr>
+            </a:br>
+            <a:r>
+              <a:rPr kumimoji="0" lang="en-US" altLang="en-US" sz="1400" b="0" i="0" u="none" strike="noStrike" cap="none" normalizeH="0" baseline="0" dirty="0">
+                <a:ln>
+                  <a:noFill/>
+                </a:ln>
+                <a:solidFill>
+                  <a:srgbClr val="000000"/>
+                </a:solidFill>
+                <a:effectLst/>
+                <a:latin typeface="JetBrains Mono"/>
+              </a:rPr>
+              <a:t>        </a:t>
+            </a:r>
+            <a:r>
+              <a:rPr kumimoji="0" lang="en-US" altLang="en-US" sz="1400" b="0" i="1" u="none" strike="noStrike" cap="none" normalizeH="0" baseline="0" dirty="0" err="1">
+                <a:ln>
+                  <a:noFill/>
+                </a:ln>
+                <a:solidFill>
+                  <a:srgbClr val="000000"/>
+                </a:solidFill>
+                <a:effectLst/>
+                <a:latin typeface="JetBrains Mono"/>
+              </a:rPr>
+              <a:t>printValues</a:t>
+            </a:r>
+            <a:r>
+              <a:rPr kumimoji="0" lang="en-US" altLang="en-US" sz="1400" b="0" i="0" u="none" strike="noStrike" cap="none" normalizeH="0" baseline="0" dirty="0">
+                <a:ln>
+                  <a:noFill/>
+                </a:ln>
+                <a:solidFill>
+                  <a:srgbClr val="000000"/>
+                </a:solidFill>
+                <a:effectLst/>
+                <a:latin typeface="JetBrains Mono"/>
+              </a:rPr>
+              <a:t>(rectangle, w, l);</a:t>
+            </a:r>
+            <a:br>
+              <a:rPr kumimoji="0" lang="en-US" altLang="en-US" sz="1400" b="0" i="0" u="none" strike="noStrike" cap="none" normalizeH="0" baseline="0" dirty="0">
+                <a:ln>
+                  <a:noFill/>
+                </a:ln>
+                <a:solidFill>
+                  <a:srgbClr val="000000"/>
+                </a:solidFill>
+                <a:effectLst/>
+                <a:latin typeface="JetBrains Mono"/>
+              </a:rPr>
+            </a:br>
+            <a:r>
+              <a:rPr kumimoji="0" lang="en-US" altLang="en-US" sz="1400" b="0" i="0" u="none" strike="noStrike" cap="none" normalizeH="0" baseline="0" dirty="0">
+                <a:ln>
+                  <a:noFill/>
+                </a:ln>
+                <a:solidFill>
+                  <a:srgbClr val="000000"/>
+                </a:solidFill>
+                <a:effectLst/>
+                <a:latin typeface="JetBrains Mono"/>
+              </a:rPr>
+              <a:t>    }</a:t>
+            </a:r>
+            <a:br>
+              <a:rPr kumimoji="0" lang="en-US" altLang="en-US" sz="1400" b="0" i="0" u="none" strike="noStrike" cap="none" normalizeH="0" baseline="0" dirty="0">
+                <a:ln>
+                  <a:noFill/>
+                </a:ln>
+                <a:solidFill>
+                  <a:srgbClr val="000000"/>
+                </a:solidFill>
+                <a:effectLst/>
+                <a:latin typeface="JetBrains Mono"/>
+              </a:rPr>
+            </a:br>
+            <a:r>
+              <a:rPr kumimoji="0" lang="en-US" altLang="en-US" sz="1400" b="0" i="0" u="none" strike="noStrike" cap="none" normalizeH="0" baseline="0" dirty="0">
+                <a:ln>
+                  <a:noFill/>
+                </a:ln>
+                <a:solidFill>
+                  <a:srgbClr val="000000"/>
+                </a:solidFill>
+                <a:effectLst/>
+                <a:latin typeface="JetBrains Mono"/>
+              </a:rPr>
+              <a:t>}</a:t>
+            </a:r>
+            <a:endParaRPr kumimoji="0" lang="en-US" altLang="en-US" sz="1400" b="0" i="0" u="none" strike="noStrike" cap="none" normalizeH="0" baseline="0" dirty="0">
+              <a:ln>
+                <a:noFill/>
+              </a:ln>
+              <a:solidFill>
+                <a:schemeClr val="tx1"/>
+              </a:solidFill>
+              <a:effectLst/>
+              <a:latin typeface="Arial" panose="020B0604020202020204" pitchFamily="34" charset="0"/>
+            </a:endParaRPr>
+          </a:p>
+        </p:txBody>
+      </p:sp>
+    </p:spTree>
+    <p:extLst>
+      <p:ext uri="{BB962C8B-B14F-4D97-AF65-F5344CB8AC3E}">
+        <p14:creationId xmlns:p14="http://schemas.microsoft.com/office/powerpoint/2010/main" val="1321986566"/>
+      </p:ext>
+    </p:extLst>
+  </p:cSld>
+  <p:clrMapOvr>
+    <a:masterClrMapping/>
+  </p:clrMapOvr>
+  <mc:AlternateContent xmlns:mc="http://schemas.openxmlformats.org/markup-compatibility/2006" xmlns:p14="http://schemas.microsoft.com/office/powerpoint/2010/main">
+    <mc:Choice Requires="p14">
+      <p:transition p14:dur="300">
+        <p:fade/>
+      </p:transition>
+    </mc:Choice>
+    <mc:Fallback xmlns="">
+      <p:transition>
+        <p:fade/>
+      </p:transition>
+    </mc:Fallback>
+  </mc:AlternateContent>
+</p:sld>
+</file>
+
+<file path=ppt/slides/slide11.xml><?xml version="1.0" encoding="utf-8"?>
+<p:sld xmlns:a="http://schemas.openxmlformats.org/drawingml/2006/main" xmlns:r="http://schemas.openxmlformats.org/officeDocument/2006/relationships" xmlns:p="http://schemas.openxmlformats.org/presentationml/2006/main">
+  <p:cSld>
+    <p:spTree>
+      <p:nvGrpSpPr>
+        <p:cNvPr id="1" name=""/>
+        <p:cNvGrpSpPr/>
+        <p:nvPr/>
+      </p:nvGrpSpPr>
+      <p:grpSpPr>
+        <a:xfrm>
+          <a:off x="0" y="0"/>
+          <a:ext cx="0" cy="0"/>
+          <a:chOff x="0" y="0"/>
+          <a:chExt cx="0" cy="0"/>
+        </a:xfrm>
+      </p:grpSpPr>
+      <p:sp>
+        <p:nvSpPr>
           <p:cNvPr id="2" name="Title 1">
             <a:extLst>
               <a:ext uri="{FF2B5EF4-FFF2-40B4-BE49-F238E27FC236}">
@@ -7273,7 +11690,7 @@
 </p:sld>
 </file>
 
-<file path=ppt/slides/slide11.xml><?xml version="1.0" encoding="utf-8"?>
+<file path=ppt/slides/slide12.xml><?xml version="1.0" encoding="utf-8"?>
 <p:sld xmlns:a="http://schemas.openxmlformats.org/drawingml/2006/main" xmlns:r="http://schemas.openxmlformats.org/officeDocument/2006/relationships" xmlns:p="http://schemas.openxmlformats.org/presentationml/2006/main">
   <p:cSld>
     <p:spTree>
@@ -8460,8 +12877,8 @@
           </a:p>
         </p:txBody>
       </p:sp>
-      <mc:AlternateContent xmlns:mc="http://schemas.openxmlformats.org/markup-compatibility/2006">
-        <mc:Choice xmlns:p14="http://schemas.microsoft.com/office/powerpoint/2010/main" Requires="p14">
+      <mc:AlternateContent xmlns:mc="http://schemas.openxmlformats.org/markup-compatibility/2006" xmlns:p14="http://schemas.microsoft.com/office/powerpoint/2010/main">
+        <mc:Choice Requires="p14">
           <p:contentPart p14:bwMode="auto" r:id="rId2">
             <p14:nvContentPartPr>
               <p14:cNvPr id="16" name="Ink 15">
@@ -8480,7 +12897,7 @@
             </p14:xfrm>
           </p:contentPart>
         </mc:Choice>
-        <mc:Fallback>
+        <mc:Fallback xmlns="">
           <p:pic>
             <p:nvPicPr>
               <p:cNvPr id="16" name="Ink 15">
@@ -8511,8 +12928,8 @@
           </p:pic>
         </mc:Fallback>
       </mc:AlternateContent>
-      <mc:AlternateContent xmlns:mc="http://schemas.openxmlformats.org/markup-compatibility/2006">
-        <mc:Choice xmlns:p14="http://schemas.microsoft.com/office/powerpoint/2010/main" Requires="p14">
+      <mc:AlternateContent xmlns:mc="http://schemas.openxmlformats.org/markup-compatibility/2006" xmlns:p14="http://schemas.microsoft.com/office/powerpoint/2010/main">
+        <mc:Choice Requires="p14">
           <p:contentPart p14:bwMode="auto" r:id="rId4">
             <p14:nvContentPartPr>
               <p14:cNvPr id="17" name="Ink 16">
@@ -8531,7 +12948,7 @@
             </p14:xfrm>
           </p:contentPart>
         </mc:Choice>
-        <mc:Fallback>
+        <mc:Fallback xmlns="">
           <p:pic>
             <p:nvPicPr>
               <p:cNvPr id="17" name="Ink 16">
@@ -8562,8 +12979,8 @@
           </p:pic>
         </mc:Fallback>
       </mc:AlternateContent>
-      <mc:AlternateContent xmlns:mc="http://schemas.openxmlformats.org/markup-compatibility/2006">
-        <mc:Choice xmlns:p14="http://schemas.microsoft.com/office/powerpoint/2010/main" Requires="p14">
+      <mc:AlternateContent xmlns:mc="http://schemas.openxmlformats.org/markup-compatibility/2006" xmlns:p14="http://schemas.microsoft.com/office/powerpoint/2010/main">
+        <mc:Choice Requires="p14">
           <p:contentPart p14:bwMode="auto" r:id="rId6">
             <p14:nvContentPartPr>
               <p14:cNvPr id="26" name="Ink 25">
@@ -8582,7 +12999,7 @@
             </p14:xfrm>
           </p:contentPart>
         </mc:Choice>
-        <mc:Fallback>
+        <mc:Fallback xmlns="">
           <p:pic>
             <p:nvPicPr>
               <p:cNvPr id="26" name="Ink 25">
@@ -8633,8 +13050,8 @@
             <a:chExt cx="847080" cy="594000"/>
           </a:xfrm>
         </p:grpSpPr>
-        <mc:AlternateContent xmlns:mc="http://schemas.openxmlformats.org/markup-compatibility/2006">
-          <mc:Choice xmlns:p14="http://schemas.microsoft.com/office/powerpoint/2010/main" Requires="p14">
+        <mc:AlternateContent xmlns:mc="http://schemas.openxmlformats.org/markup-compatibility/2006" xmlns:p14="http://schemas.microsoft.com/office/powerpoint/2010/main">
+          <mc:Choice Requires="p14">
             <p:contentPart p14:bwMode="auto" r:id="rId8">
               <p14:nvContentPartPr>
                 <p14:cNvPr id="18" name="Ink 17">
@@ -8653,7 +13070,7 @@
               </p14:xfrm>
             </p:contentPart>
           </mc:Choice>
-          <mc:Fallback>
+          <mc:Fallback xmlns="">
             <p:pic>
               <p:nvPicPr>
                 <p:cNvPr id="18" name="Ink 17">
@@ -8704,8 +13121,8 @@
               <a:chExt cx="724680" cy="405000"/>
             </a:xfrm>
           </p:grpSpPr>
-          <mc:AlternateContent xmlns:mc="http://schemas.openxmlformats.org/markup-compatibility/2006">
-            <mc:Choice xmlns:p14="http://schemas.microsoft.com/office/powerpoint/2010/main" Requires="p14">
+          <mc:AlternateContent xmlns:mc="http://schemas.openxmlformats.org/markup-compatibility/2006" xmlns:p14="http://schemas.microsoft.com/office/powerpoint/2010/main">
+            <mc:Choice Requires="p14">
               <p:contentPart p14:bwMode="auto" r:id="rId10">
                 <p14:nvContentPartPr>
                   <p14:cNvPr id="28" name="Ink 27">
@@ -8724,7 +13141,7 @@
                 </p14:xfrm>
               </p:contentPart>
             </mc:Choice>
-            <mc:Fallback>
+            <mc:Fallback xmlns="">
               <p:pic>
                 <p:nvPicPr>
                   <p:cNvPr id="28" name="Ink 27">
@@ -8775,8 +13192,8 @@
                 <a:chExt cx="724680" cy="405000"/>
               </a:xfrm>
             </p:grpSpPr>
-            <mc:AlternateContent xmlns:mc="http://schemas.openxmlformats.org/markup-compatibility/2006">
-              <mc:Choice xmlns:p14="http://schemas.microsoft.com/office/powerpoint/2010/main" Requires="p14">
+            <mc:AlternateContent xmlns:mc="http://schemas.openxmlformats.org/markup-compatibility/2006" xmlns:p14="http://schemas.microsoft.com/office/powerpoint/2010/main">
+              <mc:Choice Requires="p14">
                 <p:contentPart p14:bwMode="auto" r:id="rId12">
                   <p14:nvContentPartPr>
                     <p14:cNvPr id="19" name="Ink 18">
@@ -8795,7 +13212,7 @@
                   </p14:xfrm>
                 </p:contentPart>
               </mc:Choice>
-              <mc:Fallback>
+              <mc:Fallback xmlns="">
                 <p:pic>
                   <p:nvPicPr>
                     <p:cNvPr id="19" name="Ink 18">
@@ -8826,8 +13243,8 @@
                 </p:pic>
               </mc:Fallback>
             </mc:AlternateContent>
-            <mc:AlternateContent xmlns:mc="http://schemas.openxmlformats.org/markup-compatibility/2006">
-              <mc:Choice xmlns:p14="http://schemas.microsoft.com/office/powerpoint/2010/main" Requires="p14">
+            <mc:AlternateContent xmlns:mc="http://schemas.openxmlformats.org/markup-compatibility/2006" xmlns:p14="http://schemas.microsoft.com/office/powerpoint/2010/main">
+              <mc:Choice Requires="p14">
                 <p:contentPart p14:bwMode="auto" r:id="rId14">
                   <p14:nvContentPartPr>
                     <p14:cNvPr id="29" name="Ink 28">
@@ -8846,7 +13263,7 @@
                   </p14:xfrm>
                 </p:contentPart>
               </mc:Choice>
-              <mc:Fallback>
+              <mc:Fallback xmlns="">
                 <p:pic>
                   <p:nvPicPr>
                     <p:cNvPr id="29" name="Ink 28">
@@ -8877,8 +13294,8 @@
                 </p:pic>
               </mc:Fallback>
             </mc:AlternateContent>
-            <mc:AlternateContent xmlns:mc="http://schemas.openxmlformats.org/markup-compatibility/2006">
-              <mc:Choice xmlns:p14="http://schemas.microsoft.com/office/powerpoint/2010/main" Requires="p14">
+            <mc:AlternateContent xmlns:mc="http://schemas.openxmlformats.org/markup-compatibility/2006" xmlns:p14="http://schemas.microsoft.com/office/powerpoint/2010/main">
+              <mc:Choice Requires="p14">
                 <p:contentPart p14:bwMode="auto" r:id="rId16">
                   <p14:nvContentPartPr>
                     <p14:cNvPr id="30" name="Ink 29">
@@ -8897,7 +13314,7 @@
                   </p14:xfrm>
                 </p:contentPart>
               </mc:Choice>
-              <mc:Fallback>
+              <mc:Fallback xmlns="">
                 <p:pic>
                   <p:nvPicPr>
                     <p:cNvPr id="30" name="Ink 29">
@@ -8928,8 +13345,8 @@
                 </p:pic>
               </mc:Fallback>
             </mc:AlternateContent>
-            <mc:AlternateContent xmlns:mc="http://schemas.openxmlformats.org/markup-compatibility/2006">
-              <mc:Choice xmlns:p14="http://schemas.microsoft.com/office/powerpoint/2010/main" Requires="p14">
+            <mc:AlternateContent xmlns:mc="http://schemas.openxmlformats.org/markup-compatibility/2006" xmlns:p14="http://schemas.microsoft.com/office/powerpoint/2010/main">
+              <mc:Choice Requires="p14">
                 <p:contentPart p14:bwMode="auto" r:id="rId18">
                   <p14:nvContentPartPr>
                     <p14:cNvPr id="31" name="Ink 30">
@@ -8948,7 +13365,7 @@
                   </p14:xfrm>
                 </p:contentPart>
               </mc:Choice>
-              <mc:Fallback>
+              <mc:Fallback xmlns="">
                 <p:pic>
                   <p:nvPicPr>
                     <p:cNvPr id="31" name="Ink 30">
@@ -8981,8 +13398,8 @@
             </mc:AlternateContent>
           </p:grpSp>
         </p:grpSp>
-        <mc:AlternateContent xmlns:mc="http://schemas.openxmlformats.org/markup-compatibility/2006">
-          <mc:Choice xmlns:p14="http://schemas.microsoft.com/office/powerpoint/2010/main" Requires="p14">
+        <mc:AlternateContent xmlns:mc="http://schemas.openxmlformats.org/markup-compatibility/2006" xmlns:p14="http://schemas.microsoft.com/office/powerpoint/2010/main">
+          <mc:Choice Requires="p14">
             <p:contentPart p14:bwMode="auto" r:id="rId20">
               <p14:nvContentPartPr>
                 <p14:cNvPr id="32" name="Ink 31">
@@ -9001,7 +13418,7 @@
               </p14:xfrm>
             </p:contentPart>
           </mc:Choice>
-          <mc:Fallback>
+          <mc:Fallback xmlns="">
             <p:pic>
               <p:nvPicPr>
                 <p:cNvPr id="32" name="Ink 31">
@@ -9033,8 +13450,8 @@
           </mc:Fallback>
         </mc:AlternateContent>
       </p:grpSp>
-      <mc:AlternateContent xmlns:mc="http://schemas.openxmlformats.org/markup-compatibility/2006">
-        <mc:Choice xmlns:p14="http://schemas.microsoft.com/office/powerpoint/2010/main" Requires="p14">
+      <mc:AlternateContent xmlns:mc="http://schemas.openxmlformats.org/markup-compatibility/2006" xmlns:p14="http://schemas.microsoft.com/office/powerpoint/2010/main">
+        <mc:Choice Requires="p14">
           <p:contentPart p14:bwMode="auto" r:id="rId22">
             <p14:nvContentPartPr>
               <p14:cNvPr id="34" name="Ink 33">
@@ -9053,7 +13470,7 @@
             </p14:xfrm>
           </p:contentPart>
         </mc:Choice>
-        <mc:Fallback>
+        <mc:Fallback xmlns="">
           <p:pic>
             <p:nvPicPr>
               <p:cNvPr id="34" name="Ink 33">
@@ -9084,8 +13501,8 @@
           </p:pic>
         </mc:Fallback>
       </mc:AlternateContent>
-      <mc:AlternateContent xmlns:mc="http://schemas.openxmlformats.org/markup-compatibility/2006">
-        <mc:Choice xmlns:p14="http://schemas.microsoft.com/office/powerpoint/2010/main" Requires="p14">
+      <mc:AlternateContent xmlns:mc="http://schemas.openxmlformats.org/markup-compatibility/2006" xmlns:p14="http://schemas.microsoft.com/office/powerpoint/2010/main">
+        <mc:Choice Requires="p14">
           <p:contentPart p14:bwMode="auto" r:id="rId24">
             <p14:nvContentPartPr>
               <p14:cNvPr id="36" name="Ink 35">
@@ -9104,7 +13521,7 @@
             </p14:xfrm>
           </p:contentPart>
         </mc:Choice>
-        <mc:Fallback>
+        <mc:Fallback xmlns="">
           <p:pic>
             <p:nvPicPr>
               <p:cNvPr id="36" name="Ink 35">
@@ -13409,7 +17826,7 @@
 </p:sld>
 </file>
 
-<file path=ppt/slides/slide12.xml><?xml version="1.0" encoding="utf-8"?>
+<file path=ppt/slides/slide13.xml><?xml version="1.0" encoding="utf-8"?>
 <p:sld xmlns:a="http://schemas.openxmlformats.org/drawingml/2006/main" xmlns:r="http://schemas.openxmlformats.org/officeDocument/2006/relationships" xmlns:p="http://schemas.openxmlformats.org/presentationml/2006/main">
   <p:cSld>
     <p:spTree>
@@ -15637,7 +20054,7 @@
 </p:sld>
 </file>
 
-<file path=ppt/slides/slide13.xml><?xml version="1.0" encoding="utf-8"?>
+<file path=ppt/slides/slide14.xml><?xml version="1.0" encoding="utf-8"?>
 <p:sld xmlns:a="http://schemas.openxmlformats.org/drawingml/2006/main" xmlns:r="http://schemas.openxmlformats.org/officeDocument/2006/relationships" xmlns:p="http://schemas.openxmlformats.org/presentationml/2006/main">
   <p:cSld>
     <p:spTree>
@@ -17176,6 +21593,304 @@
           <p:cNvPr id="4" name="Title 3">
             <a:extLst>
               <a:ext uri="{FF2B5EF4-FFF2-40B4-BE49-F238E27FC236}">
+                <a16:creationId xmlns:a16="http://schemas.microsoft.com/office/drawing/2014/main" id="{119AD8F2-D5DB-A84B-A5B3-F7935E3E6D1D}"/>
+              </a:ext>
+            </a:extLst>
+          </p:cNvPr>
+          <p:cNvSpPr>
+            <a:spLocks noGrp="1"/>
+          </p:cNvSpPr>
+          <p:nvPr>
+            <p:ph type="title"/>
+          </p:nvPr>
+        </p:nvSpPr>
+        <p:spPr>
+          <a:xfrm>
+            <a:off x="628076" y="607804"/>
+            <a:ext cx="5642096" cy="916848"/>
+          </a:xfrm>
+        </p:spPr>
+        <p:txBody>
+          <a:bodyPr/>
+          <a:lstStyle/>
+          <a:p>
+            <a:r>
+              <a:rPr lang="en-US" dirty="0"/>
+              <a:t>Announcements</a:t>
+            </a:r>
+          </a:p>
+        </p:txBody>
+      </p:sp>
+      <p:sp>
+        <p:nvSpPr>
+          <p:cNvPr id="5" name="Text Placeholder 4">
+            <a:extLst>
+              <a:ext uri="{FF2B5EF4-FFF2-40B4-BE49-F238E27FC236}">
+                <a16:creationId xmlns:a16="http://schemas.microsoft.com/office/drawing/2014/main" id="{1BBD0DB5-379A-304F-9307-E7B1A89B08F7}"/>
+              </a:ext>
+            </a:extLst>
+          </p:cNvPr>
+          <p:cNvSpPr>
+            <a:spLocks noGrp="1"/>
+          </p:cNvSpPr>
+          <p:nvPr>
+            <p:ph type="body" idx="1"/>
+          </p:nvPr>
+        </p:nvSpPr>
+        <p:spPr>
+          <a:xfrm>
+            <a:off x="628075" y="1647163"/>
+            <a:ext cx="8395419" cy="4379259"/>
+          </a:xfrm>
+        </p:spPr>
+        <p:txBody>
+          <a:bodyPr/>
+          <a:lstStyle/>
+          <a:p>
+            <a:pPr marL="930762" lvl="1" indent="0">
+              <a:buNone/>
+            </a:pPr>
+            <a:endParaRPr lang="en-US" dirty="0"/>
+          </a:p>
+          <a:p>
+            <a:r>
+              <a:rPr lang="en-US" dirty="0"/>
+              <a:t>Reminder – readings are due </a:t>
+            </a:r>
+            <a:r>
+              <a:rPr lang="en-US" b="1" dirty="0"/>
+              <a:t>before</a:t>
+            </a:r>
+            <a:r>
+              <a:rPr lang="en-US" dirty="0"/>
+              <a:t> lecture</a:t>
+            </a:r>
+          </a:p>
+          <a:p>
+            <a:pPr lvl="1"/>
+            <a:r>
+              <a:rPr lang="en-US" dirty="0"/>
+              <a:t>You don’t have to do all of it - challenge problems can be challenging…</a:t>
+            </a:r>
+          </a:p>
+          <a:p>
+            <a:pPr lvl="1"/>
+            <a:r>
+              <a:rPr lang="en-US" dirty="0"/>
+              <a:t>You can return to them. </a:t>
+            </a:r>
+          </a:p>
+          <a:p>
+            <a:pPr lvl="1"/>
+            <a:r>
+              <a:rPr lang="en-US" dirty="0"/>
+              <a:t>We start off each lecture with a quiz from your reading! </a:t>
+            </a:r>
+          </a:p>
+          <a:p>
+            <a:r>
+              <a:rPr lang="en-US" dirty="0"/>
+              <a:t>Make sure to review knowledge checks and spread out their use! </a:t>
+            </a:r>
+          </a:p>
+          <a:p>
+            <a:endParaRPr lang="en-US" dirty="0"/>
+          </a:p>
+          <a:p>
+            <a:r>
+              <a:rPr lang="en-US" dirty="0"/>
+              <a:t>Dr. Marcia </a:t>
+            </a:r>
+            <a:r>
+              <a:rPr lang="en-US" dirty="0" err="1"/>
+              <a:t>Moraes</a:t>
+            </a:r>
+            <a:r>
+              <a:rPr lang="en-US" dirty="0"/>
+              <a:t> will be teaching CS 163 on Monday! </a:t>
+            </a:r>
+          </a:p>
+        </p:txBody>
+      </p:sp>
+      <p:sp>
+        <p:nvSpPr>
+          <p:cNvPr id="6" name="TextBox 5">
+            <a:extLst>
+              <a:ext uri="{FF2B5EF4-FFF2-40B4-BE49-F238E27FC236}">
+                <a16:creationId xmlns:a16="http://schemas.microsoft.com/office/drawing/2014/main" id="{32A3B87A-BBC0-704B-AC99-3984206450D5}"/>
+              </a:ext>
+            </a:extLst>
+          </p:cNvPr>
+          <p:cNvSpPr txBox="1"/>
+          <p:nvPr/>
+        </p:nvSpPr>
+        <p:spPr>
+          <a:xfrm>
+            <a:off x="9744412" y="2150737"/>
+            <a:ext cx="3892958" cy="2417650"/>
+          </a:xfrm>
+          <a:prstGeom prst="rect">
+            <a:avLst/>
+          </a:prstGeom>
+          <a:noFill/>
+        </p:spPr>
+        <p:txBody>
+          <a:bodyPr wrap="square" rtlCol="0">
+            <a:spAutoFit/>
+          </a:bodyPr>
+          <a:lstStyle/>
+          <a:p>
+            <a:r>
+              <a:rPr lang="en-US" sz="3022" dirty="0" err="1"/>
+              <a:t>Todo</a:t>
+            </a:r>
+            <a:r>
+              <a:rPr lang="en-US" sz="3022" dirty="0"/>
+              <a:t>:</a:t>
+            </a:r>
+          </a:p>
+          <a:p>
+            <a:r>
+              <a:rPr lang="en-US" sz="3022" dirty="0"/>
+              <a:t>Continue Practical 2 Due next week!</a:t>
+            </a:r>
+          </a:p>
+          <a:p>
+            <a:endParaRPr lang="en-US" sz="3022" dirty="0"/>
+          </a:p>
+          <a:p>
+            <a:endParaRPr lang="en-US" sz="3022" dirty="0"/>
+          </a:p>
+        </p:txBody>
+      </p:sp>
+      <p:sp>
+        <p:nvSpPr>
+          <p:cNvPr id="3" name="TextBox 2">
+            <a:extLst>
+              <a:ext uri="{FF2B5EF4-FFF2-40B4-BE49-F238E27FC236}">
+                <a16:creationId xmlns:a16="http://schemas.microsoft.com/office/drawing/2014/main" id="{219403AF-FCA0-4FAD-B2CD-E3D24CF8DD27}"/>
+              </a:ext>
+            </a:extLst>
+          </p:cNvPr>
+          <p:cNvSpPr txBox="1"/>
+          <p:nvPr/>
+        </p:nvSpPr>
+        <p:spPr>
+          <a:xfrm>
+            <a:off x="628075" y="6148934"/>
+            <a:ext cx="10580915" cy="1015663"/>
+          </a:xfrm>
+          <a:prstGeom prst="rect">
+            <a:avLst/>
+          </a:prstGeom>
+          <a:noFill/>
+        </p:spPr>
+        <p:txBody>
+          <a:bodyPr wrap="square" rtlCol="0">
+            <a:spAutoFit/>
+          </a:bodyPr>
+          <a:lstStyle/>
+          <a:p>
+            <a:r>
+              <a:rPr lang="en-US" dirty="0"/>
+              <a:t>CS 165 – Next Course In Sequence, also consider CS 220 (math and stats especially) </a:t>
+            </a:r>
+          </a:p>
+          <a:p>
+            <a:r>
+              <a:rPr lang="en-US" dirty="0"/>
+              <a:t>CO Jobs Report 2021 – 77% of new jobs require programming</a:t>
+            </a:r>
+          </a:p>
+          <a:p>
+            <a:r>
+              <a:rPr lang="en-US" dirty="0"/>
+              <a:t>60% of all STEM jobs requires *advanced* (200-300 level) </a:t>
+            </a:r>
+          </a:p>
+        </p:txBody>
+      </p:sp>
+      <p:sp>
+        <p:nvSpPr>
+          <p:cNvPr id="7" name="TextBox 6">
+            <a:extLst>
+              <a:ext uri="{FF2B5EF4-FFF2-40B4-BE49-F238E27FC236}">
+                <a16:creationId xmlns:a16="http://schemas.microsoft.com/office/drawing/2014/main" id="{BF16D510-BC74-4FA5-AFD2-193B039115A5}"/>
+              </a:ext>
+            </a:extLst>
+          </p:cNvPr>
+          <p:cNvSpPr txBox="1"/>
+          <p:nvPr/>
+        </p:nvSpPr>
+        <p:spPr>
+          <a:xfrm>
+            <a:off x="7228114" y="362857"/>
+            <a:ext cx="6125029" cy="1015663"/>
+          </a:xfrm>
+          <a:prstGeom prst="rect">
+            <a:avLst/>
+          </a:prstGeom>
+          <a:solidFill>
+            <a:schemeClr val="accent2"/>
+          </a:solidFill>
+        </p:spPr>
+        <p:txBody>
+          <a:bodyPr wrap="square" rtlCol="0">
+            <a:spAutoFit/>
+          </a:bodyPr>
+          <a:lstStyle/>
+          <a:p>
+            <a:r>
+              <a:rPr lang="en-US" b="1" dirty="0"/>
+              <a:t>Opening Question: </a:t>
+            </a:r>
+          </a:p>
+          <a:p>
+            <a:r>
+              <a:rPr lang="en-US" dirty="0"/>
+              <a:t>What are ways you figure out the problem before you code?</a:t>
+            </a:r>
+          </a:p>
+        </p:txBody>
+      </p:sp>
+    </p:spTree>
+    <p:extLst>
+      <p:ext uri="{BB962C8B-B14F-4D97-AF65-F5344CB8AC3E}">
+        <p14:creationId xmlns:p14="http://schemas.microsoft.com/office/powerpoint/2010/main" val="926474781"/>
+      </p:ext>
+    </p:extLst>
+  </p:cSld>
+  <p:clrMapOvr>
+    <a:masterClrMapping/>
+  </p:clrMapOvr>
+  <p:transition>
+    <p:fade/>
+  </p:transition>
+</p:sld>
+</file>
+
+<file path=ppt/slides/slide3.xml><?xml version="1.0" encoding="utf-8"?>
+<p:sld xmlns:a="http://schemas.openxmlformats.org/drawingml/2006/main" xmlns:r="http://schemas.openxmlformats.org/officeDocument/2006/relationships" xmlns:p="http://schemas.openxmlformats.org/presentationml/2006/main">
+  <p:cSld>
+    <p:spTree>
+      <p:nvGrpSpPr>
+        <p:cNvPr id="1" name=""/>
+        <p:cNvGrpSpPr/>
+        <p:nvPr/>
+      </p:nvGrpSpPr>
+      <p:grpSpPr>
+        <a:xfrm>
+          <a:off x="0" y="0"/>
+          <a:ext cx="0" cy="0"/>
+          <a:chOff x="0" y="0"/>
+          <a:chExt cx="0" cy="0"/>
+        </a:xfrm>
+      </p:grpSpPr>
+      <p:sp>
+        <p:nvSpPr>
+          <p:cNvPr id="4" name="Title 3">
+            <a:extLst>
+              <a:ext uri="{FF2B5EF4-FFF2-40B4-BE49-F238E27FC236}">
                 <a16:creationId xmlns:a16="http://schemas.microsoft.com/office/drawing/2014/main" id="{D6148A1E-4BB9-3E41-9954-7E0FE5CDE376}"/>
               </a:ext>
             </a:extLst>
@@ -17655,7 +22370,7 @@
 </p:sld>
 </file>
 
-<file path=ppt/slides/slide3.xml><?xml version="1.0" encoding="utf-8"?>
+<file path=ppt/slides/slide4.xml><?xml version="1.0" encoding="utf-8"?>
 <p:sld xmlns:a="http://schemas.openxmlformats.org/drawingml/2006/main" xmlns:r="http://schemas.openxmlformats.org/officeDocument/2006/relationships" xmlns:p="http://schemas.openxmlformats.org/presentationml/2006/main">
   <p:cSld>
     <p:spTree>
@@ -19032,7 +23747,7 @@
 </p:sld>
 </file>
 
-<file path=ppt/slides/slide4.xml><?xml version="1.0" encoding="utf-8"?>
+<file path=ppt/slides/slide5.xml><?xml version="1.0" encoding="utf-8"?>
 <p:sld xmlns:a="http://schemas.openxmlformats.org/drawingml/2006/main" xmlns:r="http://schemas.openxmlformats.org/officeDocument/2006/relationships" xmlns:p="http://schemas.openxmlformats.org/presentationml/2006/main">
   <p:cSld>
     <p:spTree>
@@ -19181,101 +23896,6 @@
     <p:extLst>
       <p:ext uri="{BB962C8B-B14F-4D97-AF65-F5344CB8AC3E}">
         <p14:creationId xmlns:p14="http://schemas.microsoft.com/office/powerpoint/2010/main" val="2882182165"/>
-      </p:ext>
-    </p:extLst>
-  </p:cSld>
-  <p:clrMapOvr>
-    <a:masterClrMapping/>
-  </p:clrMapOvr>
-  <mc:AlternateContent xmlns:mc="http://schemas.openxmlformats.org/markup-compatibility/2006" xmlns:p14="http://schemas.microsoft.com/office/powerpoint/2010/main">
-    <mc:Choice Requires="p14">
-      <p:transition p14:dur="300">
-        <p:fade/>
-      </p:transition>
-    </mc:Choice>
-    <mc:Fallback xmlns="">
-      <p:transition>
-        <p:fade/>
-      </p:transition>
-    </mc:Fallback>
-  </mc:AlternateContent>
-</p:sld>
-</file>
-
-<file path=ppt/slides/slide5.xml><?xml version="1.0" encoding="utf-8"?>
-<p:sld xmlns:a="http://schemas.openxmlformats.org/drawingml/2006/main" xmlns:r="http://schemas.openxmlformats.org/officeDocument/2006/relationships" xmlns:p="http://schemas.openxmlformats.org/presentationml/2006/main">
-  <p:cSld>
-    <p:spTree>
-      <p:nvGrpSpPr>
-        <p:cNvPr id="1" name=""/>
-        <p:cNvGrpSpPr/>
-        <p:nvPr/>
-      </p:nvGrpSpPr>
-      <p:grpSpPr>
-        <a:xfrm>
-          <a:off x="0" y="0"/>
-          <a:ext cx="0" cy="0"/>
-          <a:chOff x="0" y="0"/>
-          <a:chExt cx="0" cy="0"/>
-        </a:xfrm>
-      </p:grpSpPr>
-      <p:sp>
-        <p:nvSpPr>
-          <p:cNvPr id="4" name="Title 3">
-            <a:extLst>
-              <a:ext uri="{FF2B5EF4-FFF2-40B4-BE49-F238E27FC236}">
-                <a16:creationId xmlns:a16="http://schemas.microsoft.com/office/drawing/2014/main" id="{C8E474E6-2331-2641-BFE1-51B442B01E69}"/>
-              </a:ext>
-            </a:extLst>
-          </p:cNvPr>
-          <p:cNvSpPr>
-            <a:spLocks noGrp="1"/>
-          </p:cNvSpPr>
-          <p:nvPr>
-            <p:ph type="title"/>
-          </p:nvPr>
-        </p:nvSpPr>
-        <p:spPr/>
-        <p:txBody>
-          <a:bodyPr/>
-          <a:lstStyle/>
-          <a:p>
-            <a:r>
-              <a:rPr lang="en-US" dirty="0"/>
-              <a:t>What about debugging?</a:t>
-            </a:r>
-          </a:p>
-        </p:txBody>
-      </p:sp>
-      <p:sp>
-        <p:nvSpPr>
-          <p:cNvPr id="5" name="Text Placeholder 4">
-            <a:extLst>
-              <a:ext uri="{FF2B5EF4-FFF2-40B4-BE49-F238E27FC236}">
-                <a16:creationId xmlns:a16="http://schemas.microsoft.com/office/drawing/2014/main" id="{F5F2860C-B4CF-C04C-95D3-F71C3AFC70FC}"/>
-              </a:ext>
-            </a:extLst>
-          </p:cNvPr>
-          <p:cNvSpPr>
-            <a:spLocks noGrp="1"/>
-          </p:cNvSpPr>
-          <p:nvPr>
-            <p:ph type="body" sz="quarter" idx="10"/>
-          </p:nvPr>
-        </p:nvSpPr>
-        <p:spPr/>
-        <p:txBody>
-          <a:bodyPr/>
-          <a:lstStyle/>
-          <a:p>
-            <a:endParaRPr lang="en-US"/>
-          </a:p>
-        </p:txBody>
-      </p:sp>
-    </p:spTree>
-    <p:extLst>
-      <p:ext uri="{BB962C8B-B14F-4D97-AF65-F5344CB8AC3E}">
-        <p14:creationId xmlns:p14="http://schemas.microsoft.com/office/powerpoint/2010/main" val="2777855015"/>
       </p:ext>
     </p:extLst>
   </p:cSld>
@@ -19319,6 +23939,101 @@
           <p:cNvPr id="4" name="Title 3">
             <a:extLst>
               <a:ext uri="{FF2B5EF4-FFF2-40B4-BE49-F238E27FC236}">
+                <a16:creationId xmlns:a16="http://schemas.microsoft.com/office/drawing/2014/main" id="{C8E474E6-2331-2641-BFE1-51B442B01E69}"/>
+              </a:ext>
+            </a:extLst>
+          </p:cNvPr>
+          <p:cNvSpPr>
+            <a:spLocks noGrp="1"/>
+          </p:cNvSpPr>
+          <p:nvPr>
+            <p:ph type="title"/>
+          </p:nvPr>
+        </p:nvSpPr>
+        <p:spPr/>
+        <p:txBody>
+          <a:bodyPr/>
+          <a:lstStyle/>
+          <a:p>
+            <a:r>
+              <a:rPr lang="en-US" dirty="0"/>
+              <a:t>What about debugging?</a:t>
+            </a:r>
+          </a:p>
+        </p:txBody>
+      </p:sp>
+      <p:sp>
+        <p:nvSpPr>
+          <p:cNvPr id="5" name="Text Placeholder 4">
+            <a:extLst>
+              <a:ext uri="{FF2B5EF4-FFF2-40B4-BE49-F238E27FC236}">
+                <a16:creationId xmlns:a16="http://schemas.microsoft.com/office/drawing/2014/main" id="{F5F2860C-B4CF-C04C-95D3-F71C3AFC70FC}"/>
+              </a:ext>
+            </a:extLst>
+          </p:cNvPr>
+          <p:cNvSpPr>
+            <a:spLocks noGrp="1"/>
+          </p:cNvSpPr>
+          <p:nvPr>
+            <p:ph type="body" sz="quarter" idx="10"/>
+          </p:nvPr>
+        </p:nvSpPr>
+        <p:spPr/>
+        <p:txBody>
+          <a:bodyPr/>
+          <a:lstStyle/>
+          <a:p>
+            <a:endParaRPr lang="en-US"/>
+          </a:p>
+        </p:txBody>
+      </p:sp>
+    </p:spTree>
+    <p:extLst>
+      <p:ext uri="{BB962C8B-B14F-4D97-AF65-F5344CB8AC3E}">
+        <p14:creationId xmlns:p14="http://schemas.microsoft.com/office/powerpoint/2010/main" val="2777855015"/>
+      </p:ext>
+    </p:extLst>
+  </p:cSld>
+  <p:clrMapOvr>
+    <a:masterClrMapping/>
+  </p:clrMapOvr>
+  <mc:AlternateContent xmlns:mc="http://schemas.openxmlformats.org/markup-compatibility/2006" xmlns:p14="http://schemas.microsoft.com/office/powerpoint/2010/main">
+    <mc:Choice Requires="p14">
+      <p:transition p14:dur="300">
+        <p:fade/>
+      </p:transition>
+    </mc:Choice>
+    <mc:Fallback xmlns="">
+      <p:transition>
+        <p:fade/>
+      </p:transition>
+    </mc:Fallback>
+  </mc:AlternateContent>
+</p:sld>
+</file>
+
+<file path=ppt/slides/slide7.xml><?xml version="1.0" encoding="utf-8"?>
+<p:sld xmlns:a="http://schemas.openxmlformats.org/drawingml/2006/main" xmlns:r="http://schemas.openxmlformats.org/officeDocument/2006/relationships" xmlns:p="http://schemas.openxmlformats.org/presentationml/2006/main">
+  <p:cSld>
+    <p:spTree>
+      <p:nvGrpSpPr>
+        <p:cNvPr id="1" name=""/>
+        <p:cNvGrpSpPr/>
+        <p:nvPr/>
+      </p:nvGrpSpPr>
+      <p:grpSpPr>
+        <a:xfrm>
+          <a:off x="0" y="0"/>
+          <a:ext cx="0" cy="0"/>
+          <a:chOff x="0" y="0"/>
+          <a:chExt cx="0" cy="0"/>
+        </a:xfrm>
+      </p:grpSpPr>
+      <p:sp>
+        <p:nvSpPr>
+          <p:cNvPr id="4" name="Title 3">
+            <a:extLst>
+              <a:ext uri="{FF2B5EF4-FFF2-40B4-BE49-F238E27FC236}">
                 <a16:creationId xmlns:a16="http://schemas.microsoft.com/office/drawing/2014/main" id="{61C0C015-7216-7F40-994E-501CED66C233}"/>
               </a:ext>
             </a:extLst>
@@ -19523,7 +24238,7 @@
 </p:sld>
 </file>
 
-<file path=ppt/slides/slide7.xml><?xml version="1.0" encoding="utf-8"?>
+<file path=ppt/slides/slide8.xml><?xml version="1.0" encoding="utf-8"?>
 <p:sld xmlns:a="http://schemas.openxmlformats.org/drawingml/2006/main" xmlns:r="http://schemas.openxmlformats.org/officeDocument/2006/relationships" xmlns:p="http://schemas.openxmlformats.org/presentationml/2006/main">
   <p:cSld>
     <p:spTree>
@@ -20004,7 +24719,7 @@
 </p:sld>
 </file>
 
-<file path=ppt/slides/slide8.xml><?xml version="1.0" encoding="utf-8"?>
+<file path=ppt/slides/slide9.xml><?xml version="1.0" encoding="utf-8"?>
 <p:sld xmlns:a="http://schemas.openxmlformats.org/drawingml/2006/main" xmlns:r="http://schemas.openxmlformats.org/officeDocument/2006/relationships" xmlns:p="http://schemas.openxmlformats.org/presentationml/2006/main">
   <p:cSld>
     <p:spTree>
@@ -20081,3825 +24796,6 @@
     <p:extLst>
       <p:ext uri="{BB962C8B-B14F-4D97-AF65-F5344CB8AC3E}">
         <p14:creationId xmlns:p14="http://schemas.microsoft.com/office/powerpoint/2010/main" val="149770216"/>
-      </p:ext>
-    </p:extLst>
-  </p:cSld>
-  <p:clrMapOvr>
-    <a:masterClrMapping/>
-  </p:clrMapOvr>
-  <mc:AlternateContent xmlns:mc="http://schemas.openxmlformats.org/markup-compatibility/2006" xmlns:p14="http://schemas.microsoft.com/office/powerpoint/2010/main">
-    <mc:Choice Requires="p14">
-      <p:transition p14:dur="300">
-        <p:fade/>
-      </p:transition>
-    </mc:Choice>
-    <mc:Fallback xmlns="">
-      <p:transition>
-        <p:fade/>
-      </p:transition>
-    </mc:Fallback>
-  </mc:AlternateContent>
-</p:sld>
-</file>
-
-<file path=ppt/slides/slide9.xml><?xml version="1.0" encoding="utf-8"?>
-<p:sld xmlns:a="http://schemas.openxmlformats.org/drawingml/2006/main" xmlns:r="http://schemas.openxmlformats.org/officeDocument/2006/relationships" xmlns:p="http://schemas.openxmlformats.org/presentationml/2006/main">
-  <p:cSld>
-    <p:spTree>
-      <p:nvGrpSpPr>
-        <p:cNvPr id="1" name=""/>
-        <p:cNvGrpSpPr/>
-        <p:nvPr/>
-      </p:nvGrpSpPr>
-      <p:grpSpPr>
-        <a:xfrm>
-          <a:off x="0" y="0"/>
-          <a:ext cx="0" cy="0"/>
-          <a:chOff x="0" y="0"/>
-          <a:chExt cx="0" cy="0"/>
-        </a:xfrm>
-      </p:grpSpPr>
-      <p:sp>
-        <p:nvSpPr>
-          <p:cNvPr id="4" name="Title 3">
-            <a:extLst>
-              <a:ext uri="{FF2B5EF4-FFF2-40B4-BE49-F238E27FC236}">
-                <a16:creationId xmlns:a16="http://schemas.microsoft.com/office/drawing/2014/main" id="{77CBE607-67E2-4D0E-829C-845283E4419B}"/>
-              </a:ext>
-            </a:extLst>
-          </p:cNvPr>
-          <p:cNvSpPr>
-            <a:spLocks noGrp="1"/>
-          </p:cNvSpPr>
-          <p:nvPr>
-            <p:ph type="title"/>
-          </p:nvPr>
-        </p:nvSpPr>
-        <p:spPr>
-          <a:xfrm>
-            <a:off x="628075" y="601948"/>
-            <a:ext cx="12561453" cy="861774"/>
-          </a:xfrm>
-        </p:spPr>
-        <p:txBody>
-          <a:bodyPr/>
-          <a:lstStyle/>
-          <a:p>
-            <a:r>
-              <a:rPr lang="en-US" sz="4400" dirty="0"/>
-              <a:t>Let’s Talk About Variables and Memory</a:t>
-            </a:r>
-          </a:p>
-        </p:txBody>
-      </p:sp>
-      <p:sp>
-        <p:nvSpPr>
-          <p:cNvPr id="5" name="Text Placeholder 4">
-            <a:extLst>
-              <a:ext uri="{FF2B5EF4-FFF2-40B4-BE49-F238E27FC236}">
-                <a16:creationId xmlns:a16="http://schemas.microsoft.com/office/drawing/2014/main" id="{E3F7D2DD-8701-4E2B-AAEC-98231F75537C}"/>
-              </a:ext>
-            </a:extLst>
-          </p:cNvPr>
-          <p:cNvSpPr>
-            <a:spLocks noGrp="1"/>
-          </p:cNvSpPr>
-          <p:nvPr>
-            <p:ph type="body" sz="quarter" idx="10"/>
-          </p:nvPr>
-        </p:nvSpPr>
-        <p:spPr>
-          <a:xfrm>
-            <a:off x="628075" y="1542233"/>
-            <a:ext cx="3421411" cy="4953407"/>
-          </a:xfrm>
-        </p:spPr>
-        <p:txBody>
-          <a:bodyPr/>
-          <a:lstStyle/>
-          <a:p>
-            <a:r>
-              <a:rPr lang="en-US" dirty="0"/>
-              <a:t>Discuss: Given the following program</a:t>
-            </a:r>
-          </a:p>
-          <a:p>
-            <a:pPr marL="0" indent="0">
-              <a:buNone/>
-            </a:pPr>
-            <a:r>
-              <a:rPr lang="en-US" dirty="0"/>
-              <a:t>Program Start:</a:t>
-            </a:r>
-          </a:p>
-          <a:p>
-            <a:r>
-              <a:rPr lang="en-US" dirty="0"/>
-              <a:t>What is the value of:</a:t>
-            </a:r>
-          </a:p>
-          <a:p>
-            <a:pPr lvl="1"/>
-            <a:r>
-              <a:rPr lang="en-US" dirty="0"/>
-              <a:t>w</a:t>
-            </a:r>
-          </a:p>
-          <a:p>
-            <a:pPr lvl="1"/>
-            <a:r>
-              <a:rPr lang="en-US" dirty="0"/>
-              <a:t>l</a:t>
-            </a:r>
-          </a:p>
-          <a:p>
-            <a:pPr lvl="1"/>
-            <a:r>
-              <a:rPr lang="en-US" dirty="0" err="1"/>
-              <a:t>rectange.length</a:t>
-            </a:r>
-            <a:endParaRPr lang="en-US" dirty="0"/>
-          </a:p>
-          <a:p>
-            <a:pPr lvl="1"/>
-            <a:r>
-              <a:rPr lang="en-US" dirty="0" err="1"/>
-              <a:t>rectangle.width</a:t>
-            </a:r>
-            <a:endParaRPr lang="en-US" dirty="0"/>
-          </a:p>
-          <a:p>
-            <a:pPr lvl="1"/>
-            <a:endParaRPr lang="en-US" dirty="0"/>
-          </a:p>
-          <a:p>
-            <a:pPr marL="0" indent="0">
-              <a:buNone/>
-            </a:pPr>
-            <a:r>
-              <a:rPr lang="en-US" dirty="0"/>
-              <a:t>Program End?</a:t>
-            </a:r>
-          </a:p>
-          <a:p>
-            <a:r>
-              <a:rPr lang="en-US" dirty="0"/>
-              <a:t>What is the value of them?</a:t>
-            </a:r>
-          </a:p>
-        </p:txBody>
-      </p:sp>
-      <p:sp>
-        <p:nvSpPr>
-          <p:cNvPr id="6" name="Rectangle 1">
-            <a:extLst>
-              <a:ext uri="{FF2B5EF4-FFF2-40B4-BE49-F238E27FC236}">
-                <a16:creationId xmlns:a16="http://schemas.microsoft.com/office/drawing/2014/main" id="{7194A88C-92F1-46E7-82BC-55AD7E5C1BF4}"/>
-              </a:ext>
-            </a:extLst>
-          </p:cNvPr>
-          <p:cNvSpPr>
-            <a:spLocks noChangeArrowheads="1"/>
-          </p:cNvSpPr>
-          <p:nvPr/>
-        </p:nvSpPr>
-        <p:spPr bwMode="auto">
-          <a:xfrm>
-            <a:off x="10174515" y="716101"/>
-            <a:ext cx="3352800" cy="6340197"/>
-          </a:xfrm>
-          <a:prstGeom prst="rect">
-            <a:avLst/>
-          </a:prstGeom>
-          <a:noFill/>
-          <a:ln>
-            <a:solidFill>
-              <a:schemeClr val="accent1"/>
-            </a:solidFill>
-          </a:ln>
-          <a:effectLst/>
-        </p:spPr>
-        <p:txBody>
-          <a:bodyPr vert="horz" wrap="square" lIns="91440" tIns="45720" rIns="91440" bIns="45720" numCol="1" anchor="ctr" anchorCtr="0" compatLnSpc="1">
-            <a:prstTxWarp prst="textNoShape">
-              <a:avLst/>
-            </a:prstTxWarp>
-            <a:spAutoFit/>
-          </a:bodyPr>
-          <a:lstStyle/>
-          <a:p>
-            <a:pPr marL="0" marR="0" lvl="0" indent="0" algn="l" defTabSz="914400" rtl="0" eaLnBrk="0" fontAlgn="base" latinLnBrk="0" hangingPunct="0">
-              <a:lnSpc>
-                <a:spcPct val="100000"/>
-              </a:lnSpc>
-              <a:spcBef>
-                <a:spcPct val="0"/>
-              </a:spcBef>
-              <a:spcAft>
-                <a:spcPct val="0"/>
-              </a:spcAft>
-              <a:buClrTx/>
-              <a:buSzTx/>
-              <a:buFontTx/>
-              <a:buNone/>
-              <a:tabLst/>
-            </a:pPr>
-            <a:r>
-              <a:rPr kumimoji="0" lang="en-US" altLang="en-US" sz="1400" b="1" i="0" u="none" strike="noStrike" cap="none" normalizeH="0" baseline="0" dirty="0">
-                <a:ln>
-                  <a:noFill/>
-                </a:ln>
-                <a:solidFill>
-                  <a:srgbClr val="000080"/>
-                </a:solidFill>
-                <a:effectLst/>
-                <a:latin typeface="JetBrains Mono"/>
-              </a:rPr>
-              <a:t>public class </a:t>
-            </a:r>
-            <a:r>
-              <a:rPr kumimoji="0" lang="en-US" altLang="en-US" sz="1400" b="0" i="0" u="none" strike="noStrike" cap="none" normalizeH="0" baseline="0" dirty="0">
-                <a:ln>
-                  <a:noFill/>
-                </a:ln>
-                <a:solidFill>
-                  <a:srgbClr val="000000"/>
-                </a:solidFill>
-                <a:effectLst/>
-                <a:latin typeface="JetBrains Mono"/>
-              </a:rPr>
-              <a:t>Rectangle {</a:t>
-            </a:r>
-            <a:br>
-              <a:rPr kumimoji="0" lang="en-US" altLang="en-US" sz="1400" b="0" i="0" u="none" strike="noStrike" cap="none" normalizeH="0" baseline="0" dirty="0">
-                <a:ln>
-                  <a:noFill/>
-                </a:ln>
-                <a:solidFill>
-                  <a:srgbClr val="000000"/>
-                </a:solidFill>
-                <a:effectLst/>
-                <a:latin typeface="JetBrains Mono"/>
-              </a:rPr>
-            </a:br>
-            <a:r>
-              <a:rPr kumimoji="0" lang="en-US" altLang="en-US" sz="1400" b="0" i="0" u="none" strike="noStrike" cap="none" normalizeH="0" baseline="0" dirty="0">
-                <a:ln>
-                  <a:noFill/>
-                </a:ln>
-                <a:solidFill>
-                  <a:srgbClr val="000000"/>
-                </a:solidFill>
-                <a:effectLst/>
-                <a:latin typeface="JetBrains Mono"/>
-              </a:rPr>
-              <a:t>    </a:t>
-            </a:r>
-            <a:r>
-              <a:rPr kumimoji="0" lang="en-US" altLang="en-US" sz="1400" b="1" i="0" u="none" strike="noStrike" cap="none" normalizeH="0" baseline="0" dirty="0">
-                <a:ln>
-                  <a:noFill/>
-                </a:ln>
-                <a:solidFill>
-                  <a:srgbClr val="000080"/>
-                </a:solidFill>
-                <a:effectLst/>
-                <a:latin typeface="JetBrains Mono"/>
-              </a:rPr>
-              <a:t>private int </a:t>
-            </a:r>
-            <a:r>
-              <a:rPr kumimoji="0" lang="en-US" altLang="en-US" sz="1400" b="1" i="0" u="none" strike="noStrike" cap="none" normalizeH="0" baseline="0" dirty="0">
-                <a:ln>
-                  <a:noFill/>
-                </a:ln>
-                <a:solidFill>
-                  <a:srgbClr val="660E7A"/>
-                </a:solidFill>
-                <a:effectLst/>
-                <a:latin typeface="JetBrains Mono"/>
-              </a:rPr>
-              <a:t>length </a:t>
-            </a:r>
-            <a:r>
-              <a:rPr kumimoji="0" lang="en-US" altLang="en-US" sz="1400" b="0" i="0" u="none" strike="noStrike" cap="none" normalizeH="0" baseline="0" dirty="0">
-                <a:ln>
-                  <a:noFill/>
-                </a:ln>
-                <a:solidFill>
-                  <a:srgbClr val="000000"/>
-                </a:solidFill>
-                <a:effectLst/>
-                <a:latin typeface="JetBrains Mono"/>
-              </a:rPr>
-              <a:t>= </a:t>
-            </a:r>
-            <a:r>
-              <a:rPr kumimoji="0" lang="en-US" altLang="en-US" sz="1400" b="0" i="0" u="none" strike="noStrike" cap="none" normalizeH="0" baseline="0" dirty="0">
-                <a:ln>
-                  <a:noFill/>
-                </a:ln>
-                <a:solidFill>
-                  <a:srgbClr val="0000FF"/>
-                </a:solidFill>
-                <a:effectLst/>
-                <a:latin typeface="JetBrains Mono"/>
-              </a:rPr>
-              <a:t>0</a:t>
-            </a:r>
-            <a:r>
-              <a:rPr kumimoji="0" lang="en-US" altLang="en-US" sz="1400" b="0" i="0" u="none" strike="noStrike" cap="none" normalizeH="0" baseline="0" dirty="0">
-                <a:ln>
-                  <a:noFill/>
-                </a:ln>
-                <a:solidFill>
-                  <a:srgbClr val="000000"/>
-                </a:solidFill>
-                <a:effectLst/>
-                <a:latin typeface="JetBrains Mono"/>
-              </a:rPr>
-              <a:t>;</a:t>
-            </a:r>
-            <a:br>
-              <a:rPr kumimoji="0" lang="en-US" altLang="en-US" sz="1400" b="0" i="0" u="none" strike="noStrike" cap="none" normalizeH="0" baseline="0" dirty="0">
-                <a:ln>
-                  <a:noFill/>
-                </a:ln>
-                <a:solidFill>
-                  <a:srgbClr val="000000"/>
-                </a:solidFill>
-                <a:effectLst/>
-                <a:latin typeface="JetBrains Mono"/>
-              </a:rPr>
-            </a:br>
-            <a:r>
-              <a:rPr kumimoji="0" lang="en-US" altLang="en-US" sz="1400" b="0" i="0" u="none" strike="noStrike" cap="none" normalizeH="0" baseline="0" dirty="0">
-                <a:ln>
-                  <a:noFill/>
-                </a:ln>
-                <a:solidFill>
-                  <a:srgbClr val="000000"/>
-                </a:solidFill>
-                <a:effectLst/>
-                <a:latin typeface="JetBrains Mono"/>
-              </a:rPr>
-              <a:t>    </a:t>
-            </a:r>
-            <a:r>
-              <a:rPr kumimoji="0" lang="en-US" altLang="en-US" sz="1400" b="1" i="0" u="none" strike="noStrike" cap="none" normalizeH="0" baseline="0" dirty="0">
-                <a:ln>
-                  <a:noFill/>
-                </a:ln>
-                <a:solidFill>
-                  <a:srgbClr val="000080"/>
-                </a:solidFill>
-                <a:effectLst/>
-                <a:latin typeface="JetBrains Mono"/>
-              </a:rPr>
-              <a:t>private int </a:t>
-            </a:r>
-            <a:r>
-              <a:rPr kumimoji="0" lang="en-US" altLang="en-US" sz="1400" b="1" i="0" u="none" strike="noStrike" cap="none" normalizeH="0" baseline="0" dirty="0">
-                <a:ln>
-                  <a:noFill/>
-                </a:ln>
-                <a:solidFill>
-                  <a:srgbClr val="660E7A"/>
-                </a:solidFill>
-                <a:effectLst/>
-                <a:latin typeface="JetBrains Mono"/>
-              </a:rPr>
-              <a:t>width </a:t>
-            </a:r>
-            <a:r>
-              <a:rPr kumimoji="0" lang="en-US" altLang="en-US" sz="1400" b="0" i="0" u="none" strike="noStrike" cap="none" normalizeH="0" baseline="0" dirty="0">
-                <a:ln>
-                  <a:noFill/>
-                </a:ln>
-                <a:solidFill>
-                  <a:srgbClr val="000000"/>
-                </a:solidFill>
-                <a:effectLst/>
-                <a:latin typeface="JetBrains Mono"/>
-              </a:rPr>
-              <a:t>= </a:t>
-            </a:r>
-            <a:r>
-              <a:rPr kumimoji="0" lang="en-US" altLang="en-US" sz="1400" b="0" i="0" u="none" strike="noStrike" cap="none" normalizeH="0" baseline="0" dirty="0">
-                <a:ln>
-                  <a:noFill/>
-                </a:ln>
-                <a:solidFill>
-                  <a:srgbClr val="0000FF"/>
-                </a:solidFill>
-                <a:effectLst/>
-                <a:latin typeface="JetBrains Mono"/>
-              </a:rPr>
-              <a:t>0</a:t>
-            </a:r>
-            <a:r>
-              <a:rPr kumimoji="0" lang="en-US" altLang="en-US" sz="1400" b="0" i="0" u="none" strike="noStrike" cap="none" normalizeH="0" baseline="0" dirty="0">
-                <a:ln>
-                  <a:noFill/>
-                </a:ln>
-                <a:solidFill>
-                  <a:srgbClr val="000000"/>
-                </a:solidFill>
-                <a:effectLst/>
-                <a:latin typeface="JetBrains Mono"/>
-              </a:rPr>
-              <a:t>;</a:t>
-            </a:r>
-            <a:br>
-              <a:rPr kumimoji="0" lang="en-US" altLang="en-US" sz="1400" b="0" i="0" u="none" strike="noStrike" cap="none" normalizeH="0" baseline="0" dirty="0">
-                <a:ln>
-                  <a:noFill/>
-                </a:ln>
-                <a:solidFill>
-                  <a:srgbClr val="000000"/>
-                </a:solidFill>
-                <a:effectLst/>
-                <a:latin typeface="JetBrains Mono"/>
-              </a:rPr>
-            </a:br>
-            <a:r>
-              <a:rPr kumimoji="0" lang="en-US" altLang="en-US" sz="1400" b="0" i="0" u="none" strike="noStrike" cap="none" normalizeH="0" baseline="0" dirty="0">
-                <a:ln>
-                  <a:noFill/>
-                </a:ln>
-                <a:solidFill>
-                  <a:srgbClr val="000000"/>
-                </a:solidFill>
-                <a:effectLst/>
-                <a:latin typeface="JetBrains Mono"/>
-              </a:rPr>
-              <a:t>    </a:t>
-            </a:r>
-            <a:br>
-              <a:rPr kumimoji="0" lang="en-US" altLang="en-US" sz="1400" b="0" i="0" u="none" strike="noStrike" cap="none" normalizeH="0" baseline="0" dirty="0">
-                <a:ln>
-                  <a:noFill/>
-                </a:ln>
-                <a:solidFill>
-                  <a:srgbClr val="000000"/>
-                </a:solidFill>
-                <a:effectLst/>
-                <a:latin typeface="JetBrains Mono"/>
-              </a:rPr>
-            </a:br>
-            <a:r>
-              <a:rPr kumimoji="0" lang="en-US" altLang="en-US" sz="1400" b="0" i="0" u="none" strike="noStrike" cap="none" normalizeH="0" baseline="0" dirty="0">
-                <a:ln>
-                  <a:noFill/>
-                </a:ln>
-                <a:solidFill>
-                  <a:srgbClr val="000000"/>
-                </a:solidFill>
-                <a:effectLst/>
-                <a:latin typeface="JetBrains Mono"/>
-              </a:rPr>
-              <a:t>    </a:t>
-            </a:r>
-            <a:r>
-              <a:rPr kumimoji="0" lang="en-US" altLang="en-US" sz="1400" b="1" i="0" u="none" strike="noStrike" cap="none" normalizeH="0" baseline="0" dirty="0">
-                <a:ln>
-                  <a:noFill/>
-                </a:ln>
-                <a:solidFill>
-                  <a:srgbClr val="000080"/>
-                </a:solidFill>
-                <a:effectLst/>
-                <a:latin typeface="JetBrains Mono"/>
-              </a:rPr>
-              <a:t>public </a:t>
-            </a:r>
-            <a:r>
-              <a:rPr kumimoji="0" lang="en-US" altLang="en-US" sz="1400" b="0" i="0" u="none" strike="noStrike" cap="none" normalizeH="0" baseline="0" dirty="0">
-                <a:ln>
-                  <a:noFill/>
-                </a:ln>
-                <a:solidFill>
-                  <a:srgbClr val="000000"/>
-                </a:solidFill>
-                <a:effectLst/>
-                <a:latin typeface="JetBrains Mono"/>
-              </a:rPr>
-              <a:t>Rectangle(</a:t>
-            </a:r>
-            <a:r>
-              <a:rPr kumimoji="0" lang="en-US" altLang="en-US" sz="1400" b="1" i="0" u="none" strike="noStrike" cap="none" normalizeH="0" baseline="0" dirty="0">
-                <a:ln>
-                  <a:noFill/>
-                </a:ln>
-                <a:solidFill>
-                  <a:srgbClr val="000080"/>
-                </a:solidFill>
-                <a:effectLst/>
-                <a:latin typeface="JetBrains Mono"/>
-              </a:rPr>
-              <a:t>int </a:t>
-            </a:r>
-            <a:r>
-              <a:rPr kumimoji="0" lang="en-US" altLang="en-US" sz="1400" b="0" i="0" u="none" strike="noStrike" cap="none" normalizeH="0" baseline="0" dirty="0">
-                <a:ln>
-                  <a:noFill/>
-                </a:ln>
-                <a:solidFill>
-                  <a:srgbClr val="000000"/>
-                </a:solidFill>
-                <a:effectLst/>
-                <a:latin typeface="JetBrains Mono"/>
-              </a:rPr>
-              <a:t>width, </a:t>
-            </a:r>
-            <a:r>
-              <a:rPr kumimoji="0" lang="en-US" altLang="en-US" sz="1400" b="1" i="0" u="none" strike="noStrike" cap="none" normalizeH="0" baseline="0" dirty="0">
-                <a:ln>
-                  <a:noFill/>
-                </a:ln>
-                <a:solidFill>
-                  <a:srgbClr val="000080"/>
-                </a:solidFill>
-                <a:effectLst/>
-                <a:latin typeface="JetBrains Mono"/>
-              </a:rPr>
-              <a:t>int </a:t>
-            </a:r>
-            <a:r>
-              <a:rPr kumimoji="0" lang="en-US" altLang="en-US" sz="1400" b="0" i="0" u="none" strike="noStrike" cap="none" normalizeH="0" baseline="0" dirty="0">
-                <a:ln>
-                  <a:noFill/>
-                </a:ln>
-                <a:solidFill>
-                  <a:srgbClr val="000000"/>
-                </a:solidFill>
-                <a:effectLst/>
-                <a:latin typeface="JetBrains Mono"/>
-              </a:rPr>
-              <a:t>length) {</a:t>
-            </a:r>
-            <a:br>
-              <a:rPr kumimoji="0" lang="en-US" altLang="en-US" sz="1400" b="0" i="0" u="none" strike="noStrike" cap="none" normalizeH="0" baseline="0" dirty="0">
-                <a:ln>
-                  <a:noFill/>
-                </a:ln>
-                <a:solidFill>
-                  <a:srgbClr val="000000"/>
-                </a:solidFill>
-                <a:effectLst/>
-                <a:latin typeface="JetBrains Mono"/>
-              </a:rPr>
-            </a:br>
-            <a:r>
-              <a:rPr kumimoji="0" lang="en-US" altLang="en-US" sz="1400" b="0" i="0" u="none" strike="noStrike" cap="none" normalizeH="0" baseline="0" dirty="0">
-                <a:ln>
-                  <a:noFill/>
-                </a:ln>
-                <a:solidFill>
-                  <a:srgbClr val="000000"/>
-                </a:solidFill>
-                <a:effectLst/>
-                <a:latin typeface="JetBrains Mono"/>
-              </a:rPr>
-              <a:t>        </a:t>
-            </a:r>
-            <a:r>
-              <a:rPr kumimoji="0" lang="en-US" altLang="en-US" sz="1400" b="0" i="0" u="none" strike="noStrike" cap="none" normalizeH="0" baseline="0" dirty="0" err="1">
-                <a:ln>
-                  <a:noFill/>
-                </a:ln>
-                <a:solidFill>
-                  <a:srgbClr val="000000"/>
-                </a:solidFill>
-                <a:effectLst/>
-                <a:latin typeface="JetBrains Mono"/>
-              </a:rPr>
-              <a:t>setWidth</a:t>
-            </a:r>
-            <a:r>
-              <a:rPr kumimoji="0" lang="en-US" altLang="en-US" sz="1400" b="0" i="0" u="none" strike="noStrike" cap="none" normalizeH="0" baseline="0" dirty="0">
-                <a:ln>
-                  <a:noFill/>
-                </a:ln>
-                <a:solidFill>
-                  <a:srgbClr val="000000"/>
-                </a:solidFill>
-                <a:effectLst/>
-                <a:latin typeface="JetBrains Mono"/>
-              </a:rPr>
-              <a:t>(width);</a:t>
-            </a:r>
-            <a:br>
-              <a:rPr kumimoji="0" lang="en-US" altLang="en-US" sz="1400" b="0" i="0" u="none" strike="noStrike" cap="none" normalizeH="0" baseline="0" dirty="0">
-                <a:ln>
-                  <a:noFill/>
-                </a:ln>
-                <a:solidFill>
-                  <a:srgbClr val="000000"/>
-                </a:solidFill>
-                <a:effectLst/>
-                <a:latin typeface="JetBrains Mono"/>
-              </a:rPr>
-            </a:br>
-            <a:r>
-              <a:rPr kumimoji="0" lang="en-US" altLang="en-US" sz="1400" b="0" i="0" u="none" strike="noStrike" cap="none" normalizeH="0" baseline="0" dirty="0">
-                <a:ln>
-                  <a:noFill/>
-                </a:ln>
-                <a:solidFill>
-                  <a:srgbClr val="000000"/>
-                </a:solidFill>
-                <a:effectLst/>
-                <a:latin typeface="JetBrains Mono"/>
-              </a:rPr>
-              <a:t>        </a:t>
-            </a:r>
-            <a:r>
-              <a:rPr kumimoji="0" lang="en-US" altLang="en-US" sz="1400" b="0" i="0" u="none" strike="noStrike" cap="none" normalizeH="0" baseline="0" dirty="0" err="1">
-                <a:ln>
-                  <a:noFill/>
-                </a:ln>
-                <a:solidFill>
-                  <a:srgbClr val="000000"/>
-                </a:solidFill>
-                <a:effectLst/>
-                <a:latin typeface="JetBrains Mono"/>
-              </a:rPr>
-              <a:t>setLength</a:t>
-            </a:r>
-            <a:r>
-              <a:rPr kumimoji="0" lang="en-US" altLang="en-US" sz="1400" b="0" i="0" u="none" strike="noStrike" cap="none" normalizeH="0" baseline="0" dirty="0">
-                <a:ln>
-                  <a:noFill/>
-                </a:ln>
-                <a:solidFill>
-                  <a:srgbClr val="000000"/>
-                </a:solidFill>
-                <a:effectLst/>
-                <a:latin typeface="JetBrains Mono"/>
-              </a:rPr>
-              <a:t>(length);</a:t>
-            </a:r>
-            <a:br>
-              <a:rPr kumimoji="0" lang="en-US" altLang="en-US" sz="1400" b="0" i="0" u="none" strike="noStrike" cap="none" normalizeH="0" baseline="0" dirty="0">
-                <a:ln>
-                  <a:noFill/>
-                </a:ln>
-                <a:solidFill>
-                  <a:srgbClr val="000000"/>
-                </a:solidFill>
-                <a:effectLst/>
-                <a:latin typeface="JetBrains Mono"/>
-              </a:rPr>
-            </a:br>
-            <a:r>
-              <a:rPr kumimoji="0" lang="en-US" altLang="en-US" sz="1400" b="0" i="0" u="none" strike="noStrike" cap="none" normalizeH="0" baseline="0" dirty="0">
-                <a:ln>
-                  <a:noFill/>
-                </a:ln>
-                <a:solidFill>
-                  <a:srgbClr val="000000"/>
-                </a:solidFill>
-                <a:effectLst/>
-                <a:latin typeface="JetBrains Mono"/>
-              </a:rPr>
-              <a:t>    }</a:t>
-            </a:r>
-            <a:br>
-              <a:rPr kumimoji="0" lang="en-US" altLang="en-US" sz="1400" b="0" i="0" u="none" strike="noStrike" cap="none" normalizeH="0" baseline="0" dirty="0">
-                <a:ln>
-                  <a:noFill/>
-                </a:ln>
-                <a:solidFill>
-                  <a:srgbClr val="000000"/>
-                </a:solidFill>
-                <a:effectLst/>
-                <a:latin typeface="JetBrains Mono"/>
-              </a:rPr>
-            </a:br>
-            <a:br>
-              <a:rPr kumimoji="0" lang="en-US" altLang="en-US" sz="1400" b="0" i="0" u="none" strike="noStrike" cap="none" normalizeH="0" baseline="0" dirty="0">
-                <a:ln>
-                  <a:noFill/>
-                </a:ln>
-                <a:solidFill>
-                  <a:srgbClr val="000000"/>
-                </a:solidFill>
-                <a:effectLst/>
-                <a:latin typeface="JetBrains Mono"/>
-              </a:rPr>
-            </a:br>
-            <a:r>
-              <a:rPr kumimoji="0" lang="en-US" altLang="en-US" sz="1400" b="0" i="0" u="none" strike="noStrike" cap="none" normalizeH="0" baseline="0" dirty="0">
-                <a:ln>
-                  <a:noFill/>
-                </a:ln>
-                <a:solidFill>
-                  <a:srgbClr val="000000"/>
-                </a:solidFill>
-                <a:effectLst/>
-                <a:latin typeface="JetBrains Mono"/>
-              </a:rPr>
-              <a:t>    </a:t>
-            </a:r>
-            <a:r>
-              <a:rPr kumimoji="0" lang="en-US" altLang="en-US" sz="1400" b="1" i="0" u="none" strike="noStrike" cap="none" normalizeH="0" baseline="0" dirty="0">
-                <a:ln>
-                  <a:noFill/>
-                </a:ln>
-                <a:solidFill>
-                  <a:srgbClr val="000080"/>
-                </a:solidFill>
-                <a:effectLst/>
-                <a:latin typeface="JetBrains Mono"/>
-              </a:rPr>
-              <a:t>public void </a:t>
-            </a:r>
-            <a:r>
-              <a:rPr kumimoji="0" lang="en-US" altLang="en-US" sz="1400" b="0" i="0" u="none" strike="noStrike" cap="none" normalizeH="0" baseline="0" dirty="0" err="1">
-                <a:ln>
-                  <a:noFill/>
-                </a:ln>
-                <a:solidFill>
-                  <a:srgbClr val="000000"/>
-                </a:solidFill>
-                <a:effectLst/>
-                <a:latin typeface="JetBrains Mono"/>
-              </a:rPr>
-              <a:t>setLength</a:t>
-            </a:r>
-            <a:r>
-              <a:rPr kumimoji="0" lang="en-US" altLang="en-US" sz="1400" b="0" i="0" u="none" strike="noStrike" cap="none" normalizeH="0" baseline="0" dirty="0">
-                <a:ln>
-                  <a:noFill/>
-                </a:ln>
-                <a:solidFill>
-                  <a:srgbClr val="000000"/>
-                </a:solidFill>
-                <a:effectLst/>
-                <a:latin typeface="JetBrains Mono"/>
-              </a:rPr>
-              <a:t>(</a:t>
-            </a:r>
-            <a:r>
-              <a:rPr kumimoji="0" lang="en-US" altLang="en-US" sz="1400" b="1" i="0" u="none" strike="noStrike" cap="none" normalizeH="0" baseline="0" dirty="0">
-                <a:ln>
-                  <a:noFill/>
-                </a:ln>
-                <a:solidFill>
-                  <a:srgbClr val="000080"/>
-                </a:solidFill>
-                <a:effectLst/>
-                <a:latin typeface="JetBrains Mono"/>
-              </a:rPr>
-              <a:t>int </a:t>
-            </a:r>
-            <a:r>
-              <a:rPr kumimoji="0" lang="en-US" altLang="en-US" sz="1400" b="0" i="0" u="none" strike="noStrike" cap="none" normalizeH="0" baseline="0" dirty="0">
-                <a:ln>
-                  <a:noFill/>
-                </a:ln>
-                <a:solidFill>
-                  <a:srgbClr val="000000"/>
-                </a:solidFill>
-                <a:effectLst/>
-                <a:latin typeface="JetBrains Mono"/>
-              </a:rPr>
-              <a:t>length) {</a:t>
-            </a:r>
-            <a:br>
-              <a:rPr kumimoji="0" lang="en-US" altLang="en-US" sz="1400" b="0" i="0" u="none" strike="noStrike" cap="none" normalizeH="0" baseline="0" dirty="0">
-                <a:ln>
-                  <a:noFill/>
-                </a:ln>
-                <a:solidFill>
-                  <a:srgbClr val="000000"/>
-                </a:solidFill>
-                <a:effectLst/>
-                <a:latin typeface="JetBrains Mono"/>
-              </a:rPr>
-            </a:br>
-            <a:r>
-              <a:rPr kumimoji="0" lang="en-US" altLang="en-US" sz="1400" b="0" i="0" u="none" strike="noStrike" cap="none" normalizeH="0" baseline="0" dirty="0">
-                <a:ln>
-                  <a:noFill/>
-                </a:ln>
-                <a:solidFill>
-                  <a:srgbClr val="000000"/>
-                </a:solidFill>
-                <a:effectLst/>
-                <a:latin typeface="JetBrains Mono"/>
-              </a:rPr>
-              <a:t>        </a:t>
-            </a:r>
-            <a:r>
-              <a:rPr kumimoji="0" lang="en-US" altLang="en-US" sz="1400" b="1" i="0" u="none" strike="noStrike" cap="none" normalizeH="0" baseline="0" dirty="0">
-                <a:ln>
-                  <a:noFill/>
-                </a:ln>
-                <a:solidFill>
-                  <a:srgbClr val="000080"/>
-                </a:solidFill>
-                <a:effectLst/>
-                <a:latin typeface="JetBrains Mono"/>
-              </a:rPr>
-              <a:t>if</a:t>
-            </a:r>
-            <a:r>
-              <a:rPr kumimoji="0" lang="en-US" altLang="en-US" sz="1400" b="0" i="0" u="none" strike="noStrike" cap="none" normalizeH="0" baseline="0" dirty="0">
-                <a:ln>
-                  <a:noFill/>
-                </a:ln>
-                <a:solidFill>
-                  <a:srgbClr val="000000"/>
-                </a:solidFill>
-                <a:effectLst/>
-                <a:latin typeface="JetBrains Mono"/>
-              </a:rPr>
-              <a:t>(length&gt;</a:t>
-            </a:r>
-            <a:r>
-              <a:rPr kumimoji="0" lang="en-US" altLang="en-US" sz="1400" b="0" i="0" u="none" strike="noStrike" cap="none" normalizeH="0" baseline="0" dirty="0">
-                <a:ln>
-                  <a:noFill/>
-                </a:ln>
-                <a:solidFill>
-                  <a:srgbClr val="0000FF"/>
-                </a:solidFill>
-                <a:effectLst/>
-                <a:latin typeface="JetBrains Mono"/>
-              </a:rPr>
-              <a:t>0</a:t>
-            </a:r>
-            <a:r>
-              <a:rPr kumimoji="0" lang="en-US" altLang="en-US" sz="1400" b="0" i="0" u="none" strike="noStrike" cap="none" normalizeH="0" baseline="0" dirty="0">
-                <a:ln>
-                  <a:noFill/>
-                </a:ln>
-                <a:solidFill>
-                  <a:srgbClr val="000000"/>
-                </a:solidFill>
-                <a:effectLst/>
-                <a:latin typeface="JetBrains Mono"/>
-              </a:rPr>
-              <a:t>) </a:t>
-            </a:r>
-            <a:r>
-              <a:rPr kumimoji="0" lang="en-US" altLang="en-US" sz="1400" b="1" i="0" u="none" strike="noStrike" cap="none" normalizeH="0" baseline="0" dirty="0" err="1">
-                <a:ln>
-                  <a:noFill/>
-                </a:ln>
-                <a:solidFill>
-                  <a:srgbClr val="000080"/>
-                </a:solidFill>
-                <a:effectLst/>
-                <a:latin typeface="JetBrains Mono"/>
-              </a:rPr>
-              <a:t>this</a:t>
-            </a:r>
-            <a:r>
-              <a:rPr kumimoji="0" lang="en-US" altLang="en-US" sz="1400" b="0" i="0" u="none" strike="noStrike" cap="none" normalizeH="0" baseline="0" dirty="0" err="1">
-                <a:ln>
-                  <a:noFill/>
-                </a:ln>
-                <a:solidFill>
-                  <a:srgbClr val="000000"/>
-                </a:solidFill>
-                <a:effectLst/>
-                <a:latin typeface="JetBrains Mono"/>
-              </a:rPr>
-              <a:t>.</a:t>
-            </a:r>
-            <a:r>
-              <a:rPr kumimoji="0" lang="en-US" altLang="en-US" sz="1400" b="1" i="0" u="none" strike="noStrike" cap="none" normalizeH="0" baseline="0" dirty="0" err="1">
-                <a:ln>
-                  <a:noFill/>
-                </a:ln>
-                <a:solidFill>
-                  <a:srgbClr val="660E7A"/>
-                </a:solidFill>
-                <a:effectLst/>
-                <a:latin typeface="JetBrains Mono"/>
-              </a:rPr>
-              <a:t>length</a:t>
-            </a:r>
-            <a:r>
-              <a:rPr kumimoji="0" lang="en-US" altLang="en-US" sz="1400" b="1" i="0" u="none" strike="noStrike" cap="none" normalizeH="0" baseline="0" dirty="0">
-                <a:ln>
-                  <a:noFill/>
-                </a:ln>
-                <a:solidFill>
-                  <a:srgbClr val="660E7A"/>
-                </a:solidFill>
-                <a:effectLst/>
-                <a:latin typeface="JetBrains Mono"/>
-              </a:rPr>
-              <a:t> </a:t>
-            </a:r>
-            <a:r>
-              <a:rPr kumimoji="0" lang="en-US" altLang="en-US" sz="1400" b="0" i="0" u="none" strike="noStrike" cap="none" normalizeH="0" baseline="0" dirty="0">
-                <a:ln>
-                  <a:noFill/>
-                </a:ln>
-                <a:solidFill>
-                  <a:srgbClr val="000000"/>
-                </a:solidFill>
-                <a:effectLst/>
-                <a:latin typeface="JetBrains Mono"/>
-              </a:rPr>
-              <a:t>= length;</a:t>
-            </a:r>
-            <a:br>
-              <a:rPr kumimoji="0" lang="en-US" altLang="en-US" sz="1400" b="0" i="0" u="none" strike="noStrike" cap="none" normalizeH="0" baseline="0" dirty="0">
-                <a:ln>
-                  <a:noFill/>
-                </a:ln>
-                <a:solidFill>
-                  <a:srgbClr val="000000"/>
-                </a:solidFill>
-                <a:effectLst/>
-                <a:latin typeface="JetBrains Mono"/>
-              </a:rPr>
-            </a:br>
-            <a:r>
-              <a:rPr kumimoji="0" lang="en-US" altLang="en-US" sz="1400" b="0" i="0" u="none" strike="noStrike" cap="none" normalizeH="0" baseline="0" dirty="0">
-                <a:ln>
-                  <a:noFill/>
-                </a:ln>
-                <a:solidFill>
-                  <a:srgbClr val="000000"/>
-                </a:solidFill>
-                <a:effectLst/>
-                <a:latin typeface="JetBrains Mono"/>
-              </a:rPr>
-              <a:t>    }</a:t>
-            </a:r>
-            <a:br>
-              <a:rPr kumimoji="0" lang="en-US" altLang="en-US" sz="1400" b="0" i="0" u="none" strike="noStrike" cap="none" normalizeH="0" baseline="0" dirty="0">
-                <a:ln>
-                  <a:noFill/>
-                </a:ln>
-                <a:solidFill>
-                  <a:srgbClr val="000000"/>
-                </a:solidFill>
-                <a:effectLst/>
-                <a:latin typeface="JetBrains Mono"/>
-              </a:rPr>
-            </a:br>
-            <a:br>
-              <a:rPr kumimoji="0" lang="en-US" altLang="en-US" sz="1400" b="0" i="0" u="none" strike="noStrike" cap="none" normalizeH="0" baseline="0" dirty="0">
-                <a:ln>
-                  <a:noFill/>
-                </a:ln>
-                <a:solidFill>
-                  <a:srgbClr val="000000"/>
-                </a:solidFill>
-                <a:effectLst/>
-                <a:latin typeface="JetBrains Mono"/>
-              </a:rPr>
-            </a:br>
-            <a:r>
-              <a:rPr kumimoji="0" lang="en-US" altLang="en-US" sz="1400" b="0" i="0" u="none" strike="noStrike" cap="none" normalizeH="0" baseline="0" dirty="0">
-                <a:ln>
-                  <a:noFill/>
-                </a:ln>
-                <a:solidFill>
-                  <a:srgbClr val="000000"/>
-                </a:solidFill>
-                <a:effectLst/>
-                <a:latin typeface="JetBrains Mono"/>
-              </a:rPr>
-              <a:t>    </a:t>
-            </a:r>
-            <a:r>
-              <a:rPr kumimoji="0" lang="en-US" altLang="en-US" sz="1400" b="1" i="0" u="none" strike="noStrike" cap="none" normalizeH="0" baseline="0" dirty="0">
-                <a:ln>
-                  <a:noFill/>
-                </a:ln>
-                <a:solidFill>
-                  <a:srgbClr val="000080"/>
-                </a:solidFill>
-                <a:effectLst/>
-                <a:latin typeface="JetBrains Mono"/>
-              </a:rPr>
-              <a:t>public void </a:t>
-            </a:r>
-            <a:r>
-              <a:rPr kumimoji="0" lang="en-US" altLang="en-US" sz="1400" b="0" i="0" u="none" strike="noStrike" cap="none" normalizeH="0" baseline="0" dirty="0" err="1">
-                <a:ln>
-                  <a:noFill/>
-                </a:ln>
-                <a:solidFill>
-                  <a:srgbClr val="000000"/>
-                </a:solidFill>
-                <a:effectLst/>
-                <a:latin typeface="JetBrains Mono"/>
-              </a:rPr>
-              <a:t>setWidth</a:t>
-            </a:r>
-            <a:r>
-              <a:rPr kumimoji="0" lang="en-US" altLang="en-US" sz="1400" b="0" i="0" u="none" strike="noStrike" cap="none" normalizeH="0" baseline="0" dirty="0">
-                <a:ln>
-                  <a:noFill/>
-                </a:ln>
-                <a:solidFill>
-                  <a:srgbClr val="000000"/>
-                </a:solidFill>
-                <a:effectLst/>
-                <a:latin typeface="JetBrains Mono"/>
-              </a:rPr>
-              <a:t>(</a:t>
-            </a:r>
-            <a:r>
-              <a:rPr kumimoji="0" lang="en-US" altLang="en-US" sz="1400" b="1" i="0" u="none" strike="noStrike" cap="none" normalizeH="0" baseline="0" dirty="0">
-                <a:ln>
-                  <a:noFill/>
-                </a:ln>
-                <a:solidFill>
-                  <a:srgbClr val="000080"/>
-                </a:solidFill>
-                <a:effectLst/>
-                <a:latin typeface="JetBrains Mono"/>
-              </a:rPr>
-              <a:t>int </a:t>
-            </a:r>
-            <a:r>
-              <a:rPr kumimoji="0" lang="en-US" altLang="en-US" sz="1400" b="0" i="0" u="none" strike="noStrike" cap="none" normalizeH="0" baseline="0" dirty="0">
-                <a:ln>
-                  <a:noFill/>
-                </a:ln>
-                <a:solidFill>
-                  <a:srgbClr val="000000"/>
-                </a:solidFill>
-                <a:effectLst/>
-                <a:latin typeface="JetBrains Mono"/>
-              </a:rPr>
-              <a:t>width) {</a:t>
-            </a:r>
-            <a:br>
-              <a:rPr kumimoji="0" lang="en-US" altLang="en-US" sz="1400" b="0" i="0" u="none" strike="noStrike" cap="none" normalizeH="0" baseline="0" dirty="0">
-                <a:ln>
-                  <a:noFill/>
-                </a:ln>
-                <a:solidFill>
-                  <a:srgbClr val="000000"/>
-                </a:solidFill>
-                <a:effectLst/>
-                <a:latin typeface="JetBrains Mono"/>
-              </a:rPr>
-            </a:br>
-            <a:r>
-              <a:rPr kumimoji="0" lang="en-US" altLang="en-US" sz="1400" b="0" i="0" u="none" strike="noStrike" cap="none" normalizeH="0" baseline="0" dirty="0">
-                <a:ln>
-                  <a:noFill/>
-                </a:ln>
-                <a:solidFill>
-                  <a:srgbClr val="000000"/>
-                </a:solidFill>
-                <a:effectLst/>
-                <a:latin typeface="JetBrains Mono"/>
-              </a:rPr>
-              <a:t>        </a:t>
-            </a:r>
-            <a:r>
-              <a:rPr kumimoji="0" lang="en-US" altLang="en-US" sz="1400" b="1" i="0" u="none" strike="noStrike" cap="none" normalizeH="0" baseline="0" dirty="0">
-                <a:ln>
-                  <a:noFill/>
-                </a:ln>
-                <a:solidFill>
-                  <a:srgbClr val="000080"/>
-                </a:solidFill>
-                <a:effectLst/>
-                <a:latin typeface="JetBrains Mono"/>
-              </a:rPr>
-              <a:t>if</a:t>
-            </a:r>
-            <a:r>
-              <a:rPr kumimoji="0" lang="en-US" altLang="en-US" sz="1400" b="0" i="0" u="none" strike="noStrike" cap="none" normalizeH="0" baseline="0" dirty="0">
-                <a:ln>
-                  <a:noFill/>
-                </a:ln>
-                <a:solidFill>
-                  <a:srgbClr val="000000"/>
-                </a:solidFill>
-                <a:effectLst/>
-                <a:latin typeface="JetBrains Mono"/>
-              </a:rPr>
-              <a:t>(width &gt; </a:t>
-            </a:r>
-            <a:r>
-              <a:rPr kumimoji="0" lang="en-US" altLang="en-US" sz="1400" b="0" i="0" u="none" strike="noStrike" cap="none" normalizeH="0" baseline="0" dirty="0">
-                <a:ln>
-                  <a:noFill/>
-                </a:ln>
-                <a:solidFill>
-                  <a:srgbClr val="0000FF"/>
-                </a:solidFill>
-                <a:effectLst/>
-                <a:latin typeface="JetBrains Mono"/>
-              </a:rPr>
-              <a:t>0</a:t>
-            </a:r>
-            <a:r>
-              <a:rPr kumimoji="0" lang="en-US" altLang="en-US" sz="1400" b="0" i="0" u="none" strike="noStrike" cap="none" normalizeH="0" baseline="0" dirty="0">
-                <a:ln>
-                  <a:noFill/>
-                </a:ln>
-                <a:solidFill>
-                  <a:srgbClr val="000000"/>
-                </a:solidFill>
-                <a:effectLst/>
-                <a:latin typeface="JetBrains Mono"/>
-              </a:rPr>
-              <a:t>) </a:t>
-            </a:r>
-            <a:r>
-              <a:rPr kumimoji="0" lang="en-US" altLang="en-US" sz="1400" b="1" i="0" u="none" strike="noStrike" cap="none" normalizeH="0" baseline="0" dirty="0" err="1">
-                <a:ln>
-                  <a:noFill/>
-                </a:ln>
-                <a:solidFill>
-                  <a:srgbClr val="000080"/>
-                </a:solidFill>
-                <a:effectLst/>
-                <a:latin typeface="JetBrains Mono"/>
-              </a:rPr>
-              <a:t>this</a:t>
-            </a:r>
-            <a:r>
-              <a:rPr kumimoji="0" lang="en-US" altLang="en-US" sz="1400" b="0" i="0" u="none" strike="noStrike" cap="none" normalizeH="0" baseline="0" dirty="0" err="1">
-                <a:ln>
-                  <a:noFill/>
-                </a:ln>
-                <a:solidFill>
-                  <a:srgbClr val="000000"/>
-                </a:solidFill>
-                <a:effectLst/>
-                <a:latin typeface="JetBrains Mono"/>
-              </a:rPr>
-              <a:t>.</a:t>
-            </a:r>
-            <a:r>
-              <a:rPr kumimoji="0" lang="en-US" altLang="en-US" sz="1400" b="1" i="0" u="none" strike="noStrike" cap="none" normalizeH="0" baseline="0" dirty="0" err="1">
-                <a:ln>
-                  <a:noFill/>
-                </a:ln>
-                <a:solidFill>
-                  <a:srgbClr val="660E7A"/>
-                </a:solidFill>
-                <a:effectLst/>
-                <a:latin typeface="JetBrains Mono"/>
-              </a:rPr>
-              <a:t>width</a:t>
-            </a:r>
-            <a:r>
-              <a:rPr kumimoji="0" lang="en-US" altLang="en-US" sz="1400" b="1" i="0" u="none" strike="noStrike" cap="none" normalizeH="0" baseline="0" dirty="0">
-                <a:ln>
-                  <a:noFill/>
-                </a:ln>
-                <a:solidFill>
-                  <a:srgbClr val="660E7A"/>
-                </a:solidFill>
-                <a:effectLst/>
-                <a:latin typeface="JetBrains Mono"/>
-              </a:rPr>
-              <a:t> </a:t>
-            </a:r>
-            <a:r>
-              <a:rPr kumimoji="0" lang="en-US" altLang="en-US" sz="1400" b="0" i="0" u="none" strike="noStrike" cap="none" normalizeH="0" baseline="0" dirty="0">
-                <a:ln>
-                  <a:noFill/>
-                </a:ln>
-                <a:solidFill>
-                  <a:srgbClr val="000000"/>
-                </a:solidFill>
-                <a:effectLst/>
-                <a:latin typeface="JetBrains Mono"/>
-              </a:rPr>
-              <a:t>= width;</a:t>
-            </a:r>
-            <a:br>
-              <a:rPr kumimoji="0" lang="en-US" altLang="en-US" sz="1400" b="0" i="0" u="none" strike="noStrike" cap="none" normalizeH="0" baseline="0" dirty="0">
-                <a:ln>
-                  <a:noFill/>
-                </a:ln>
-                <a:solidFill>
-                  <a:srgbClr val="000000"/>
-                </a:solidFill>
-                <a:effectLst/>
-                <a:latin typeface="JetBrains Mono"/>
-              </a:rPr>
-            </a:br>
-            <a:r>
-              <a:rPr kumimoji="0" lang="en-US" altLang="en-US" sz="1400" b="0" i="0" u="none" strike="noStrike" cap="none" normalizeH="0" baseline="0" dirty="0">
-                <a:ln>
-                  <a:noFill/>
-                </a:ln>
-                <a:solidFill>
-                  <a:srgbClr val="000000"/>
-                </a:solidFill>
-                <a:effectLst/>
-                <a:latin typeface="JetBrains Mono"/>
-              </a:rPr>
-              <a:t>    }</a:t>
-            </a:r>
-            <a:br>
-              <a:rPr kumimoji="0" lang="en-US" altLang="en-US" sz="1400" b="0" i="0" u="none" strike="noStrike" cap="none" normalizeH="0" baseline="0" dirty="0">
-                <a:ln>
-                  <a:noFill/>
-                </a:ln>
-                <a:solidFill>
-                  <a:srgbClr val="000000"/>
-                </a:solidFill>
-                <a:effectLst/>
-                <a:latin typeface="JetBrains Mono"/>
-              </a:rPr>
-            </a:br>
-            <a:r>
-              <a:rPr kumimoji="0" lang="en-US" altLang="en-US" sz="1400" b="0" i="0" u="none" strike="noStrike" cap="none" normalizeH="0" baseline="0" dirty="0">
-                <a:ln>
-                  <a:noFill/>
-                </a:ln>
-                <a:solidFill>
-                  <a:srgbClr val="000000"/>
-                </a:solidFill>
-                <a:effectLst/>
-                <a:latin typeface="JetBrains Mono"/>
-              </a:rPr>
-              <a:t>    </a:t>
-            </a:r>
-            <a:br>
-              <a:rPr kumimoji="0" lang="en-US" altLang="en-US" sz="1400" b="0" i="0" u="none" strike="noStrike" cap="none" normalizeH="0" baseline="0" dirty="0">
-                <a:ln>
-                  <a:noFill/>
-                </a:ln>
-                <a:solidFill>
-                  <a:srgbClr val="000000"/>
-                </a:solidFill>
-                <a:effectLst/>
-                <a:latin typeface="JetBrains Mono"/>
-              </a:rPr>
-            </a:br>
-            <a:r>
-              <a:rPr kumimoji="0" lang="en-US" altLang="en-US" sz="1400" b="0" i="0" u="none" strike="noStrike" cap="none" normalizeH="0" baseline="0" dirty="0">
-                <a:ln>
-                  <a:noFill/>
-                </a:ln>
-                <a:solidFill>
-                  <a:srgbClr val="000000"/>
-                </a:solidFill>
-                <a:effectLst/>
-                <a:latin typeface="JetBrains Mono"/>
-              </a:rPr>
-              <a:t>    </a:t>
-            </a:r>
-            <a:r>
-              <a:rPr kumimoji="0" lang="en-US" altLang="en-US" sz="1400" b="1" i="0" u="none" strike="noStrike" cap="none" normalizeH="0" baseline="0" dirty="0">
-                <a:ln>
-                  <a:noFill/>
-                </a:ln>
-                <a:solidFill>
-                  <a:srgbClr val="000080"/>
-                </a:solidFill>
-                <a:effectLst/>
-                <a:latin typeface="JetBrains Mono"/>
-              </a:rPr>
-              <a:t>public int </a:t>
-            </a:r>
-            <a:r>
-              <a:rPr kumimoji="0" lang="en-US" altLang="en-US" sz="1400" b="0" i="0" u="none" strike="noStrike" cap="none" normalizeH="0" baseline="0" dirty="0" err="1">
-                <a:ln>
-                  <a:noFill/>
-                </a:ln>
-                <a:solidFill>
-                  <a:srgbClr val="000000"/>
-                </a:solidFill>
-                <a:effectLst/>
-                <a:latin typeface="JetBrains Mono"/>
-              </a:rPr>
-              <a:t>getLength</a:t>
-            </a:r>
-            <a:r>
-              <a:rPr kumimoji="0" lang="en-US" altLang="en-US" sz="1400" b="0" i="0" u="none" strike="noStrike" cap="none" normalizeH="0" baseline="0" dirty="0">
-                <a:ln>
-                  <a:noFill/>
-                </a:ln>
-                <a:solidFill>
-                  <a:srgbClr val="000000"/>
-                </a:solidFill>
-                <a:effectLst/>
-                <a:latin typeface="JetBrains Mono"/>
-              </a:rPr>
-              <a:t>() {</a:t>
-            </a:r>
-            <a:br>
-              <a:rPr kumimoji="0" lang="en-US" altLang="en-US" sz="1400" b="0" i="0" u="none" strike="noStrike" cap="none" normalizeH="0" baseline="0" dirty="0">
-                <a:ln>
-                  <a:noFill/>
-                </a:ln>
-                <a:solidFill>
-                  <a:srgbClr val="000000"/>
-                </a:solidFill>
-                <a:effectLst/>
-                <a:latin typeface="JetBrains Mono"/>
-              </a:rPr>
-            </a:br>
-            <a:r>
-              <a:rPr kumimoji="0" lang="en-US" altLang="en-US" sz="1400" b="0" i="0" u="none" strike="noStrike" cap="none" normalizeH="0" baseline="0" dirty="0">
-                <a:ln>
-                  <a:noFill/>
-                </a:ln>
-                <a:solidFill>
-                  <a:srgbClr val="000000"/>
-                </a:solidFill>
-                <a:effectLst/>
-                <a:latin typeface="JetBrains Mono"/>
-              </a:rPr>
-              <a:t>        </a:t>
-            </a:r>
-            <a:r>
-              <a:rPr kumimoji="0" lang="en-US" altLang="en-US" sz="1400" b="1" i="0" u="none" strike="noStrike" cap="none" normalizeH="0" baseline="0" dirty="0">
-                <a:ln>
-                  <a:noFill/>
-                </a:ln>
-                <a:solidFill>
-                  <a:srgbClr val="000080"/>
-                </a:solidFill>
-                <a:effectLst/>
-                <a:latin typeface="JetBrains Mono"/>
-              </a:rPr>
-              <a:t>return </a:t>
-            </a:r>
-            <a:r>
-              <a:rPr kumimoji="0" lang="en-US" altLang="en-US" sz="1400" b="1" i="0" u="none" strike="noStrike" cap="none" normalizeH="0" baseline="0" dirty="0">
-                <a:ln>
-                  <a:noFill/>
-                </a:ln>
-                <a:solidFill>
-                  <a:srgbClr val="660E7A"/>
-                </a:solidFill>
-                <a:effectLst/>
-                <a:latin typeface="JetBrains Mono"/>
-              </a:rPr>
-              <a:t>length</a:t>
-            </a:r>
-            <a:r>
-              <a:rPr kumimoji="0" lang="en-US" altLang="en-US" sz="1400" b="0" i="0" u="none" strike="noStrike" cap="none" normalizeH="0" baseline="0" dirty="0">
-                <a:ln>
-                  <a:noFill/>
-                </a:ln>
-                <a:solidFill>
-                  <a:srgbClr val="000000"/>
-                </a:solidFill>
-                <a:effectLst/>
-                <a:latin typeface="JetBrains Mono"/>
-              </a:rPr>
-              <a:t>;</a:t>
-            </a:r>
-            <a:br>
-              <a:rPr kumimoji="0" lang="en-US" altLang="en-US" sz="1400" b="0" i="0" u="none" strike="noStrike" cap="none" normalizeH="0" baseline="0" dirty="0">
-                <a:ln>
-                  <a:noFill/>
-                </a:ln>
-                <a:solidFill>
-                  <a:srgbClr val="000000"/>
-                </a:solidFill>
-                <a:effectLst/>
-                <a:latin typeface="JetBrains Mono"/>
-              </a:rPr>
-            </a:br>
-            <a:r>
-              <a:rPr kumimoji="0" lang="en-US" altLang="en-US" sz="1400" b="0" i="0" u="none" strike="noStrike" cap="none" normalizeH="0" baseline="0" dirty="0">
-                <a:ln>
-                  <a:noFill/>
-                </a:ln>
-                <a:solidFill>
-                  <a:srgbClr val="000000"/>
-                </a:solidFill>
-                <a:effectLst/>
-                <a:latin typeface="JetBrains Mono"/>
-              </a:rPr>
-              <a:t>    }</a:t>
-            </a:r>
-            <a:br>
-              <a:rPr kumimoji="0" lang="en-US" altLang="en-US" sz="1400" b="0" i="0" u="none" strike="noStrike" cap="none" normalizeH="0" baseline="0" dirty="0">
-                <a:ln>
-                  <a:noFill/>
-                </a:ln>
-                <a:solidFill>
-                  <a:srgbClr val="000000"/>
-                </a:solidFill>
-                <a:effectLst/>
-                <a:latin typeface="JetBrains Mono"/>
-              </a:rPr>
-            </a:br>
-            <a:br>
-              <a:rPr kumimoji="0" lang="en-US" altLang="en-US" sz="1400" b="0" i="0" u="none" strike="noStrike" cap="none" normalizeH="0" baseline="0" dirty="0">
-                <a:ln>
-                  <a:noFill/>
-                </a:ln>
-                <a:solidFill>
-                  <a:srgbClr val="000000"/>
-                </a:solidFill>
-                <a:effectLst/>
-                <a:latin typeface="JetBrains Mono"/>
-              </a:rPr>
-            </a:br>
-            <a:r>
-              <a:rPr kumimoji="0" lang="en-US" altLang="en-US" sz="1400" b="0" i="0" u="none" strike="noStrike" cap="none" normalizeH="0" baseline="0" dirty="0">
-                <a:ln>
-                  <a:noFill/>
-                </a:ln>
-                <a:solidFill>
-                  <a:srgbClr val="000000"/>
-                </a:solidFill>
-                <a:effectLst/>
-                <a:latin typeface="JetBrains Mono"/>
-              </a:rPr>
-              <a:t>    </a:t>
-            </a:r>
-            <a:r>
-              <a:rPr kumimoji="0" lang="en-US" altLang="en-US" sz="1400" b="1" i="0" u="none" strike="noStrike" cap="none" normalizeH="0" baseline="0" dirty="0">
-                <a:ln>
-                  <a:noFill/>
-                </a:ln>
-                <a:solidFill>
-                  <a:srgbClr val="000080"/>
-                </a:solidFill>
-                <a:effectLst/>
-                <a:latin typeface="JetBrains Mono"/>
-              </a:rPr>
-              <a:t>public int </a:t>
-            </a:r>
-            <a:r>
-              <a:rPr kumimoji="0" lang="en-US" altLang="en-US" sz="1400" b="0" i="0" u="none" strike="noStrike" cap="none" normalizeH="0" baseline="0" dirty="0" err="1">
-                <a:ln>
-                  <a:noFill/>
-                </a:ln>
-                <a:solidFill>
-                  <a:srgbClr val="000000"/>
-                </a:solidFill>
-                <a:effectLst/>
-                <a:latin typeface="JetBrains Mono"/>
-              </a:rPr>
-              <a:t>getWidth</a:t>
-            </a:r>
-            <a:r>
-              <a:rPr kumimoji="0" lang="en-US" altLang="en-US" sz="1400" b="0" i="0" u="none" strike="noStrike" cap="none" normalizeH="0" baseline="0" dirty="0">
-                <a:ln>
-                  <a:noFill/>
-                </a:ln>
-                <a:solidFill>
-                  <a:srgbClr val="000000"/>
-                </a:solidFill>
-                <a:effectLst/>
-                <a:latin typeface="JetBrains Mono"/>
-              </a:rPr>
-              <a:t>() {</a:t>
-            </a:r>
-            <a:br>
-              <a:rPr kumimoji="0" lang="en-US" altLang="en-US" sz="1400" b="0" i="0" u="none" strike="noStrike" cap="none" normalizeH="0" baseline="0" dirty="0">
-                <a:ln>
-                  <a:noFill/>
-                </a:ln>
-                <a:solidFill>
-                  <a:srgbClr val="000000"/>
-                </a:solidFill>
-                <a:effectLst/>
-                <a:latin typeface="JetBrains Mono"/>
-              </a:rPr>
-            </a:br>
-            <a:r>
-              <a:rPr kumimoji="0" lang="en-US" altLang="en-US" sz="1400" b="0" i="0" u="none" strike="noStrike" cap="none" normalizeH="0" baseline="0" dirty="0">
-                <a:ln>
-                  <a:noFill/>
-                </a:ln>
-                <a:solidFill>
-                  <a:srgbClr val="000000"/>
-                </a:solidFill>
-                <a:effectLst/>
-                <a:latin typeface="JetBrains Mono"/>
-              </a:rPr>
-              <a:t>        </a:t>
-            </a:r>
-            <a:r>
-              <a:rPr kumimoji="0" lang="en-US" altLang="en-US" sz="1400" b="1" i="0" u="none" strike="noStrike" cap="none" normalizeH="0" baseline="0" dirty="0">
-                <a:ln>
-                  <a:noFill/>
-                </a:ln>
-                <a:solidFill>
-                  <a:srgbClr val="000080"/>
-                </a:solidFill>
-                <a:effectLst/>
-                <a:latin typeface="JetBrains Mono"/>
-              </a:rPr>
-              <a:t>return </a:t>
-            </a:r>
-            <a:r>
-              <a:rPr kumimoji="0" lang="en-US" altLang="en-US" sz="1400" b="1" i="0" u="none" strike="noStrike" cap="none" normalizeH="0" baseline="0" dirty="0">
-                <a:ln>
-                  <a:noFill/>
-                </a:ln>
-                <a:solidFill>
-                  <a:srgbClr val="660E7A"/>
-                </a:solidFill>
-                <a:effectLst/>
-                <a:latin typeface="JetBrains Mono"/>
-              </a:rPr>
-              <a:t>width</a:t>
-            </a:r>
-            <a:r>
-              <a:rPr kumimoji="0" lang="en-US" altLang="en-US" sz="1400" b="0" i="0" u="none" strike="noStrike" cap="none" normalizeH="0" baseline="0" dirty="0">
-                <a:ln>
-                  <a:noFill/>
-                </a:ln>
-                <a:solidFill>
-                  <a:srgbClr val="000000"/>
-                </a:solidFill>
-                <a:effectLst/>
-                <a:latin typeface="JetBrains Mono"/>
-              </a:rPr>
-              <a:t>;</a:t>
-            </a:r>
-            <a:br>
-              <a:rPr kumimoji="0" lang="en-US" altLang="en-US" sz="1400" b="0" i="0" u="none" strike="noStrike" cap="none" normalizeH="0" baseline="0" dirty="0">
-                <a:ln>
-                  <a:noFill/>
-                </a:ln>
-                <a:solidFill>
-                  <a:srgbClr val="000000"/>
-                </a:solidFill>
-                <a:effectLst/>
-                <a:latin typeface="JetBrains Mono"/>
-              </a:rPr>
-            </a:br>
-            <a:r>
-              <a:rPr kumimoji="0" lang="en-US" altLang="en-US" sz="1400" b="0" i="0" u="none" strike="noStrike" cap="none" normalizeH="0" baseline="0" dirty="0">
-                <a:ln>
-                  <a:noFill/>
-                </a:ln>
-                <a:solidFill>
-                  <a:srgbClr val="000000"/>
-                </a:solidFill>
-                <a:effectLst/>
-                <a:latin typeface="JetBrains Mono"/>
-              </a:rPr>
-              <a:t>    }</a:t>
-            </a:r>
-            <a:br>
-              <a:rPr kumimoji="0" lang="en-US" altLang="en-US" sz="1400" b="0" i="0" u="none" strike="noStrike" cap="none" normalizeH="0" baseline="0" dirty="0">
-                <a:ln>
-                  <a:noFill/>
-                </a:ln>
-                <a:solidFill>
-                  <a:srgbClr val="000000"/>
-                </a:solidFill>
-                <a:effectLst/>
-                <a:latin typeface="JetBrains Mono"/>
-              </a:rPr>
-            </a:br>
-            <a:r>
-              <a:rPr kumimoji="0" lang="en-US" altLang="en-US" sz="1400" b="0" i="0" u="none" strike="noStrike" cap="none" normalizeH="0" baseline="0" dirty="0">
-                <a:ln>
-                  <a:noFill/>
-                </a:ln>
-                <a:solidFill>
-                  <a:srgbClr val="000000"/>
-                </a:solidFill>
-                <a:effectLst/>
-                <a:latin typeface="JetBrains Mono"/>
-              </a:rPr>
-              <a:t>    </a:t>
-            </a:r>
-            <a:br>
-              <a:rPr kumimoji="0" lang="en-US" altLang="en-US" sz="1400" b="0" i="0" u="none" strike="noStrike" cap="none" normalizeH="0" baseline="0" dirty="0">
-                <a:ln>
-                  <a:noFill/>
-                </a:ln>
-                <a:solidFill>
-                  <a:srgbClr val="000000"/>
-                </a:solidFill>
-                <a:effectLst/>
-                <a:latin typeface="JetBrains Mono"/>
-              </a:rPr>
-            </a:br>
-            <a:r>
-              <a:rPr kumimoji="0" lang="en-US" altLang="en-US" sz="1400" b="0" i="0" u="none" strike="noStrike" cap="none" normalizeH="0" baseline="0" dirty="0">
-                <a:ln>
-                  <a:noFill/>
-                </a:ln>
-                <a:solidFill>
-                  <a:srgbClr val="000000"/>
-                </a:solidFill>
-                <a:effectLst/>
-                <a:latin typeface="JetBrains Mono"/>
-              </a:rPr>
-              <a:t>    </a:t>
-            </a:r>
-            <a:r>
-              <a:rPr kumimoji="0" lang="en-US" altLang="en-US" sz="1400" b="1" i="0" u="none" strike="noStrike" cap="none" normalizeH="0" baseline="0" dirty="0">
-                <a:ln>
-                  <a:noFill/>
-                </a:ln>
-                <a:solidFill>
-                  <a:srgbClr val="000080"/>
-                </a:solidFill>
-                <a:effectLst/>
-                <a:latin typeface="JetBrains Mono"/>
-              </a:rPr>
-              <a:t>public int </a:t>
-            </a:r>
-            <a:r>
-              <a:rPr kumimoji="0" lang="en-US" altLang="en-US" sz="1400" b="0" i="0" u="none" strike="noStrike" cap="none" normalizeH="0" baseline="0" dirty="0" err="1">
-                <a:ln>
-                  <a:noFill/>
-                </a:ln>
-                <a:solidFill>
-                  <a:srgbClr val="000000"/>
-                </a:solidFill>
-                <a:effectLst/>
-                <a:latin typeface="JetBrains Mono"/>
-              </a:rPr>
-              <a:t>getArea</a:t>
-            </a:r>
-            <a:r>
-              <a:rPr kumimoji="0" lang="en-US" altLang="en-US" sz="1400" b="0" i="0" u="none" strike="noStrike" cap="none" normalizeH="0" baseline="0" dirty="0">
-                <a:ln>
-                  <a:noFill/>
-                </a:ln>
-                <a:solidFill>
-                  <a:srgbClr val="000000"/>
-                </a:solidFill>
-                <a:effectLst/>
-                <a:latin typeface="JetBrains Mono"/>
-              </a:rPr>
-              <a:t>() {</a:t>
-            </a:r>
-            <a:br>
-              <a:rPr kumimoji="0" lang="en-US" altLang="en-US" sz="1400" b="0" i="0" u="none" strike="noStrike" cap="none" normalizeH="0" baseline="0" dirty="0">
-                <a:ln>
-                  <a:noFill/>
-                </a:ln>
-                <a:solidFill>
-                  <a:srgbClr val="000000"/>
-                </a:solidFill>
-                <a:effectLst/>
-                <a:latin typeface="JetBrains Mono"/>
-              </a:rPr>
-            </a:br>
-            <a:r>
-              <a:rPr kumimoji="0" lang="en-US" altLang="en-US" sz="1400" b="0" i="0" u="none" strike="noStrike" cap="none" normalizeH="0" baseline="0" dirty="0">
-                <a:ln>
-                  <a:noFill/>
-                </a:ln>
-                <a:solidFill>
-                  <a:srgbClr val="000000"/>
-                </a:solidFill>
-                <a:effectLst/>
-                <a:latin typeface="JetBrains Mono"/>
-              </a:rPr>
-              <a:t>        </a:t>
-            </a:r>
-            <a:r>
-              <a:rPr kumimoji="0" lang="en-US" altLang="en-US" sz="1400" b="1" i="0" u="none" strike="noStrike" cap="none" normalizeH="0" baseline="0" dirty="0">
-                <a:ln>
-                  <a:noFill/>
-                </a:ln>
-                <a:solidFill>
-                  <a:srgbClr val="000080"/>
-                </a:solidFill>
-                <a:effectLst/>
-                <a:latin typeface="JetBrains Mono"/>
-              </a:rPr>
-              <a:t>return </a:t>
-            </a:r>
-            <a:r>
-              <a:rPr kumimoji="0" lang="en-US" altLang="en-US" sz="1400" b="1" i="0" u="none" strike="noStrike" cap="none" normalizeH="0" baseline="0" dirty="0">
-                <a:ln>
-                  <a:noFill/>
-                </a:ln>
-                <a:solidFill>
-                  <a:srgbClr val="660E7A"/>
-                </a:solidFill>
-                <a:effectLst/>
-                <a:latin typeface="JetBrains Mono"/>
-              </a:rPr>
-              <a:t>length</a:t>
-            </a:r>
-            <a:r>
-              <a:rPr kumimoji="0" lang="en-US" altLang="en-US" sz="1400" b="0" i="0" u="none" strike="noStrike" cap="none" normalizeH="0" baseline="0" dirty="0">
-                <a:ln>
-                  <a:noFill/>
-                </a:ln>
-                <a:solidFill>
-                  <a:srgbClr val="000000"/>
-                </a:solidFill>
-                <a:effectLst/>
-                <a:latin typeface="JetBrains Mono"/>
-              </a:rPr>
-              <a:t>*</a:t>
-            </a:r>
-            <a:r>
-              <a:rPr kumimoji="0" lang="en-US" altLang="en-US" sz="1400" b="1" i="0" u="none" strike="noStrike" cap="none" normalizeH="0" baseline="0" dirty="0">
-                <a:ln>
-                  <a:noFill/>
-                </a:ln>
-                <a:solidFill>
-                  <a:srgbClr val="660E7A"/>
-                </a:solidFill>
-                <a:effectLst/>
-                <a:latin typeface="JetBrains Mono"/>
-              </a:rPr>
-              <a:t>width</a:t>
-            </a:r>
-            <a:r>
-              <a:rPr kumimoji="0" lang="en-US" altLang="en-US" sz="1400" b="0" i="0" u="none" strike="noStrike" cap="none" normalizeH="0" baseline="0" dirty="0">
-                <a:ln>
-                  <a:noFill/>
-                </a:ln>
-                <a:solidFill>
-                  <a:srgbClr val="000000"/>
-                </a:solidFill>
-                <a:effectLst/>
-                <a:latin typeface="JetBrains Mono"/>
-              </a:rPr>
-              <a:t>;</a:t>
-            </a:r>
-            <a:br>
-              <a:rPr kumimoji="0" lang="en-US" altLang="en-US" sz="1400" b="0" i="0" u="none" strike="noStrike" cap="none" normalizeH="0" baseline="0" dirty="0">
-                <a:ln>
-                  <a:noFill/>
-                </a:ln>
-                <a:solidFill>
-                  <a:srgbClr val="000000"/>
-                </a:solidFill>
-                <a:effectLst/>
-                <a:latin typeface="JetBrains Mono"/>
-              </a:rPr>
-            </a:br>
-            <a:r>
-              <a:rPr kumimoji="0" lang="en-US" altLang="en-US" sz="1400" b="0" i="0" u="none" strike="noStrike" cap="none" normalizeH="0" baseline="0" dirty="0">
-                <a:ln>
-                  <a:noFill/>
-                </a:ln>
-                <a:solidFill>
-                  <a:srgbClr val="000000"/>
-                </a:solidFill>
-                <a:effectLst/>
-                <a:latin typeface="JetBrains Mono"/>
-              </a:rPr>
-              <a:t>    }</a:t>
-            </a:r>
-            <a:br>
-              <a:rPr kumimoji="0" lang="en-US" altLang="en-US" sz="1400" b="0" i="0" u="none" strike="noStrike" cap="none" normalizeH="0" baseline="0" dirty="0">
-                <a:ln>
-                  <a:noFill/>
-                </a:ln>
-                <a:solidFill>
-                  <a:srgbClr val="000000"/>
-                </a:solidFill>
-                <a:effectLst/>
-                <a:latin typeface="JetBrains Mono"/>
-              </a:rPr>
-            </a:br>
-            <a:r>
-              <a:rPr kumimoji="0" lang="en-US" altLang="en-US" sz="1400" b="0" i="0" u="none" strike="noStrike" cap="none" normalizeH="0" baseline="0" dirty="0">
-                <a:ln>
-                  <a:noFill/>
-                </a:ln>
-                <a:solidFill>
-                  <a:srgbClr val="000000"/>
-                </a:solidFill>
-                <a:effectLst/>
-                <a:latin typeface="JetBrains Mono"/>
-              </a:rPr>
-              <a:t>}</a:t>
-            </a:r>
-            <a:endParaRPr kumimoji="0" lang="en-US" altLang="en-US" sz="1400" b="0" i="0" u="none" strike="noStrike" cap="none" normalizeH="0" baseline="0" dirty="0">
-              <a:ln>
-                <a:noFill/>
-              </a:ln>
-              <a:solidFill>
-                <a:schemeClr val="tx1"/>
-              </a:solidFill>
-              <a:effectLst/>
-              <a:latin typeface="Arial" panose="020B0604020202020204" pitchFamily="34" charset="0"/>
-            </a:endParaRPr>
-          </a:p>
-        </p:txBody>
-      </p:sp>
-      <p:sp>
-        <p:nvSpPr>
-          <p:cNvPr id="7" name="Rectangle 2">
-            <a:extLst>
-              <a:ext uri="{FF2B5EF4-FFF2-40B4-BE49-F238E27FC236}">
-                <a16:creationId xmlns:a16="http://schemas.microsoft.com/office/drawing/2014/main" id="{C617A2FD-288E-4EBD-99AC-6B030EF0D751}"/>
-              </a:ext>
-            </a:extLst>
-          </p:cNvPr>
-          <p:cNvSpPr>
-            <a:spLocks noChangeArrowheads="1"/>
-          </p:cNvSpPr>
-          <p:nvPr/>
-        </p:nvSpPr>
-        <p:spPr bwMode="auto">
-          <a:xfrm>
-            <a:off x="4234216" y="1463722"/>
-            <a:ext cx="5602512" cy="5262979"/>
-          </a:xfrm>
-          <a:prstGeom prst="rect">
-            <a:avLst/>
-          </a:prstGeom>
-          <a:noFill/>
-          <a:ln>
-            <a:solidFill>
-              <a:schemeClr val="accent1"/>
-            </a:solidFill>
-          </a:ln>
-          <a:effectLst/>
-        </p:spPr>
-        <p:txBody>
-          <a:bodyPr vert="horz" wrap="square" lIns="91440" tIns="45720" rIns="91440" bIns="45720" numCol="1" anchor="ctr" anchorCtr="0" compatLnSpc="1">
-            <a:prstTxWarp prst="textNoShape">
-              <a:avLst/>
-            </a:prstTxWarp>
-            <a:spAutoFit/>
-          </a:bodyPr>
-          <a:lstStyle/>
-          <a:p>
-            <a:pPr marL="0" marR="0" lvl="0" indent="0" algn="l" defTabSz="914400" rtl="0" eaLnBrk="0" fontAlgn="base" latinLnBrk="0" hangingPunct="0">
-              <a:lnSpc>
-                <a:spcPct val="100000"/>
-              </a:lnSpc>
-              <a:spcBef>
-                <a:spcPct val="0"/>
-              </a:spcBef>
-              <a:spcAft>
-                <a:spcPct val="0"/>
-              </a:spcAft>
-              <a:buClrTx/>
-              <a:buSzTx/>
-              <a:buFontTx/>
-              <a:buNone/>
-              <a:tabLst/>
-            </a:pPr>
-            <a:r>
-              <a:rPr kumimoji="0" lang="en-US" altLang="en-US" sz="1400" b="1" i="0" u="none" strike="noStrike" cap="none" normalizeH="0" baseline="0" dirty="0">
-                <a:ln>
-                  <a:noFill/>
-                </a:ln>
-                <a:solidFill>
-                  <a:srgbClr val="000080"/>
-                </a:solidFill>
-                <a:effectLst/>
-                <a:latin typeface="JetBrains Mono"/>
-              </a:rPr>
-              <a:t>public class </a:t>
-            </a:r>
-            <a:r>
-              <a:rPr kumimoji="0" lang="en-US" altLang="en-US" sz="1400" b="0" i="0" u="none" strike="noStrike" cap="none" normalizeH="0" baseline="0" dirty="0" err="1">
-                <a:ln>
-                  <a:noFill/>
-                </a:ln>
-                <a:solidFill>
-                  <a:srgbClr val="000000"/>
-                </a:solidFill>
-                <a:effectLst/>
-                <a:latin typeface="JetBrains Mono"/>
-              </a:rPr>
-              <a:t>YourProgram</a:t>
-            </a:r>
-            <a:r>
-              <a:rPr kumimoji="0" lang="en-US" altLang="en-US" sz="1400" b="0" i="0" u="none" strike="noStrike" cap="none" normalizeH="0" baseline="0" dirty="0">
-                <a:ln>
-                  <a:noFill/>
-                </a:ln>
-                <a:solidFill>
-                  <a:srgbClr val="000000"/>
-                </a:solidFill>
-                <a:effectLst/>
-                <a:latin typeface="JetBrains Mono"/>
-              </a:rPr>
-              <a:t> {</a:t>
-            </a:r>
-            <a:br>
-              <a:rPr kumimoji="0" lang="en-US" altLang="en-US" sz="1400" b="0" i="0" u="none" strike="noStrike" cap="none" normalizeH="0" baseline="0" dirty="0">
-                <a:ln>
-                  <a:noFill/>
-                </a:ln>
-                <a:solidFill>
-                  <a:srgbClr val="000000"/>
-                </a:solidFill>
-                <a:effectLst/>
-                <a:latin typeface="JetBrains Mono"/>
-              </a:rPr>
-            </a:br>
-            <a:r>
-              <a:rPr kumimoji="0" lang="en-US" altLang="en-US" sz="1400" b="0" i="0" u="none" strike="noStrike" cap="none" normalizeH="0" baseline="0" dirty="0">
-                <a:ln>
-                  <a:noFill/>
-                </a:ln>
-                <a:solidFill>
-                  <a:srgbClr val="000000"/>
-                </a:solidFill>
-                <a:effectLst/>
-                <a:latin typeface="JetBrains Mono"/>
-              </a:rPr>
-              <a:t>    </a:t>
-            </a:r>
-            <a:r>
-              <a:rPr kumimoji="0" lang="en-US" altLang="en-US" sz="1400" b="1" i="0" u="none" strike="noStrike" cap="none" normalizeH="0" baseline="0" dirty="0">
-                <a:ln>
-                  <a:noFill/>
-                </a:ln>
-                <a:solidFill>
-                  <a:srgbClr val="000080"/>
-                </a:solidFill>
-                <a:effectLst/>
-                <a:latin typeface="JetBrains Mono"/>
-              </a:rPr>
-              <a:t>public static void </a:t>
-            </a:r>
-            <a:r>
-              <a:rPr kumimoji="0" lang="en-US" altLang="en-US" sz="1400" b="0" i="0" u="none" strike="noStrike" cap="none" normalizeH="0" baseline="0" dirty="0" err="1">
-                <a:ln>
-                  <a:noFill/>
-                </a:ln>
-                <a:solidFill>
-                  <a:srgbClr val="000000"/>
-                </a:solidFill>
-                <a:effectLst/>
-                <a:latin typeface="JetBrains Mono"/>
-              </a:rPr>
-              <a:t>modifyValues</a:t>
-            </a:r>
-            <a:r>
-              <a:rPr kumimoji="0" lang="en-US" altLang="en-US" sz="1400" b="0" i="0" u="none" strike="noStrike" cap="none" normalizeH="0" baseline="0" dirty="0">
-                <a:ln>
-                  <a:noFill/>
-                </a:ln>
-                <a:solidFill>
-                  <a:srgbClr val="000000"/>
-                </a:solidFill>
-                <a:effectLst/>
-                <a:latin typeface="JetBrains Mono"/>
-              </a:rPr>
-              <a:t>(Rectangle </a:t>
-            </a:r>
-            <a:r>
-              <a:rPr kumimoji="0" lang="en-US" altLang="en-US" sz="1400" b="0" i="0" u="none" strike="noStrike" cap="none" normalizeH="0" baseline="0" dirty="0" err="1">
-                <a:ln>
-                  <a:noFill/>
-                </a:ln>
-                <a:solidFill>
-                  <a:srgbClr val="000000"/>
-                </a:solidFill>
-                <a:effectLst/>
-                <a:latin typeface="JetBrains Mono"/>
-              </a:rPr>
-              <a:t>rectangle</a:t>
-            </a:r>
-            <a:r>
-              <a:rPr kumimoji="0" lang="en-US" altLang="en-US" sz="1400" b="0" i="0" u="none" strike="noStrike" cap="none" normalizeH="0" baseline="0" dirty="0">
-                <a:ln>
-                  <a:noFill/>
-                </a:ln>
-                <a:solidFill>
-                  <a:srgbClr val="000000"/>
-                </a:solidFill>
-                <a:effectLst/>
-                <a:latin typeface="JetBrains Mono"/>
-              </a:rPr>
-              <a:t>, </a:t>
-            </a:r>
-            <a:r>
-              <a:rPr kumimoji="0" lang="en-US" altLang="en-US" sz="1400" b="1" i="0" u="none" strike="noStrike" cap="none" normalizeH="0" baseline="0" dirty="0">
-                <a:ln>
-                  <a:noFill/>
-                </a:ln>
-                <a:solidFill>
-                  <a:srgbClr val="000080"/>
-                </a:solidFill>
-                <a:effectLst/>
-                <a:latin typeface="JetBrains Mono"/>
-              </a:rPr>
-              <a:t>int </a:t>
-            </a:r>
-            <a:r>
-              <a:rPr kumimoji="0" lang="en-US" altLang="en-US" sz="1400" b="0" i="0" u="none" strike="noStrike" cap="none" normalizeH="0" baseline="0" dirty="0">
-                <a:ln>
-                  <a:noFill/>
-                </a:ln>
-                <a:solidFill>
-                  <a:srgbClr val="000000"/>
-                </a:solidFill>
-                <a:effectLst/>
-                <a:latin typeface="JetBrains Mono"/>
-              </a:rPr>
-              <a:t>w, </a:t>
-            </a:r>
-            <a:r>
-              <a:rPr kumimoji="0" lang="en-US" altLang="en-US" sz="1400" b="1" i="0" u="none" strike="noStrike" cap="none" normalizeH="0" baseline="0" dirty="0">
-                <a:ln>
-                  <a:noFill/>
-                </a:ln>
-                <a:solidFill>
-                  <a:srgbClr val="000080"/>
-                </a:solidFill>
-                <a:effectLst/>
-                <a:latin typeface="JetBrains Mono"/>
-              </a:rPr>
-              <a:t>int </a:t>
-            </a:r>
-            <a:r>
-              <a:rPr kumimoji="0" lang="en-US" altLang="en-US" sz="1400" b="0" i="0" u="none" strike="noStrike" cap="none" normalizeH="0" baseline="0" dirty="0">
-                <a:ln>
-                  <a:noFill/>
-                </a:ln>
-                <a:solidFill>
-                  <a:srgbClr val="000000"/>
-                </a:solidFill>
-                <a:effectLst/>
-                <a:latin typeface="JetBrains Mono"/>
-              </a:rPr>
-              <a:t>l) {</a:t>
-            </a:r>
-            <a:br>
-              <a:rPr kumimoji="0" lang="en-US" altLang="en-US" sz="1400" b="0" i="0" u="none" strike="noStrike" cap="none" normalizeH="0" baseline="0" dirty="0">
-                <a:ln>
-                  <a:noFill/>
-                </a:ln>
-                <a:solidFill>
-                  <a:srgbClr val="000000"/>
-                </a:solidFill>
-                <a:effectLst/>
-                <a:latin typeface="JetBrains Mono"/>
-              </a:rPr>
-            </a:br>
-            <a:r>
-              <a:rPr kumimoji="0" lang="en-US" altLang="en-US" sz="1400" b="0" i="0" u="none" strike="noStrike" cap="none" normalizeH="0" baseline="0" dirty="0">
-                <a:ln>
-                  <a:noFill/>
-                </a:ln>
-                <a:solidFill>
-                  <a:srgbClr val="000000"/>
-                </a:solidFill>
-                <a:effectLst/>
-                <a:latin typeface="JetBrains Mono"/>
-              </a:rPr>
-              <a:t>        </a:t>
-            </a:r>
-            <a:r>
-              <a:rPr kumimoji="0" lang="en-US" altLang="en-US" sz="1400" b="0" i="0" u="none" strike="noStrike" cap="none" normalizeH="0" baseline="0" dirty="0" err="1">
-                <a:ln>
-                  <a:noFill/>
-                </a:ln>
-                <a:solidFill>
-                  <a:srgbClr val="000000"/>
-                </a:solidFill>
-                <a:effectLst/>
-                <a:latin typeface="JetBrains Mono"/>
-              </a:rPr>
-              <a:t>rectangle.setLength</a:t>
-            </a:r>
-            <a:r>
-              <a:rPr kumimoji="0" lang="en-US" altLang="en-US" sz="1400" b="0" i="0" u="none" strike="noStrike" cap="none" normalizeH="0" baseline="0" dirty="0">
-                <a:ln>
-                  <a:noFill/>
-                </a:ln>
-                <a:solidFill>
-                  <a:srgbClr val="000000"/>
-                </a:solidFill>
-                <a:effectLst/>
-                <a:latin typeface="JetBrains Mono"/>
-              </a:rPr>
-              <a:t>(</a:t>
-            </a:r>
-            <a:r>
-              <a:rPr kumimoji="0" lang="en-US" altLang="en-US" sz="1400" b="0" i="0" u="none" strike="noStrike" cap="none" normalizeH="0" baseline="0" dirty="0" err="1">
-                <a:ln>
-                  <a:noFill/>
-                </a:ln>
-                <a:solidFill>
-                  <a:srgbClr val="000000"/>
-                </a:solidFill>
-                <a:effectLst/>
-                <a:latin typeface="JetBrains Mono"/>
-              </a:rPr>
-              <a:t>rectangle.getLength</a:t>
-            </a:r>
-            <a:r>
-              <a:rPr kumimoji="0" lang="en-US" altLang="en-US" sz="1400" b="0" i="0" u="none" strike="noStrike" cap="none" normalizeH="0" baseline="0" dirty="0">
-                <a:ln>
-                  <a:noFill/>
-                </a:ln>
-                <a:solidFill>
-                  <a:srgbClr val="000000"/>
-                </a:solidFill>
-                <a:effectLst/>
-                <a:latin typeface="JetBrains Mono"/>
-              </a:rPr>
-              <a:t>() / </a:t>
-            </a:r>
-            <a:r>
-              <a:rPr kumimoji="0" lang="en-US" altLang="en-US" sz="1400" b="0" i="0" u="none" strike="noStrike" cap="none" normalizeH="0" baseline="0" dirty="0">
-                <a:ln>
-                  <a:noFill/>
-                </a:ln>
-                <a:solidFill>
-                  <a:srgbClr val="0000FF"/>
-                </a:solidFill>
-                <a:effectLst/>
-                <a:latin typeface="JetBrains Mono"/>
-              </a:rPr>
-              <a:t>2</a:t>
-            </a:r>
-            <a:r>
-              <a:rPr kumimoji="0" lang="en-US" altLang="en-US" sz="1400" b="0" i="0" u="none" strike="noStrike" cap="none" normalizeH="0" baseline="0" dirty="0">
-                <a:ln>
-                  <a:noFill/>
-                </a:ln>
-                <a:solidFill>
-                  <a:srgbClr val="000000"/>
-                </a:solidFill>
-                <a:effectLst/>
-                <a:latin typeface="JetBrains Mono"/>
-              </a:rPr>
-              <a:t>);</a:t>
-            </a:r>
-            <a:br>
-              <a:rPr kumimoji="0" lang="en-US" altLang="en-US" sz="1400" b="0" i="0" u="none" strike="noStrike" cap="none" normalizeH="0" baseline="0" dirty="0">
-                <a:ln>
-                  <a:noFill/>
-                </a:ln>
-                <a:solidFill>
-                  <a:srgbClr val="000000"/>
-                </a:solidFill>
-                <a:effectLst/>
-                <a:latin typeface="JetBrains Mono"/>
-              </a:rPr>
-            </a:br>
-            <a:r>
-              <a:rPr kumimoji="0" lang="en-US" altLang="en-US" sz="1400" b="0" i="0" u="none" strike="noStrike" cap="none" normalizeH="0" baseline="0" dirty="0">
-                <a:ln>
-                  <a:noFill/>
-                </a:ln>
-                <a:solidFill>
-                  <a:srgbClr val="000000"/>
-                </a:solidFill>
-                <a:effectLst/>
-                <a:latin typeface="JetBrains Mono"/>
-              </a:rPr>
-              <a:t>        </a:t>
-            </a:r>
-            <a:r>
-              <a:rPr kumimoji="0" lang="en-US" altLang="en-US" sz="1400" b="0" i="0" u="none" strike="noStrike" cap="none" normalizeH="0" baseline="0" dirty="0" err="1">
-                <a:ln>
-                  <a:noFill/>
-                </a:ln>
-                <a:solidFill>
-                  <a:srgbClr val="000000"/>
-                </a:solidFill>
-                <a:effectLst/>
-                <a:latin typeface="JetBrains Mono"/>
-              </a:rPr>
-              <a:t>rectangle.setWidth</a:t>
-            </a:r>
-            <a:r>
-              <a:rPr kumimoji="0" lang="en-US" altLang="en-US" sz="1400" b="0" i="0" u="none" strike="noStrike" cap="none" normalizeH="0" baseline="0" dirty="0">
-                <a:ln>
-                  <a:noFill/>
-                </a:ln>
-                <a:solidFill>
-                  <a:srgbClr val="000000"/>
-                </a:solidFill>
-                <a:effectLst/>
-                <a:latin typeface="JetBrains Mono"/>
-              </a:rPr>
-              <a:t>(</a:t>
-            </a:r>
-            <a:r>
-              <a:rPr kumimoji="0" lang="en-US" altLang="en-US" sz="1400" b="0" i="0" u="none" strike="noStrike" cap="none" normalizeH="0" baseline="0" dirty="0" err="1">
-                <a:ln>
-                  <a:noFill/>
-                </a:ln>
-                <a:solidFill>
-                  <a:srgbClr val="000000"/>
-                </a:solidFill>
-                <a:effectLst/>
-                <a:latin typeface="JetBrains Mono"/>
-              </a:rPr>
-              <a:t>rectangle.getWidth</a:t>
-            </a:r>
-            <a:r>
-              <a:rPr kumimoji="0" lang="en-US" altLang="en-US" sz="1400" b="0" i="0" u="none" strike="noStrike" cap="none" normalizeH="0" baseline="0" dirty="0">
-                <a:ln>
-                  <a:noFill/>
-                </a:ln>
-                <a:solidFill>
-                  <a:srgbClr val="000000"/>
-                </a:solidFill>
-                <a:effectLst/>
-                <a:latin typeface="JetBrains Mono"/>
-              </a:rPr>
-              <a:t>() * </a:t>
-            </a:r>
-            <a:r>
-              <a:rPr kumimoji="0" lang="en-US" altLang="en-US" sz="1400" b="0" i="0" u="none" strike="noStrike" cap="none" normalizeH="0" baseline="0" dirty="0">
-                <a:ln>
-                  <a:noFill/>
-                </a:ln>
-                <a:solidFill>
-                  <a:srgbClr val="0000FF"/>
-                </a:solidFill>
-                <a:effectLst/>
-                <a:latin typeface="JetBrains Mono"/>
-              </a:rPr>
-              <a:t>3 </a:t>
-            </a:r>
-            <a:r>
-              <a:rPr kumimoji="0" lang="en-US" altLang="en-US" sz="1400" b="0" i="0" u="none" strike="noStrike" cap="none" normalizeH="0" baseline="0" dirty="0">
-                <a:ln>
-                  <a:noFill/>
-                </a:ln>
-                <a:solidFill>
-                  <a:srgbClr val="000000"/>
-                </a:solidFill>
-                <a:effectLst/>
-                <a:latin typeface="JetBrains Mono"/>
-              </a:rPr>
-              <a:t>+ </a:t>
-            </a:r>
-            <a:r>
-              <a:rPr kumimoji="0" lang="en-US" altLang="en-US" sz="1400" b="0" i="0" u="none" strike="noStrike" cap="none" normalizeH="0" baseline="0" dirty="0">
-                <a:ln>
-                  <a:noFill/>
-                </a:ln>
-                <a:solidFill>
-                  <a:srgbClr val="0000FF"/>
-                </a:solidFill>
-                <a:effectLst/>
-                <a:latin typeface="JetBrains Mono"/>
-              </a:rPr>
-              <a:t>1 </a:t>
-            </a:r>
-            <a:r>
-              <a:rPr kumimoji="0" lang="en-US" altLang="en-US" sz="1400" b="0" i="0" u="none" strike="noStrike" cap="none" normalizeH="0" baseline="0" dirty="0">
-                <a:ln>
-                  <a:noFill/>
-                </a:ln>
-                <a:solidFill>
-                  <a:srgbClr val="000000"/>
-                </a:solidFill>
-                <a:effectLst/>
-                <a:latin typeface="JetBrains Mono"/>
-              </a:rPr>
-              <a:t>);</a:t>
-            </a:r>
-            <a:br>
-              <a:rPr kumimoji="0" lang="en-US" altLang="en-US" sz="1400" b="0" i="0" u="none" strike="noStrike" cap="none" normalizeH="0" baseline="0" dirty="0">
-                <a:ln>
-                  <a:noFill/>
-                </a:ln>
-                <a:solidFill>
-                  <a:srgbClr val="000000"/>
-                </a:solidFill>
-                <a:effectLst/>
-                <a:latin typeface="JetBrains Mono"/>
-              </a:rPr>
-            </a:br>
-            <a:r>
-              <a:rPr kumimoji="0" lang="en-US" altLang="en-US" sz="1400" b="0" i="0" u="none" strike="noStrike" cap="none" normalizeH="0" baseline="0" dirty="0">
-                <a:ln>
-                  <a:noFill/>
-                </a:ln>
-                <a:solidFill>
-                  <a:srgbClr val="000000"/>
-                </a:solidFill>
-                <a:effectLst/>
-                <a:latin typeface="JetBrains Mono"/>
-              </a:rPr>
-              <a:t>        w = w * </a:t>
-            </a:r>
-            <a:r>
-              <a:rPr kumimoji="0" lang="en-US" altLang="en-US" sz="1400" b="0" i="0" u="none" strike="noStrike" cap="none" normalizeH="0" baseline="0" dirty="0">
-                <a:ln>
-                  <a:noFill/>
-                </a:ln>
-                <a:solidFill>
-                  <a:srgbClr val="0000FF"/>
-                </a:solidFill>
-                <a:effectLst/>
-                <a:latin typeface="JetBrains Mono"/>
-              </a:rPr>
-              <a:t>3 </a:t>
-            </a:r>
-            <a:r>
-              <a:rPr kumimoji="0" lang="en-US" altLang="en-US" sz="1400" b="0" i="0" u="none" strike="noStrike" cap="none" normalizeH="0" baseline="0" dirty="0">
-                <a:ln>
-                  <a:noFill/>
-                </a:ln>
-                <a:solidFill>
-                  <a:srgbClr val="000000"/>
-                </a:solidFill>
-                <a:effectLst/>
-                <a:latin typeface="JetBrains Mono"/>
-              </a:rPr>
-              <a:t>+ </a:t>
-            </a:r>
-            <a:r>
-              <a:rPr kumimoji="0" lang="en-US" altLang="en-US" sz="1400" b="0" i="0" u="none" strike="noStrike" cap="none" normalizeH="0" baseline="0" dirty="0">
-                <a:ln>
-                  <a:noFill/>
-                </a:ln>
-                <a:solidFill>
-                  <a:srgbClr val="0000FF"/>
-                </a:solidFill>
-                <a:effectLst/>
-                <a:latin typeface="JetBrains Mono"/>
-              </a:rPr>
-              <a:t>1</a:t>
-            </a:r>
-            <a:r>
-              <a:rPr kumimoji="0" lang="en-US" altLang="en-US" sz="1400" b="0" i="0" u="none" strike="noStrike" cap="none" normalizeH="0" baseline="0" dirty="0">
-                <a:ln>
-                  <a:noFill/>
-                </a:ln>
-                <a:solidFill>
-                  <a:srgbClr val="000000"/>
-                </a:solidFill>
-                <a:effectLst/>
-                <a:latin typeface="JetBrains Mono"/>
-              </a:rPr>
-              <a:t>;</a:t>
-            </a:r>
-            <a:br>
-              <a:rPr kumimoji="0" lang="en-US" altLang="en-US" sz="1400" b="0" i="0" u="none" strike="noStrike" cap="none" normalizeH="0" baseline="0" dirty="0">
-                <a:ln>
-                  <a:noFill/>
-                </a:ln>
-                <a:solidFill>
-                  <a:srgbClr val="000000"/>
-                </a:solidFill>
-                <a:effectLst/>
-                <a:latin typeface="JetBrains Mono"/>
-              </a:rPr>
-            </a:br>
-            <a:r>
-              <a:rPr kumimoji="0" lang="en-US" altLang="en-US" sz="1400" b="0" i="0" u="none" strike="noStrike" cap="none" normalizeH="0" baseline="0" dirty="0">
-                <a:ln>
-                  <a:noFill/>
-                </a:ln>
-                <a:solidFill>
-                  <a:srgbClr val="000000"/>
-                </a:solidFill>
-                <a:effectLst/>
-                <a:latin typeface="JetBrains Mono"/>
-              </a:rPr>
-              <a:t>        l = l  / </a:t>
-            </a:r>
-            <a:r>
-              <a:rPr kumimoji="0" lang="en-US" altLang="en-US" sz="1400" b="0" i="0" u="none" strike="noStrike" cap="none" normalizeH="0" baseline="0" dirty="0">
-                <a:ln>
-                  <a:noFill/>
-                </a:ln>
-                <a:solidFill>
-                  <a:srgbClr val="0000FF"/>
-                </a:solidFill>
-                <a:effectLst/>
-                <a:latin typeface="JetBrains Mono"/>
-              </a:rPr>
-              <a:t>2</a:t>
-            </a:r>
-            <a:r>
-              <a:rPr kumimoji="0" lang="en-US" altLang="en-US" sz="1400" b="0" i="0" u="none" strike="noStrike" cap="none" normalizeH="0" baseline="0" dirty="0">
-                <a:ln>
-                  <a:noFill/>
-                </a:ln>
-                <a:solidFill>
-                  <a:srgbClr val="000000"/>
-                </a:solidFill>
-                <a:effectLst/>
-                <a:latin typeface="JetBrains Mono"/>
-              </a:rPr>
-              <a:t>;</a:t>
-            </a:r>
-            <a:br>
-              <a:rPr kumimoji="0" lang="en-US" altLang="en-US" sz="1400" b="0" i="0" u="none" strike="noStrike" cap="none" normalizeH="0" baseline="0" dirty="0">
-                <a:ln>
-                  <a:noFill/>
-                </a:ln>
-                <a:solidFill>
-                  <a:srgbClr val="000000"/>
-                </a:solidFill>
-                <a:effectLst/>
-                <a:latin typeface="JetBrains Mono"/>
-              </a:rPr>
-            </a:br>
-            <a:r>
-              <a:rPr kumimoji="0" lang="en-US" altLang="en-US" sz="1400" b="0" i="0" u="none" strike="noStrike" cap="none" normalizeH="0" baseline="0" dirty="0">
-                <a:ln>
-                  <a:noFill/>
-                </a:ln>
-                <a:solidFill>
-                  <a:srgbClr val="000000"/>
-                </a:solidFill>
-                <a:effectLst/>
-                <a:latin typeface="JetBrains Mono"/>
-              </a:rPr>
-              <a:t>    }</a:t>
-            </a:r>
-            <a:br>
-              <a:rPr kumimoji="0" lang="en-US" altLang="en-US" sz="1400" b="0" i="0" u="none" strike="noStrike" cap="none" normalizeH="0" baseline="0" dirty="0">
-                <a:ln>
-                  <a:noFill/>
-                </a:ln>
-                <a:solidFill>
-                  <a:srgbClr val="000000"/>
-                </a:solidFill>
-                <a:effectLst/>
-                <a:latin typeface="JetBrains Mono"/>
-              </a:rPr>
-            </a:br>
-            <a:r>
-              <a:rPr kumimoji="0" lang="en-US" altLang="en-US" sz="1400" b="0" i="0" u="none" strike="noStrike" cap="none" normalizeH="0" baseline="0" dirty="0">
-                <a:ln>
-                  <a:noFill/>
-                </a:ln>
-                <a:solidFill>
-                  <a:srgbClr val="000000"/>
-                </a:solidFill>
-                <a:effectLst/>
-                <a:latin typeface="JetBrains Mono"/>
-              </a:rPr>
-              <a:t>    </a:t>
-            </a:r>
-            <a:r>
-              <a:rPr kumimoji="0" lang="en-US" altLang="en-US" sz="1400" b="1" i="0" u="none" strike="noStrike" cap="none" normalizeH="0" baseline="0" dirty="0">
-                <a:ln>
-                  <a:noFill/>
-                </a:ln>
-                <a:solidFill>
-                  <a:srgbClr val="000080"/>
-                </a:solidFill>
-                <a:effectLst/>
-                <a:latin typeface="JetBrains Mono"/>
-              </a:rPr>
-              <a:t>public static void </a:t>
-            </a:r>
-            <a:r>
-              <a:rPr kumimoji="0" lang="en-US" altLang="en-US" sz="1400" b="0" i="0" u="none" strike="noStrike" cap="none" normalizeH="0" baseline="0" dirty="0" err="1">
-                <a:ln>
-                  <a:noFill/>
-                </a:ln>
-                <a:solidFill>
-                  <a:srgbClr val="000000"/>
-                </a:solidFill>
-                <a:effectLst/>
-                <a:latin typeface="JetBrains Mono"/>
-              </a:rPr>
-              <a:t>printValues</a:t>
-            </a:r>
-            <a:r>
-              <a:rPr kumimoji="0" lang="en-US" altLang="en-US" sz="1400" b="0" i="0" u="none" strike="noStrike" cap="none" normalizeH="0" baseline="0" dirty="0">
-                <a:ln>
-                  <a:noFill/>
-                </a:ln>
-                <a:solidFill>
-                  <a:srgbClr val="000000"/>
-                </a:solidFill>
-                <a:effectLst/>
-                <a:latin typeface="JetBrains Mono"/>
-              </a:rPr>
-              <a:t>(Rectangle </a:t>
-            </a:r>
-            <a:r>
-              <a:rPr kumimoji="0" lang="en-US" altLang="en-US" sz="1400" b="0" i="0" u="none" strike="noStrike" cap="none" normalizeH="0" baseline="0" dirty="0" err="1">
-                <a:ln>
-                  <a:noFill/>
-                </a:ln>
-                <a:solidFill>
-                  <a:srgbClr val="000000"/>
-                </a:solidFill>
-                <a:effectLst/>
-                <a:latin typeface="JetBrains Mono"/>
-              </a:rPr>
-              <a:t>rectangle</a:t>
-            </a:r>
-            <a:r>
-              <a:rPr kumimoji="0" lang="en-US" altLang="en-US" sz="1400" b="0" i="0" u="none" strike="noStrike" cap="none" normalizeH="0" baseline="0" dirty="0">
-                <a:ln>
-                  <a:noFill/>
-                </a:ln>
-                <a:solidFill>
-                  <a:srgbClr val="000000"/>
-                </a:solidFill>
-                <a:effectLst/>
-                <a:latin typeface="JetBrains Mono"/>
-              </a:rPr>
-              <a:t>, </a:t>
-            </a:r>
-            <a:r>
-              <a:rPr kumimoji="0" lang="en-US" altLang="en-US" sz="1400" b="1" i="0" u="none" strike="noStrike" cap="none" normalizeH="0" baseline="0" dirty="0">
-                <a:ln>
-                  <a:noFill/>
-                </a:ln>
-                <a:solidFill>
-                  <a:srgbClr val="000080"/>
-                </a:solidFill>
-                <a:effectLst/>
-                <a:latin typeface="JetBrains Mono"/>
-              </a:rPr>
-              <a:t>int </a:t>
-            </a:r>
-            <a:r>
-              <a:rPr kumimoji="0" lang="en-US" altLang="en-US" sz="1400" b="0" i="0" u="none" strike="noStrike" cap="none" normalizeH="0" baseline="0" dirty="0">
-                <a:ln>
-                  <a:noFill/>
-                </a:ln>
-                <a:solidFill>
-                  <a:srgbClr val="000000"/>
-                </a:solidFill>
-                <a:effectLst/>
-                <a:latin typeface="JetBrains Mono"/>
-              </a:rPr>
-              <a:t>w, </a:t>
-            </a:r>
-            <a:r>
-              <a:rPr kumimoji="0" lang="en-US" altLang="en-US" sz="1400" b="1" i="0" u="none" strike="noStrike" cap="none" normalizeH="0" baseline="0" dirty="0">
-                <a:ln>
-                  <a:noFill/>
-                </a:ln>
-                <a:solidFill>
-                  <a:srgbClr val="000080"/>
-                </a:solidFill>
-                <a:effectLst/>
-                <a:latin typeface="JetBrains Mono"/>
-              </a:rPr>
-              <a:t>int </a:t>
-            </a:r>
-            <a:r>
-              <a:rPr kumimoji="0" lang="en-US" altLang="en-US" sz="1400" b="0" i="0" u="none" strike="noStrike" cap="none" normalizeH="0" baseline="0" dirty="0">
-                <a:ln>
-                  <a:noFill/>
-                </a:ln>
-                <a:solidFill>
-                  <a:srgbClr val="000000"/>
-                </a:solidFill>
-                <a:effectLst/>
-                <a:latin typeface="JetBrains Mono"/>
-              </a:rPr>
-              <a:t>l) {</a:t>
-            </a:r>
-            <a:br>
-              <a:rPr kumimoji="0" lang="en-US" altLang="en-US" sz="1400" b="0" i="0" u="none" strike="noStrike" cap="none" normalizeH="0" baseline="0" dirty="0">
-                <a:ln>
-                  <a:noFill/>
-                </a:ln>
-                <a:solidFill>
-                  <a:srgbClr val="000000"/>
-                </a:solidFill>
-                <a:effectLst/>
-                <a:latin typeface="JetBrains Mono"/>
-              </a:rPr>
-            </a:br>
-            <a:r>
-              <a:rPr kumimoji="0" lang="en-US" altLang="en-US" sz="1400" b="0" i="0" u="none" strike="noStrike" cap="none" normalizeH="0" baseline="0" dirty="0">
-                <a:ln>
-                  <a:noFill/>
-                </a:ln>
-                <a:solidFill>
-                  <a:srgbClr val="000000"/>
-                </a:solidFill>
-                <a:effectLst/>
-                <a:latin typeface="JetBrains Mono"/>
-              </a:rPr>
-              <a:t>        </a:t>
-            </a:r>
-            <a:r>
-              <a:rPr kumimoji="0" lang="en-US" altLang="en-US" sz="1400" b="0" i="0" u="none" strike="noStrike" cap="none" normalizeH="0" baseline="0" dirty="0" err="1">
-                <a:ln>
-                  <a:noFill/>
-                </a:ln>
-                <a:solidFill>
-                  <a:srgbClr val="000000"/>
-                </a:solidFill>
-                <a:effectLst/>
-                <a:latin typeface="JetBrains Mono"/>
-              </a:rPr>
-              <a:t>System.</a:t>
-            </a:r>
-            <a:r>
-              <a:rPr kumimoji="0" lang="en-US" altLang="en-US" sz="1400" b="1" i="1" u="none" strike="noStrike" cap="none" normalizeH="0" baseline="0" dirty="0" err="1">
-                <a:ln>
-                  <a:noFill/>
-                </a:ln>
-                <a:solidFill>
-                  <a:srgbClr val="660E7A"/>
-                </a:solidFill>
-                <a:effectLst/>
-                <a:latin typeface="JetBrains Mono"/>
-              </a:rPr>
-              <a:t>out</a:t>
-            </a:r>
-            <a:r>
-              <a:rPr kumimoji="0" lang="en-US" altLang="en-US" sz="1400" b="0" i="0" u="none" strike="noStrike" cap="none" normalizeH="0" baseline="0" dirty="0" err="1">
-                <a:ln>
-                  <a:noFill/>
-                </a:ln>
-                <a:solidFill>
-                  <a:srgbClr val="000000"/>
-                </a:solidFill>
-                <a:effectLst/>
-                <a:latin typeface="JetBrains Mono"/>
-              </a:rPr>
-              <a:t>.printf</a:t>
-            </a:r>
-            <a:r>
-              <a:rPr kumimoji="0" lang="en-US" altLang="en-US" sz="1400" b="0" i="0" u="none" strike="noStrike" cap="none" normalizeH="0" baseline="0" dirty="0">
-                <a:ln>
-                  <a:noFill/>
-                </a:ln>
-                <a:solidFill>
-                  <a:srgbClr val="000000"/>
-                </a:solidFill>
-                <a:effectLst/>
-                <a:latin typeface="JetBrains Mono"/>
-              </a:rPr>
-              <a:t>(</a:t>
-            </a:r>
-            <a:r>
-              <a:rPr kumimoji="0" lang="en-US" altLang="en-US" sz="1400" b="1" i="0" u="none" strike="noStrike" cap="none" normalizeH="0" baseline="0" dirty="0">
-                <a:ln>
-                  <a:noFill/>
-                </a:ln>
-                <a:solidFill>
-                  <a:srgbClr val="008000"/>
-                </a:solidFill>
-                <a:effectLst/>
-                <a:latin typeface="JetBrains Mono"/>
-              </a:rPr>
-              <a:t>"Rectangle: Width %d, Length: %d, Area: %</a:t>
-            </a:r>
-            <a:r>
-              <a:rPr kumimoji="0" lang="en-US" altLang="en-US" sz="1400" b="1" i="0" u="none" strike="noStrike" cap="none" normalizeH="0" baseline="0" dirty="0" err="1">
-                <a:ln>
-                  <a:noFill/>
-                </a:ln>
-                <a:solidFill>
-                  <a:srgbClr val="008000"/>
-                </a:solidFill>
-                <a:effectLst/>
-                <a:latin typeface="JetBrains Mono"/>
-              </a:rPr>
-              <a:t>d%n</a:t>
-            </a:r>
-            <a:r>
-              <a:rPr kumimoji="0" lang="en-US" altLang="en-US" sz="1400" b="1" i="0" u="none" strike="noStrike" cap="none" normalizeH="0" baseline="0" dirty="0">
-                <a:ln>
-                  <a:noFill/>
-                </a:ln>
-                <a:solidFill>
-                  <a:srgbClr val="008000"/>
-                </a:solidFill>
-                <a:effectLst/>
-                <a:latin typeface="JetBrains Mono"/>
-              </a:rPr>
-              <a:t>"</a:t>
-            </a:r>
-            <a:r>
-              <a:rPr kumimoji="0" lang="en-US" altLang="en-US" sz="1400" b="0" i="0" u="none" strike="noStrike" cap="none" normalizeH="0" baseline="0" dirty="0">
-                <a:ln>
-                  <a:noFill/>
-                </a:ln>
-                <a:solidFill>
-                  <a:srgbClr val="000000"/>
-                </a:solidFill>
-                <a:effectLst/>
-                <a:latin typeface="JetBrains Mono"/>
-              </a:rPr>
-              <a:t>,</a:t>
-            </a:r>
-            <a:br>
-              <a:rPr kumimoji="0" lang="en-US" altLang="en-US" sz="1400" b="0" i="0" u="none" strike="noStrike" cap="none" normalizeH="0" baseline="0" dirty="0">
-                <a:ln>
-                  <a:noFill/>
-                </a:ln>
-                <a:solidFill>
-                  <a:srgbClr val="000000"/>
-                </a:solidFill>
-                <a:effectLst/>
-                <a:latin typeface="JetBrains Mono"/>
-              </a:rPr>
-            </a:br>
-            <a:r>
-              <a:rPr kumimoji="0" lang="en-US" altLang="en-US" sz="1400" b="0" i="0" u="none" strike="noStrike" cap="none" normalizeH="0" baseline="0" dirty="0">
-                <a:ln>
-                  <a:noFill/>
-                </a:ln>
-                <a:solidFill>
-                  <a:srgbClr val="000000"/>
-                </a:solidFill>
-                <a:effectLst/>
-                <a:latin typeface="JetBrains Mono"/>
-              </a:rPr>
-              <a:t>                </a:t>
-            </a:r>
-            <a:r>
-              <a:rPr kumimoji="0" lang="en-US" altLang="en-US" sz="1400" b="0" i="0" u="none" strike="noStrike" cap="none" normalizeH="0" baseline="0" dirty="0" err="1">
-                <a:ln>
-                  <a:noFill/>
-                </a:ln>
-                <a:solidFill>
-                  <a:srgbClr val="000000"/>
-                </a:solidFill>
-                <a:effectLst/>
-                <a:latin typeface="JetBrains Mono"/>
-              </a:rPr>
-              <a:t>rectangle.getWidth</a:t>
-            </a:r>
-            <a:r>
-              <a:rPr kumimoji="0" lang="en-US" altLang="en-US" sz="1400" b="0" i="0" u="none" strike="noStrike" cap="none" normalizeH="0" baseline="0" dirty="0">
-                <a:ln>
-                  <a:noFill/>
-                </a:ln>
-                <a:solidFill>
-                  <a:srgbClr val="000000"/>
-                </a:solidFill>
-                <a:effectLst/>
-                <a:latin typeface="JetBrains Mono"/>
-              </a:rPr>
-              <a:t>(), </a:t>
-            </a:r>
-            <a:r>
-              <a:rPr kumimoji="0" lang="en-US" altLang="en-US" sz="1400" b="0" i="0" u="none" strike="noStrike" cap="none" normalizeH="0" baseline="0" dirty="0" err="1">
-                <a:ln>
-                  <a:noFill/>
-                </a:ln>
-                <a:solidFill>
-                  <a:srgbClr val="000000"/>
-                </a:solidFill>
-                <a:effectLst/>
-                <a:latin typeface="JetBrains Mono"/>
-              </a:rPr>
-              <a:t>rectangle.getLength</a:t>
-            </a:r>
-            <a:r>
-              <a:rPr kumimoji="0" lang="en-US" altLang="en-US" sz="1400" b="0" i="0" u="none" strike="noStrike" cap="none" normalizeH="0" baseline="0" dirty="0">
-                <a:ln>
-                  <a:noFill/>
-                </a:ln>
-                <a:solidFill>
-                  <a:srgbClr val="000000"/>
-                </a:solidFill>
-                <a:effectLst/>
-                <a:latin typeface="JetBrains Mono"/>
-              </a:rPr>
-              <a:t>(), </a:t>
-            </a:r>
-            <a:r>
-              <a:rPr kumimoji="0" lang="en-US" altLang="en-US" sz="1400" b="0" i="0" u="none" strike="noStrike" cap="none" normalizeH="0" baseline="0" dirty="0" err="1">
-                <a:ln>
-                  <a:noFill/>
-                </a:ln>
-                <a:solidFill>
-                  <a:srgbClr val="000000"/>
-                </a:solidFill>
-                <a:effectLst/>
-                <a:latin typeface="JetBrains Mono"/>
-              </a:rPr>
-              <a:t>rectangle.getArea</a:t>
-            </a:r>
-            <a:r>
-              <a:rPr kumimoji="0" lang="en-US" altLang="en-US" sz="1400" b="0" i="0" u="none" strike="noStrike" cap="none" normalizeH="0" baseline="0" dirty="0">
-                <a:ln>
-                  <a:noFill/>
-                </a:ln>
-                <a:solidFill>
-                  <a:srgbClr val="000000"/>
-                </a:solidFill>
-                <a:effectLst/>
-                <a:latin typeface="JetBrains Mono"/>
-              </a:rPr>
-              <a:t>());</a:t>
-            </a:r>
-            <a:br>
-              <a:rPr kumimoji="0" lang="en-US" altLang="en-US" sz="1400" b="0" i="0" u="none" strike="noStrike" cap="none" normalizeH="0" baseline="0" dirty="0">
-                <a:ln>
-                  <a:noFill/>
-                </a:ln>
-                <a:solidFill>
-                  <a:srgbClr val="000000"/>
-                </a:solidFill>
-                <a:effectLst/>
-                <a:latin typeface="JetBrains Mono"/>
-              </a:rPr>
-            </a:br>
-            <a:r>
-              <a:rPr kumimoji="0" lang="en-US" altLang="en-US" sz="1400" b="0" i="0" u="none" strike="noStrike" cap="none" normalizeH="0" baseline="0" dirty="0">
-                <a:ln>
-                  <a:noFill/>
-                </a:ln>
-                <a:solidFill>
-                  <a:srgbClr val="000000"/>
-                </a:solidFill>
-                <a:effectLst/>
-                <a:latin typeface="JetBrains Mono"/>
-              </a:rPr>
-              <a:t>        </a:t>
-            </a:r>
-            <a:r>
-              <a:rPr kumimoji="0" lang="en-US" altLang="en-US" sz="1400" b="0" i="0" u="none" strike="noStrike" cap="none" normalizeH="0" baseline="0" dirty="0" err="1">
-                <a:ln>
-                  <a:noFill/>
-                </a:ln>
-                <a:solidFill>
-                  <a:srgbClr val="000000"/>
-                </a:solidFill>
-                <a:effectLst/>
-                <a:latin typeface="JetBrains Mono"/>
-              </a:rPr>
-              <a:t>System.</a:t>
-            </a:r>
-            <a:r>
-              <a:rPr kumimoji="0" lang="en-US" altLang="en-US" sz="1400" b="1" i="1" u="none" strike="noStrike" cap="none" normalizeH="0" baseline="0" dirty="0" err="1">
-                <a:ln>
-                  <a:noFill/>
-                </a:ln>
-                <a:solidFill>
-                  <a:srgbClr val="660E7A"/>
-                </a:solidFill>
-                <a:effectLst/>
-                <a:latin typeface="JetBrains Mono"/>
-              </a:rPr>
-              <a:t>out</a:t>
-            </a:r>
-            <a:r>
-              <a:rPr kumimoji="0" lang="en-US" altLang="en-US" sz="1400" b="0" i="0" u="none" strike="noStrike" cap="none" normalizeH="0" baseline="0" dirty="0" err="1">
-                <a:ln>
-                  <a:noFill/>
-                </a:ln>
-                <a:solidFill>
-                  <a:srgbClr val="000000"/>
-                </a:solidFill>
-                <a:effectLst/>
-                <a:latin typeface="JetBrains Mono"/>
-              </a:rPr>
-              <a:t>.printf</a:t>
-            </a:r>
-            <a:r>
-              <a:rPr kumimoji="0" lang="en-US" altLang="en-US" sz="1400" b="0" i="0" u="none" strike="noStrike" cap="none" normalizeH="0" baseline="0" dirty="0">
-                <a:ln>
-                  <a:noFill/>
-                </a:ln>
-                <a:solidFill>
-                  <a:srgbClr val="000000"/>
-                </a:solidFill>
-                <a:effectLst/>
-                <a:latin typeface="JetBrains Mono"/>
-              </a:rPr>
-              <a:t>(</a:t>
-            </a:r>
-            <a:r>
-              <a:rPr kumimoji="0" lang="en-US" altLang="en-US" sz="1400" b="1" i="0" u="none" strike="noStrike" cap="none" normalizeH="0" baseline="0" dirty="0">
-                <a:ln>
-                  <a:noFill/>
-                </a:ln>
-                <a:solidFill>
-                  <a:srgbClr val="008000"/>
-                </a:solidFill>
-                <a:effectLst/>
-                <a:latin typeface="JetBrains Mono"/>
-              </a:rPr>
-              <a:t>"Values of w: %d, of l: %</a:t>
-            </a:r>
-            <a:r>
-              <a:rPr kumimoji="0" lang="en-US" altLang="en-US" sz="1400" b="1" i="0" u="none" strike="noStrike" cap="none" normalizeH="0" baseline="0" dirty="0" err="1">
-                <a:ln>
-                  <a:noFill/>
-                </a:ln>
-                <a:solidFill>
-                  <a:srgbClr val="008000"/>
-                </a:solidFill>
-                <a:effectLst/>
-                <a:latin typeface="JetBrains Mono"/>
-              </a:rPr>
-              <a:t>d%n</a:t>
-            </a:r>
-            <a:r>
-              <a:rPr kumimoji="0" lang="en-US" altLang="en-US" sz="1400" b="1" i="0" u="none" strike="noStrike" cap="none" normalizeH="0" baseline="0" dirty="0">
-                <a:ln>
-                  <a:noFill/>
-                </a:ln>
-                <a:solidFill>
-                  <a:srgbClr val="008000"/>
-                </a:solidFill>
-                <a:effectLst/>
-                <a:latin typeface="JetBrains Mono"/>
-              </a:rPr>
-              <a:t>"</a:t>
-            </a:r>
-            <a:r>
-              <a:rPr kumimoji="0" lang="en-US" altLang="en-US" sz="1400" b="0" i="0" u="none" strike="noStrike" cap="none" normalizeH="0" baseline="0" dirty="0">
-                <a:ln>
-                  <a:noFill/>
-                </a:ln>
-                <a:solidFill>
-                  <a:srgbClr val="000000"/>
-                </a:solidFill>
-                <a:effectLst/>
-                <a:latin typeface="JetBrains Mono"/>
-              </a:rPr>
-              <a:t>, w, l);</a:t>
-            </a:r>
-            <a:br>
-              <a:rPr kumimoji="0" lang="en-US" altLang="en-US" sz="1400" b="0" i="0" u="none" strike="noStrike" cap="none" normalizeH="0" baseline="0" dirty="0">
-                <a:ln>
-                  <a:noFill/>
-                </a:ln>
-                <a:solidFill>
-                  <a:srgbClr val="000000"/>
-                </a:solidFill>
-                <a:effectLst/>
-                <a:latin typeface="JetBrains Mono"/>
-              </a:rPr>
-            </a:br>
-            <a:r>
-              <a:rPr kumimoji="0" lang="en-US" altLang="en-US" sz="1400" b="0" i="0" u="none" strike="noStrike" cap="none" normalizeH="0" baseline="0" dirty="0">
-                <a:ln>
-                  <a:noFill/>
-                </a:ln>
-                <a:solidFill>
-                  <a:srgbClr val="000000"/>
-                </a:solidFill>
-                <a:effectLst/>
-                <a:latin typeface="JetBrains Mono"/>
-              </a:rPr>
-              <a:t>        </a:t>
-            </a:r>
-            <a:r>
-              <a:rPr kumimoji="0" lang="en-US" altLang="en-US" sz="1400" b="0" i="0" u="none" strike="noStrike" cap="none" normalizeH="0" baseline="0" dirty="0" err="1">
-                <a:ln>
-                  <a:noFill/>
-                </a:ln>
-                <a:solidFill>
-                  <a:srgbClr val="000000"/>
-                </a:solidFill>
-                <a:effectLst/>
-                <a:latin typeface="JetBrains Mono"/>
-              </a:rPr>
-              <a:t>System.</a:t>
-            </a:r>
-            <a:r>
-              <a:rPr kumimoji="0" lang="en-US" altLang="en-US" sz="1400" b="1" i="1" u="none" strike="noStrike" cap="none" normalizeH="0" baseline="0" dirty="0" err="1">
-                <a:ln>
-                  <a:noFill/>
-                </a:ln>
-                <a:solidFill>
-                  <a:srgbClr val="660E7A"/>
-                </a:solidFill>
-                <a:effectLst/>
-                <a:latin typeface="JetBrains Mono"/>
-              </a:rPr>
-              <a:t>out</a:t>
-            </a:r>
-            <a:r>
-              <a:rPr kumimoji="0" lang="en-US" altLang="en-US" sz="1400" b="0" i="0" u="none" strike="noStrike" cap="none" normalizeH="0" baseline="0" dirty="0" err="1">
-                <a:ln>
-                  <a:noFill/>
-                </a:ln>
-                <a:solidFill>
-                  <a:srgbClr val="000000"/>
-                </a:solidFill>
-                <a:effectLst/>
-                <a:latin typeface="JetBrains Mono"/>
-              </a:rPr>
-              <a:t>.printf</a:t>
-            </a:r>
-            <a:r>
-              <a:rPr kumimoji="0" lang="en-US" altLang="en-US" sz="1400" b="0" i="0" u="none" strike="noStrike" cap="none" normalizeH="0" baseline="0" dirty="0">
-                <a:ln>
-                  <a:noFill/>
-                </a:ln>
-                <a:solidFill>
-                  <a:srgbClr val="000000"/>
-                </a:solidFill>
-                <a:effectLst/>
-                <a:latin typeface="JetBrains Mono"/>
-              </a:rPr>
-              <a:t>(</a:t>
-            </a:r>
-            <a:r>
-              <a:rPr kumimoji="0" lang="en-US" altLang="en-US" sz="1400" b="1" i="0" u="none" strike="noStrike" cap="none" normalizeH="0" baseline="0" dirty="0">
-                <a:ln>
-                  <a:noFill/>
-                </a:ln>
-                <a:solidFill>
-                  <a:srgbClr val="008000"/>
-                </a:solidFill>
-                <a:effectLst/>
-                <a:latin typeface="JetBrains Mono"/>
-              </a:rPr>
-              <a:t>"Width == w? %b,  Length == l? %</a:t>
-            </a:r>
-            <a:r>
-              <a:rPr kumimoji="0" lang="en-US" altLang="en-US" sz="1400" b="1" i="0" u="none" strike="noStrike" cap="none" normalizeH="0" baseline="0" dirty="0" err="1">
-                <a:ln>
-                  <a:noFill/>
-                </a:ln>
-                <a:solidFill>
-                  <a:srgbClr val="008000"/>
-                </a:solidFill>
-                <a:effectLst/>
-                <a:latin typeface="JetBrains Mono"/>
-              </a:rPr>
-              <a:t>b%n%n</a:t>
-            </a:r>
-            <a:r>
-              <a:rPr kumimoji="0" lang="en-US" altLang="en-US" sz="1400" b="1" i="0" u="none" strike="noStrike" cap="none" normalizeH="0" baseline="0" dirty="0">
-                <a:ln>
-                  <a:noFill/>
-                </a:ln>
-                <a:solidFill>
-                  <a:srgbClr val="008000"/>
-                </a:solidFill>
-                <a:effectLst/>
-                <a:latin typeface="JetBrains Mono"/>
-              </a:rPr>
-              <a:t>"</a:t>
-            </a:r>
-            <a:r>
-              <a:rPr kumimoji="0" lang="en-US" altLang="en-US" sz="1400" b="0" i="0" u="none" strike="noStrike" cap="none" normalizeH="0" baseline="0" dirty="0">
-                <a:ln>
-                  <a:noFill/>
-                </a:ln>
-                <a:solidFill>
-                  <a:srgbClr val="000000"/>
-                </a:solidFill>
-                <a:effectLst/>
-                <a:latin typeface="JetBrains Mono"/>
-              </a:rPr>
-              <a:t>,</a:t>
-            </a:r>
-            <a:br>
-              <a:rPr kumimoji="0" lang="en-US" altLang="en-US" sz="1400" b="0" i="0" u="none" strike="noStrike" cap="none" normalizeH="0" baseline="0" dirty="0">
-                <a:ln>
-                  <a:noFill/>
-                </a:ln>
-                <a:solidFill>
-                  <a:srgbClr val="000000"/>
-                </a:solidFill>
-                <a:effectLst/>
-                <a:latin typeface="JetBrains Mono"/>
-              </a:rPr>
-            </a:br>
-            <a:r>
-              <a:rPr kumimoji="0" lang="en-US" altLang="en-US" sz="1400" b="0" i="0" u="none" strike="noStrike" cap="none" normalizeH="0" baseline="0" dirty="0">
-                <a:ln>
-                  <a:noFill/>
-                </a:ln>
-                <a:solidFill>
-                  <a:srgbClr val="000000"/>
-                </a:solidFill>
-                <a:effectLst/>
-                <a:latin typeface="JetBrains Mono"/>
-              </a:rPr>
-              <a:t>                </a:t>
-            </a:r>
-            <a:r>
-              <a:rPr kumimoji="0" lang="en-US" altLang="en-US" sz="1400" b="0" i="0" u="none" strike="noStrike" cap="none" normalizeH="0" baseline="0" dirty="0" err="1">
-                <a:ln>
-                  <a:noFill/>
-                </a:ln>
-                <a:solidFill>
-                  <a:srgbClr val="000000"/>
-                </a:solidFill>
-                <a:effectLst/>
-                <a:latin typeface="JetBrains Mono"/>
-              </a:rPr>
-              <a:t>rectangle.getWidth</a:t>
-            </a:r>
-            <a:r>
-              <a:rPr kumimoji="0" lang="en-US" altLang="en-US" sz="1400" b="0" i="0" u="none" strike="noStrike" cap="none" normalizeH="0" baseline="0" dirty="0">
-                <a:ln>
-                  <a:noFill/>
-                </a:ln>
-                <a:solidFill>
-                  <a:srgbClr val="000000"/>
-                </a:solidFill>
-                <a:effectLst/>
-                <a:latin typeface="JetBrains Mono"/>
-              </a:rPr>
-              <a:t>() == w, </a:t>
-            </a:r>
-            <a:r>
-              <a:rPr kumimoji="0" lang="en-US" altLang="en-US" sz="1400" b="0" i="0" u="none" strike="noStrike" cap="none" normalizeH="0" baseline="0" dirty="0" err="1">
-                <a:ln>
-                  <a:noFill/>
-                </a:ln>
-                <a:solidFill>
-                  <a:srgbClr val="000000"/>
-                </a:solidFill>
-                <a:effectLst/>
-                <a:latin typeface="JetBrains Mono"/>
-              </a:rPr>
-              <a:t>rectangle.getLength</a:t>
-            </a:r>
-            <a:r>
-              <a:rPr kumimoji="0" lang="en-US" altLang="en-US" sz="1400" b="0" i="0" u="none" strike="noStrike" cap="none" normalizeH="0" baseline="0" dirty="0">
-                <a:ln>
-                  <a:noFill/>
-                </a:ln>
-                <a:solidFill>
-                  <a:srgbClr val="000000"/>
-                </a:solidFill>
-                <a:effectLst/>
-                <a:latin typeface="JetBrains Mono"/>
-              </a:rPr>
-              <a:t>()==l);</a:t>
-            </a:r>
-            <a:br>
-              <a:rPr kumimoji="0" lang="en-US" altLang="en-US" sz="1400" b="0" i="0" u="none" strike="noStrike" cap="none" normalizeH="0" baseline="0" dirty="0">
-                <a:ln>
-                  <a:noFill/>
-                </a:ln>
-                <a:solidFill>
-                  <a:srgbClr val="000000"/>
-                </a:solidFill>
-                <a:effectLst/>
-                <a:latin typeface="JetBrains Mono"/>
-              </a:rPr>
-            </a:br>
-            <a:r>
-              <a:rPr kumimoji="0" lang="en-US" altLang="en-US" sz="1400" b="0" i="0" u="none" strike="noStrike" cap="none" normalizeH="0" baseline="0" dirty="0">
-                <a:ln>
-                  <a:noFill/>
-                </a:ln>
-                <a:solidFill>
-                  <a:srgbClr val="000000"/>
-                </a:solidFill>
-                <a:effectLst/>
-                <a:latin typeface="JetBrains Mono"/>
-              </a:rPr>
-              <a:t>    }</a:t>
-            </a:r>
-            <a:br>
-              <a:rPr kumimoji="0" lang="en-US" altLang="en-US" sz="1400" b="0" i="0" u="none" strike="noStrike" cap="none" normalizeH="0" baseline="0" dirty="0">
-                <a:ln>
-                  <a:noFill/>
-                </a:ln>
-                <a:solidFill>
-                  <a:srgbClr val="000000"/>
-                </a:solidFill>
-                <a:effectLst/>
-                <a:latin typeface="JetBrains Mono"/>
-              </a:rPr>
-            </a:br>
-            <a:r>
-              <a:rPr kumimoji="0" lang="en-US" altLang="en-US" sz="1400" b="0" i="0" u="none" strike="noStrike" cap="none" normalizeH="0" baseline="0" dirty="0">
-                <a:ln>
-                  <a:noFill/>
-                </a:ln>
-                <a:solidFill>
-                  <a:srgbClr val="000000"/>
-                </a:solidFill>
-                <a:effectLst/>
-                <a:latin typeface="JetBrains Mono"/>
-              </a:rPr>
-              <a:t>    </a:t>
-            </a:r>
-            <a:r>
-              <a:rPr kumimoji="0" lang="en-US" altLang="en-US" sz="1400" b="1" i="0" u="none" strike="noStrike" cap="none" normalizeH="0" baseline="0" dirty="0">
-                <a:ln>
-                  <a:noFill/>
-                </a:ln>
-                <a:solidFill>
-                  <a:srgbClr val="000080"/>
-                </a:solidFill>
-                <a:effectLst/>
-                <a:latin typeface="JetBrains Mono"/>
-              </a:rPr>
-              <a:t>public static void </a:t>
-            </a:r>
-            <a:r>
-              <a:rPr kumimoji="0" lang="en-US" altLang="en-US" sz="1400" b="0" i="0" u="none" strike="noStrike" cap="none" normalizeH="0" baseline="0" dirty="0">
-                <a:ln>
-                  <a:noFill/>
-                </a:ln>
-                <a:solidFill>
-                  <a:srgbClr val="000000"/>
-                </a:solidFill>
-                <a:effectLst/>
-                <a:latin typeface="JetBrains Mono"/>
-              </a:rPr>
-              <a:t>main(String[] </a:t>
-            </a:r>
-            <a:r>
-              <a:rPr kumimoji="0" lang="en-US" altLang="en-US" sz="1400" b="0" i="0" u="none" strike="noStrike" cap="none" normalizeH="0" baseline="0" dirty="0" err="1">
-                <a:ln>
-                  <a:noFill/>
-                </a:ln>
-                <a:solidFill>
-                  <a:srgbClr val="000000"/>
-                </a:solidFill>
-                <a:effectLst/>
-                <a:latin typeface="JetBrains Mono"/>
-              </a:rPr>
-              <a:t>args</a:t>
-            </a:r>
-            <a:r>
-              <a:rPr kumimoji="0" lang="en-US" altLang="en-US" sz="1400" b="0" i="0" u="none" strike="noStrike" cap="none" normalizeH="0" baseline="0" dirty="0">
-                <a:ln>
-                  <a:noFill/>
-                </a:ln>
-                <a:solidFill>
-                  <a:srgbClr val="000000"/>
-                </a:solidFill>
-                <a:effectLst/>
-                <a:latin typeface="JetBrains Mono"/>
-              </a:rPr>
-              <a:t>) {</a:t>
-            </a:r>
-            <a:br>
-              <a:rPr kumimoji="0" lang="en-US" altLang="en-US" sz="1400" b="0" i="0" u="none" strike="noStrike" cap="none" normalizeH="0" baseline="0" dirty="0">
-                <a:ln>
-                  <a:noFill/>
-                </a:ln>
-                <a:solidFill>
-                  <a:srgbClr val="000000"/>
-                </a:solidFill>
-                <a:effectLst/>
-                <a:latin typeface="JetBrains Mono"/>
-              </a:rPr>
-            </a:br>
-            <a:r>
-              <a:rPr kumimoji="0" lang="en-US" altLang="en-US" sz="1400" b="0" i="0" u="none" strike="noStrike" cap="none" normalizeH="0" baseline="0" dirty="0">
-                <a:ln>
-                  <a:noFill/>
-                </a:ln>
-                <a:solidFill>
-                  <a:srgbClr val="000000"/>
-                </a:solidFill>
-                <a:effectLst/>
-                <a:latin typeface="JetBrains Mono"/>
-              </a:rPr>
-              <a:t>        </a:t>
-            </a:r>
-            <a:r>
-              <a:rPr kumimoji="0" lang="en-US" altLang="en-US" sz="1400" b="1" i="0" u="none" strike="noStrike" cap="none" normalizeH="0" baseline="0" dirty="0">
-                <a:ln>
-                  <a:noFill/>
-                </a:ln>
-                <a:solidFill>
-                  <a:srgbClr val="000080"/>
-                </a:solidFill>
-                <a:effectLst/>
-                <a:latin typeface="JetBrains Mono"/>
-              </a:rPr>
-              <a:t>int </a:t>
-            </a:r>
-            <a:r>
-              <a:rPr kumimoji="0" lang="en-US" altLang="en-US" sz="1400" b="0" i="0" u="none" strike="noStrike" cap="none" normalizeH="0" baseline="0" dirty="0">
-                <a:ln>
-                  <a:noFill/>
-                </a:ln>
-                <a:solidFill>
-                  <a:srgbClr val="000000"/>
-                </a:solidFill>
-                <a:effectLst/>
-                <a:latin typeface="JetBrains Mono"/>
-              </a:rPr>
-              <a:t>w = </a:t>
-            </a:r>
-            <a:r>
-              <a:rPr kumimoji="0" lang="en-US" altLang="en-US" sz="1400" b="0" i="0" u="none" strike="noStrike" cap="none" normalizeH="0" baseline="0" dirty="0">
-                <a:ln>
-                  <a:noFill/>
-                </a:ln>
-                <a:solidFill>
-                  <a:srgbClr val="0000FF"/>
-                </a:solidFill>
-                <a:effectLst/>
-                <a:latin typeface="JetBrains Mono"/>
-              </a:rPr>
-              <a:t>5</a:t>
-            </a:r>
-            <a:r>
-              <a:rPr kumimoji="0" lang="en-US" altLang="en-US" sz="1400" b="0" i="0" u="none" strike="noStrike" cap="none" normalizeH="0" baseline="0" dirty="0">
-                <a:ln>
-                  <a:noFill/>
-                </a:ln>
-                <a:solidFill>
-                  <a:srgbClr val="000000"/>
-                </a:solidFill>
-                <a:effectLst/>
-                <a:latin typeface="JetBrains Mono"/>
-              </a:rPr>
-              <a:t>;</a:t>
-            </a:r>
-            <a:br>
-              <a:rPr kumimoji="0" lang="en-US" altLang="en-US" sz="1400" b="0" i="0" u="none" strike="noStrike" cap="none" normalizeH="0" baseline="0" dirty="0">
-                <a:ln>
-                  <a:noFill/>
-                </a:ln>
-                <a:solidFill>
-                  <a:srgbClr val="000000"/>
-                </a:solidFill>
-                <a:effectLst/>
-                <a:latin typeface="JetBrains Mono"/>
-              </a:rPr>
-            </a:br>
-            <a:r>
-              <a:rPr kumimoji="0" lang="en-US" altLang="en-US" sz="1400" b="0" i="0" u="none" strike="noStrike" cap="none" normalizeH="0" baseline="0" dirty="0">
-                <a:ln>
-                  <a:noFill/>
-                </a:ln>
-                <a:solidFill>
-                  <a:srgbClr val="000000"/>
-                </a:solidFill>
-                <a:effectLst/>
-                <a:latin typeface="JetBrains Mono"/>
-              </a:rPr>
-              <a:t>        </a:t>
-            </a:r>
-            <a:r>
-              <a:rPr kumimoji="0" lang="en-US" altLang="en-US" sz="1400" b="1" i="0" u="none" strike="noStrike" cap="none" normalizeH="0" baseline="0" dirty="0">
-                <a:ln>
-                  <a:noFill/>
-                </a:ln>
-                <a:solidFill>
-                  <a:srgbClr val="000080"/>
-                </a:solidFill>
-                <a:effectLst/>
-                <a:latin typeface="JetBrains Mono"/>
-              </a:rPr>
-              <a:t>int </a:t>
-            </a:r>
-            <a:r>
-              <a:rPr kumimoji="0" lang="en-US" altLang="en-US" sz="1400" b="0" i="0" u="none" strike="noStrike" cap="none" normalizeH="0" baseline="0" dirty="0">
-                <a:ln>
-                  <a:noFill/>
-                </a:ln>
-                <a:solidFill>
-                  <a:srgbClr val="000000"/>
-                </a:solidFill>
-                <a:effectLst/>
-                <a:latin typeface="JetBrains Mono"/>
-              </a:rPr>
-              <a:t>l = </a:t>
-            </a:r>
-            <a:r>
-              <a:rPr kumimoji="0" lang="en-US" altLang="en-US" sz="1400" b="0" i="0" u="none" strike="noStrike" cap="none" normalizeH="0" baseline="0" dirty="0">
-                <a:ln>
-                  <a:noFill/>
-                </a:ln>
-                <a:solidFill>
-                  <a:srgbClr val="0000FF"/>
-                </a:solidFill>
-                <a:effectLst/>
-                <a:latin typeface="JetBrains Mono"/>
-              </a:rPr>
-              <a:t>10</a:t>
-            </a:r>
-            <a:r>
-              <a:rPr kumimoji="0" lang="en-US" altLang="en-US" sz="1400" b="0" i="0" u="none" strike="noStrike" cap="none" normalizeH="0" baseline="0" dirty="0">
-                <a:ln>
-                  <a:noFill/>
-                </a:ln>
-                <a:solidFill>
-                  <a:srgbClr val="000000"/>
-                </a:solidFill>
-                <a:effectLst/>
-                <a:latin typeface="JetBrains Mono"/>
-              </a:rPr>
-              <a:t>;</a:t>
-            </a:r>
-            <a:br>
-              <a:rPr kumimoji="0" lang="en-US" altLang="en-US" sz="1400" b="0" i="0" u="none" strike="noStrike" cap="none" normalizeH="0" baseline="0" dirty="0">
-                <a:ln>
-                  <a:noFill/>
-                </a:ln>
-                <a:solidFill>
-                  <a:srgbClr val="000000"/>
-                </a:solidFill>
-                <a:effectLst/>
-                <a:latin typeface="JetBrains Mono"/>
-              </a:rPr>
-            </a:br>
-            <a:r>
-              <a:rPr kumimoji="0" lang="en-US" altLang="en-US" sz="1400" b="0" i="0" u="none" strike="noStrike" cap="none" normalizeH="0" baseline="0" dirty="0">
-                <a:ln>
-                  <a:noFill/>
-                </a:ln>
-                <a:solidFill>
-                  <a:srgbClr val="000000"/>
-                </a:solidFill>
-                <a:effectLst/>
-                <a:latin typeface="JetBrains Mono"/>
-              </a:rPr>
-              <a:t>        Rectangle </a:t>
-            </a:r>
-            <a:r>
-              <a:rPr kumimoji="0" lang="en-US" altLang="en-US" sz="1400" b="0" i="0" u="none" strike="noStrike" cap="none" normalizeH="0" baseline="0" dirty="0" err="1">
-                <a:ln>
-                  <a:noFill/>
-                </a:ln>
-                <a:solidFill>
-                  <a:srgbClr val="000000"/>
-                </a:solidFill>
-                <a:effectLst/>
-                <a:latin typeface="JetBrains Mono"/>
-              </a:rPr>
-              <a:t>rectangle</a:t>
-            </a:r>
-            <a:r>
-              <a:rPr kumimoji="0" lang="en-US" altLang="en-US" sz="1400" b="0" i="0" u="none" strike="noStrike" cap="none" normalizeH="0" baseline="0" dirty="0">
-                <a:ln>
-                  <a:noFill/>
-                </a:ln>
-                <a:solidFill>
-                  <a:srgbClr val="000000"/>
-                </a:solidFill>
-                <a:effectLst/>
-                <a:latin typeface="JetBrains Mono"/>
-              </a:rPr>
-              <a:t> = </a:t>
-            </a:r>
-            <a:r>
-              <a:rPr kumimoji="0" lang="en-US" altLang="en-US" sz="1400" b="1" i="0" u="none" strike="noStrike" cap="none" normalizeH="0" baseline="0" dirty="0">
-                <a:ln>
-                  <a:noFill/>
-                </a:ln>
-                <a:solidFill>
-                  <a:srgbClr val="000080"/>
-                </a:solidFill>
-                <a:effectLst/>
-                <a:latin typeface="JetBrains Mono"/>
-              </a:rPr>
-              <a:t>new </a:t>
-            </a:r>
-            <a:r>
-              <a:rPr kumimoji="0" lang="en-US" altLang="en-US" sz="1400" b="0" i="0" u="none" strike="noStrike" cap="none" normalizeH="0" baseline="0" dirty="0">
-                <a:ln>
-                  <a:noFill/>
-                </a:ln>
-                <a:solidFill>
-                  <a:srgbClr val="000000"/>
-                </a:solidFill>
-                <a:effectLst/>
-                <a:latin typeface="JetBrains Mono"/>
-              </a:rPr>
-              <a:t>Rectangle(</a:t>
-            </a:r>
-            <a:r>
-              <a:rPr kumimoji="0" lang="en-US" altLang="en-US" sz="1400" b="0" i="0" u="none" strike="noStrike" cap="none" normalizeH="0" baseline="0" dirty="0" err="1">
-                <a:ln>
-                  <a:noFill/>
-                </a:ln>
-                <a:solidFill>
-                  <a:srgbClr val="000000"/>
-                </a:solidFill>
-                <a:effectLst/>
-                <a:latin typeface="JetBrains Mono"/>
-              </a:rPr>
-              <a:t>w,l</a:t>
-            </a:r>
-            <a:r>
-              <a:rPr kumimoji="0" lang="en-US" altLang="en-US" sz="1400" b="0" i="0" u="none" strike="noStrike" cap="none" normalizeH="0" baseline="0" dirty="0">
-                <a:ln>
-                  <a:noFill/>
-                </a:ln>
-                <a:solidFill>
-                  <a:srgbClr val="000000"/>
-                </a:solidFill>
-                <a:effectLst/>
-                <a:latin typeface="JetBrains Mono"/>
-              </a:rPr>
-              <a:t>);</a:t>
-            </a:r>
-            <a:br>
-              <a:rPr kumimoji="0" lang="en-US" altLang="en-US" sz="1400" b="0" i="0" u="none" strike="noStrike" cap="none" normalizeH="0" baseline="0" dirty="0">
-                <a:ln>
-                  <a:noFill/>
-                </a:ln>
-                <a:solidFill>
-                  <a:srgbClr val="000000"/>
-                </a:solidFill>
-                <a:effectLst/>
-                <a:latin typeface="JetBrains Mono"/>
-              </a:rPr>
-            </a:br>
-            <a:r>
-              <a:rPr kumimoji="0" lang="en-US" altLang="en-US" sz="1400" b="0" i="0" u="none" strike="noStrike" cap="none" normalizeH="0" baseline="0" dirty="0">
-                <a:ln>
-                  <a:noFill/>
-                </a:ln>
-                <a:solidFill>
-                  <a:srgbClr val="000000"/>
-                </a:solidFill>
-                <a:effectLst/>
-                <a:latin typeface="JetBrains Mono"/>
-              </a:rPr>
-              <a:t>        </a:t>
-            </a:r>
-            <a:r>
-              <a:rPr kumimoji="0" lang="en-US" altLang="en-US" sz="1400" b="0" i="1" u="none" strike="noStrike" cap="none" normalizeH="0" baseline="0" dirty="0" err="1">
-                <a:ln>
-                  <a:noFill/>
-                </a:ln>
-                <a:solidFill>
-                  <a:srgbClr val="000000"/>
-                </a:solidFill>
-                <a:effectLst/>
-                <a:latin typeface="JetBrains Mono"/>
-              </a:rPr>
-              <a:t>printValues</a:t>
-            </a:r>
-            <a:r>
-              <a:rPr kumimoji="0" lang="en-US" altLang="en-US" sz="1400" b="0" i="0" u="none" strike="noStrike" cap="none" normalizeH="0" baseline="0" dirty="0">
-                <a:ln>
-                  <a:noFill/>
-                </a:ln>
-                <a:solidFill>
-                  <a:srgbClr val="000000"/>
-                </a:solidFill>
-                <a:effectLst/>
-                <a:latin typeface="JetBrains Mono"/>
-              </a:rPr>
-              <a:t>(rectangle, w, l);</a:t>
-            </a:r>
-            <a:br>
-              <a:rPr kumimoji="0" lang="en-US" altLang="en-US" sz="1400" b="0" i="0" u="none" strike="noStrike" cap="none" normalizeH="0" baseline="0" dirty="0">
-                <a:ln>
-                  <a:noFill/>
-                </a:ln>
-                <a:solidFill>
-                  <a:srgbClr val="000000"/>
-                </a:solidFill>
-                <a:effectLst/>
-                <a:latin typeface="JetBrains Mono"/>
-              </a:rPr>
-            </a:br>
-            <a:r>
-              <a:rPr kumimoji="0" lang="en-US" altLang="en-US" sz="1400" b="0" i="0" u="none" strike="noStrike" cap="none" normalizeH="0" baseline="0" dirty="0">
-                <a:ln>
-                  <a:noFill/>
-                </a:ln>
-                <a:solidFill>
-                  <a:srgbClr val="000000"/>
-                </a:solidFill>
-                <a:effectLst/>
-                <a:latin typeface="JetBrains Mono"/>
-              </a:rPr>
-              <a:t>        </a:t>
-            </a:r>
-            <a:r>
-              <a:rPr kumimoji="0" lang="en-US" altLang="en-US" sz="1400" b="0" i="1" u="none" strike="noStrike" cap="none" normalizeH="0" baseline="0" dirty="0" err="1">
-                <a:ln>
-                  <a:noFill/>
-                </a:ln>
-                <a:solidFill>
-                  <a:srgbClr val="000000"/>
-                </a:solidFill>
-                <a:effectLst/>
-                <a:latin typeface="JetBrains Mono"/>
-              </a:rPr>
-              <a:t>modifyValues</a:t>
-            </a:r>
-            <a:r>
-              <a:rPr kumimoji="0" lang="en-US" altLang="en-US" sz="1400" b="0" i="0" u="none" strike="noStrike" cap="none" normalizeH="0" baseline="0" dirty="0">
-                <a:ln>
-                  <a:noFill/>
-                </a:ln>
-                <a:solidFill>
-                  <a:srgbClr val="000000"/>
-                </a:solidFill>
-                <a:effectLst/>
-                <a:latin typeface="JetBrains Mono"/>
-              </a:rPr>
-              <a:t>(rectangle, w, l);</a:t>
-            </a:r>
-            <a:br>
-              <a:rPr kumimoji="0" lang="en-US" altLang="en-US" sz="1400" b="0" i="0" u="none" strike="noStrike" cap="none" normalizeH="0" baseline="0" dirty="0">
-                <a:ln>
-                  <a:noFill/>
-                </a:ln>
-                <a:solidFill>
-                  <a:srgbClr val="000000"/>
-                </a:solidFill>
-                <a:effectLst/>
-                <a:latin typeface="JetBrains Mono"/>
-              </a:rPr>
-            </a:br>
-            <a:r>
-              <a:rPr kumimoji="0" lang="en-US" altLang="en-US" sz="1400" b="0" i="0" u="none" strike="noStrike" cap="none" normalizeH="0" baseline="0" dirty="0">
-                <a:ln>
-                  <a:noFill/>
-                </a:ln>
-                <a:solidFill>
-                  <a:srgbClr val="000000"/>
-                </a:solidFill>
-                <a:effectLst/>
-                <a:latin typeface="JetBrains Mono"/>
-              </a:rPr>
-              <a:t>        </a:t>
-            </a:r>
-            <a:r>
-              <a:rPr kumimoji="0" lang="en-US" altLang="en-US" sz="1400" b="0" i="0" u="none" strike="noStrike" cap="none" normalizeH="0" baseline="0" dirty="0" err="1">
-                <a:ln>
-                  <a:noFill/>
-                </a:ln>
-                <a:solidFill>
-                  <a:srgbClr val="000000"/>
-                </a:solidFill>
-                <a:effectLst/>
-                <a:latin typeface="JetBrains Mono"/>
-              </a:rPr>
-              <a:t>System.</a:t>
-            </a:r>
-            <a:r>
-              <a:rPr kumimoji="0" lang="en-US" altLang="en-US" sz="1400" b="1" i="1" u="none" strike="noStrike" cap="none" normalizeH="0" baseline="0" dirty="0" err="1">
-                <a:ln>
-                  <a:noFill/>
-                </a:ln>
-                <a:solidFill>
-                  <a:srgbClr val="660E7A"/>
-                </a:solidFill>
-                <a:effectLst/>
-                <a:latin typeface="JetBrains Mono"/>
-              </a:rPr>
-              <a:t>out</a:t>
-            </a:r>
-            <a:r>
-              <a:rPr kumimoji="0" lang="en-US" altLang="en-US" sz="1400" b="0" i="0" u="none" strike="noStrike" cap="none" normalizeH="0" baseline="0" dirty="0" err="1">
-                <a:ln>
-                  <a:noFill/>
-                </a:ln>
-                <a:solidFill>
-                  <a:srgbClr val="000000"/>
-                </a:solidFill>
-                <a:effectLst/>
-                <a:latin typeface="JetBrains Mono"/>
-              </a:rPr>
-              <a:t>.println</a:t>
-            </a:r>
-            <a:r>
-              <a:rPr kumimoji="0" lang="en-US" altLang="en-US" sz="1400" b="0" i="0" u="none" strike="noStrike" cap="none" normalizeH="0" baseline="0" dirty="0">
-                <a:ln>
-                  <a:noFill/>
-                </a:ln>
-                <a:solidFill>
-                  <a:srgbClr val="000000"/>
-                </a:solidFill>
-                <a:effectLst/>
-                <a:latin typeface="JetBrains Mono"/>
-              </a:rPr>
-              <a:t>(</a:t>
-            </a:r>
-            <a:r>
-              <a:rPr kumimoji="0" lang="en-US" altLang="en-US" sz="1400" b="1" i="0" u="none" strike="noStrike" cap="none" normalizeH="0" baseline="0" dirty="0">
-                <a:ln>
-                  <a:noFill/>
-                </a:ln>
-                <a:solidFill>
-                  <a:srgbClr val="008000"/>
-                </a:solidFill>
-                <a:effectLst/>
-                <a:latin typeface="JetBrains Mono"/>
-              </a:rPr>
-              <a:t>"Values Modified!"</a:t>
-            </a:r>
-            <a:r>
-              <a:rPr kumimoji="0" lang="en-US" altLang="en-US" sz="1400" b="0" i="0" u="none" strike="noStrike" cap="none" normalizeH="0" baseline="0" dirty="0">
-                <a:ln>
-                  <a:noFill/>
-                </a:ln>
-                <a:solidFill>
-                  <a:srgbClr val="000000"/>
-                </a:solidFill>
-                <a:effectLst/>
-                <a:latin typeface="JetBrains Mono"/>
-              </a:rPr>
-              <a:t>);</a:t>
-            </a:r>
-            <a:br>
-              <a:rPr kumimoji="0" lang="en-US" altLang="en-US" sz="1400" b="0" i="0" u="none" strike="noStrike" cap="none" normalizeH="0" baseline="0" dirty="0">
-                <a:ln>
-                  <a:noFill/>
-                </a:ln>
-                <a:solidFill>
-                  <a:srgbClr val="000000"/>
-                </a:solidFill>
-                <a:effectLst/>
-                <a:latin typeface="JetBrains Mono"/>
-              </a:rPr>
-            </a:br>
-            <a:r>
-              <a:rPr kumimoji="0" lang="en-US" altLang="en-US" sz="1400" b="0" i="0" u="none" strike="noStrike" cap="none" normalizeH="0" baseline="0" dirty="0">
-                <a:ln>
-                  <a:noFill/>
-                </a:ln>
-                <a:solidFill>
-                  <a:srgbClr val="000000"/>
-                </a:solidFill>
-                <a:effectLst/>
-                <a:latin typeface="JetBrains Mono"/>
-              </a:rPr>
-              <a:t>        </a:t>
-            </a:r>
-            <a:r>
-              <a:rPr kumimoji="0" lang="en-US" altLang="en-US" sz="1400" b="0" i="1" u="none" strike="noStrike" cap="none" normalizeH="0" baseline="0" dirty="0" err="1">
-                <a:ln>
-                  <a:noFill/>
-                </a:ln>
-                <a:solidFill>
-                  <a:srgbClr val="000000"/>
-                </a:solidFill>
-                <a:effectLst/>
-                <a:latin typeface="JetBrains Mono"/>
-              </a:rPr>
-              <a:t>printValues</a:t>
-            </a:r>
-            <a:r>
-              <a:rPr kumimoji="0" lang="en-US" altLang="en-US" sz="1400" b="0" i="0" u="none" strike="noStrike" cap="none" normalizeH="0" baseline="0" dirty="0">
-                <a:ln>
-                  <a:noFill/>
-                </a:ln>
-                <a:solidFill>
-                  <a:srgbClr val="000000"/>
-                </a:solidFill>
-                <a:effectLst/>
-                <a:latin typeface="JetBrains Mono"/>
-              </a:rPr>
-              <a:t>(rectangle, w, l);</a:t>
-            </a:r>
-            <a:br>
-              <a:rPr kumimoji="0" lang="en-US" altLang="en-US" sz="1400" b="0" i="0" u="none" strike="noStrike" cap="none" normalizeH="0" baseline="0" dirty="0">
-                <a:ln>
-                  <a:noFill/>
-                </a:ln>
-                <a:solidFill>
-                  <a:srgbClr val="000000"/>
-                </a:solidFill>
-                <a:effectLst/>
-                <a:latin typeface="JetBrains Mono"/>
-              </a:rPr>
-            </a:br>
-            <a:r>
-              <a:rPr kumimoji="0" lang="en-US" altLang="en-US" sz="1400" b="0" i="0" u="none" strike="noStrike" cap="none" normalizeH="0" baseline="0" dirty="0">
-                <a:ln>
-                  <a:noFill/>
-                </a:ln>
-                <a:solidFill>
-                  <a:srgbClr val="000000"/>
-                </a:solidFill>
-                <a:effectLst/>
-                <a:latin typeface="JetBrains Mono"/>
-              </a:rPr>
-              <a:t>    }</a:t>
-            </a:r>
-            <a:br>
-              <a:rPr kumimoji="0" lang="en-US" altLang="en-US" sz="1400" b="0" i="0" u="none" strike="noStrike" cap="none" normalizeH="0" baseline="0" dirty="0">
-                <a:ln>
-                  <a:noFill/>
-                </a:ln>
-                <a:solidFill>
-                  <a:srgbClr val="000000"/>
-                </a:solidFill>
-                <a:effectLst/>
-                <a:latin typeface="JetBrains Mono"/>
-              </a:rPr>
-            </a:br>
-            <a:r>
-              <a:rPr kumimoji="0" lang="en-US" altLang="en-US" sz="1400" b="0" i="0" u="none" strike="noStrike" cap="none" normalizeH="0" baseline="0" dirty="0">
-                <a:ln>
-                  <a:noFill/>
-                </a:ln>
-                <a:solidFill>
-                  <a:srgbClr val="000000"/>
-                </a:solidFill>
-                <a:effectLst/>
-                <a:latin typeface="JetBrains Mono"/>
-              </a:rPr>
-              <a:t>}</a:t>
-            </a:r>
-            <a:endParaRPr kumimoji="0" lang="en-US" altLang="en-US" sz="1400" b="0" i="0" u="none" strike="noStrike" cap="none" normalizeH="0" baseline="0" dirty="0">
-              <a:ln>
-                <a:noFill/>
-              </a:ln>
-              <a:solidFill>
-                <a:schemeClr val="tx1"/>
-              </a:solidFill>
-              <a:effectLst/>
-              <a:latin typeface="Arial" panose="020B0604020202020204" pitchFamily="34" charset="0"/>
-            </a:endParaRPr>
-          </a:p>
-        </p:txBody>
-      </p:sp>
-    </p:spTree>
-    <p:extLst>
-      <p:ext uri="{BB962C8B-B14F-4D97-AF65-F5344CB8AC3E}">
-        <p14:creationId xmlns:p14="http://schemas.microsoft.com/office/powerpoint/2010/main" val="1321986566"/>
       </p:ext>
     </p:extLst>
   </p:cSld>

--- a/slides/On-Campus/06_03_MoreMethods.pptx
+++ b/slides/On-Campus/06_03_MoreMethods.pptx
@@ -235,7 +235,7 @@
           <a:p>
             <a:fld id="{4D7E51A5-B478-1E40-8CBB-0DAA8831E99D}" type="datetimeFigureOut">
               <a:rPr lang="en-US" smtClean="0"/>
-              <a:t>9/30/2021</a:t>
+              <a:t>10/1/21</a:t>
             </a:fld>
             <a:endParaRPr lang="en-US"/>
           </a:p>
@@ -733,7 +733,7 @@
           <a:p>
             <a:fld id="{D0ED587F-861E-6740-9643-E3DDAE89B8D6}" type="datetimeFigureOut">
               <a:rPr lang="en-US" smtClean="0"/>
-              <a:t>9/30/2021</a:t>
+              <a:t>10/1/21</a:t>
             </a:fld>
             <a:endParaRPr lang="en-US"/>
           </a:p>
@@ -11546,15 +11546,7 @@
           <a:p>
             <a:r>
               <a:rPr lang="en-US" dirty="0"/>
-              <a:t>The values in </a:t>
-            </a:r>
-            <a:r>
-              <a:rPr lang="en-US" dirty="0" err="1"/>
-              <a:t>Rectange</a:t>
-            </a:r>
-            <a:r>
-              <a:rPr lang="en-US" dirty="0"/>
-              <a:t> were changed!</a:t>
+              <a:t>The values in Rectangle were changed!</a:t>
             </a:r>
           </a:p>
           <a:p>
